--- a/FE571_Final_Presentation_v2.pptx
+++ b/FE571_Final_Presentation_v2.pptx
@@ -4,29 +4,32 @@
   <p:sldMasterIdLst>
     <p:sldMasterId id="2147483648" r:id="rId1"/>
   </p:sldMasterIdLst>
+  <p:notesMasterIdLst>
+    <p:notesMasterId r:id="rId22"/>
+  </p:notesMasterIdLst>
   <p:sldIdLst>
-    <p:sldId id="256" r:id="rId7"/>
-    <p:sldId id="257" r:id="rId8"/>
-    <p:sldId id="258" r:id="rId9"/>
-    <p:sldId id="259" r:id="rId10"/>
-    <p:sldId id="260" r:id="rId11"/>
-    <p:sldId id="261" r:id="rId12"/>
-    <p:sldId id="262" r:id="rId13"/>
-    <p:sldId id="263" r:id="rId14"/>
-    <p:sldId id="264" r:id="rId15"/>
-    <p:sldId id="265" r:id="rId16"/>
-    <p:sldId id="266" r:id="rId17"/>
-    <p:sldId id="267" r:id="rId18"/>
-    <p:sldId id="268" r:id="rId19"/>
-    <p:sldId id="269" r:id="rId20"/>
-    <p:sldId id="270" r:id="rId21"/>
-    <p:sldId id="271" r:id="rId22"/>
-    <p:sldId id="272" r:id="rId23"/>
-    <p:sldId id="273" r:id="rId24"/>
-    <p:sldId id="274" r:id="rId25"/>
-    <p:sldId id="275" r:id="rId26"/>
+    <p:sldId id="256" r:id="rId2"/>
+    <p:sldId id="257" r:id="rId3"/>
+    <p:sldId id="258" r:id="rId4"/>
+    <p:sldId id="259" r:id="rId5"/>
+    <p:sldId id="260" r:id="rId6"/>
+    <p:sldId id="261" r:id="rId7"/>
+    <p:sldId id="262" r:id="rId8"/>
+    <p:sldId id="263" r:id="rId9"/>
+    <p:sldId id="264" r:id="rId10"/>
+    <p:sldId id="265" r:id="rId11"/>
+    <p:sldId id="266" r:id="rId12"/>
+    <p:sldId id="267" r:id="rId13"/>
+    <p:sldId id="268" r:id="rId14"/>
+    <p:sldId id="269" r:id="rId15"/>
+    <p:sldId id="270" r:id="rId16"/>
+    <p:sldId id="271" r:id="rId17"/>
+    <p:sldId id="272" r:id="rId18"/>
+    <p:sldId id="273" r:id="rId19"/>
+    <p:sldId id="274" r:id="rId20"/>
+    <p:sldId id="275" r:id="rId21"/>
   </p:sldIdLst>
-  <p:sldSz cx="9144000" cy="5143500" type="screen4x3"/>
+  <p:sldSz cx="9144000" cy="5143500" type="screen16x9"/>
   <p:notesSz cx="6858000" cy="9144000"/>
   <p:defaultTextStyle>
     <a:defPPr>
@@ -123,7 +126,1751 @@
       </a:defRPr>
     </a:lvl9pPr>
   </p:defaultTextStyle>
+  <p:extLst>
+    <p:ext uri="{EFAFB233-063F-42B5-8137-9DF3F51BA10A}">
+      <p15:sldGuideLst xmlns:p15="http://schemas.microsoft.com/office/powerpoint/2012/main">
+        <p15:guide id="1" orient="horz" pos="2160">
+          <p15:clr>
+            <a:srgbClr val="A4A3A4"/>
+          </p15:clr>
+        </p15:guide>
+        <p15:guide id="2" pos="2880">
+          <p15:clr>
+            <a:srgbClr val="A4A3A4"/>
+          </p15:clr>
+        </p15:guide>
+      </p15:sldGuideLst>
+    </p:ext>
+  </p:extLst>
 </p:presentation>
+</file>
+
+<file path=ppt/notesMasters/notesMaster1.xml><?xml version="1.0" encoding="utf-8"?>
+<p:notesMaster xmlns:a="http://schemas.openxmlformats.org/drawingml/2006/main" xmlns:r="http://schemas.openxmlformats.org/officeDocument/2006/relationships" xmlns:p="http://schemas.openxmlformats.org/presentationml/2006/main">
+  <p:cSld>
+    <p:bg>
+      <p:bgRef idx="1001">
+        <a:schemeClr val="bg1"/>
+      </p:bgRef>
+    </p:bg>
+    <p:spTree>
+      <p:nvGrpSpPr>
+        <p:cNvPr id="1" name=""/>
+        <p:cNvGrpSpPr/>
+        <p:nvPr/>
+      </p:nvGrpSpPr>
+      <p:grpSpPr>
+        <a:xfrm>
+          <a:off x="0" y="0"/>
+          <a:ext cx="0" cy="0"/>
+          <a:chOff x="0" y="0"/>
+          <a:chExt cx="0" cy="0"/>
+        </a:xfrm>
+      </p:grpSpPr>
+    </p:spTree>
+    <p:extLst>
+      <p:ext uri="{BB962C8B-B14F-4D97-AF65-F5344CB8AC3E}">
+        <p14:creationId xmlns:p14="http://schemas.microsoft.com/office/powerpoint/2010/main" val="584491"/>
+      </p:ext>
+    </p:extLst>
+  </p:cSld>
+  <p:clrMap bg1="lt1" tx1="dk1" bg2="lt2" tx2="dk2" accent1="accent1" accent2="accent2" accent3="accent3" accent4="accent4" accent5="accent5" accent6="accent6" hlink="hlink" folHlink="folHlink"/>
+  <p:notesStyle>
+    <a:lvl1pPr marL="0" algn="l" defTabSz="914400" rtl="0" eaLnBrk="1" latinLnBrk="0" hangingPunct="1">
+      <a:defRPr sz="1200" kern="1200">
+        <a:solidFill>
+          <a:schemeClr val="tx1"/>
+        </a:solidFill>
+        <a:latin typeface="+mn-lt"/>
+        <a:ea typeface="+mn-ea"/>
+        <a:cs typeface="+mn-cs"/>
+      </a:defRPr>
+    </a:lvl1pPr>
+    <a:lvl2pPr marL="457200" algn="l" defTabSz="914400" rtl="0" eaLnBrk="1" latinLnBrk="0" hangingPunct="1">
+      <a:defRPr sz="1200" kern="1200">
+        <a:solidFill>
+          <a:schemeClr val="tx1"/>
+        </a:solidFill>
+        <a:latin typeface="+mn-lt"/>
+        <a:ea typeface="+mn-ea"/>
+        <a:cs typeface="+mn-cs"/>
+      </a:defRPr>
+    </a:lvl2pPr>
+    <a:lvl3pPr marL="914400" algn="l" defTabSz="914400" rtl="0" eaLnBrk="1" latinLnBrk="0" hangingPunct="1">
+      <a:defRPr sz="1200" kern="1200">
+        <a:solidFill>
+          <a:schemeClr val="tx1"/>
+        </a:solidFill>
+        <a:latin typeface="+mn-lt"/>
+        <a:ea typeface="+mn-ea"/>
+        <a:cs typeface="+mn-cs"/>
+      </a:defRPr>
+    </a:lvl3pPr>
+    <a:lvl4pPr marL="1371600" algn="l" defTabSz="914400" rtl="0" eaLnBrk="1" latinLnBrk="0" hangingPunct="1">
+      <a:defRPr sz="1200" kern="1200">
+        <a:solidFill>
+          <a:schemeClr val="tx1"/>
+        </a:solidFill>
+        <a:latin typeface="+mn-lt"/>
+        <a:ea typeface="+mn-ea"/>
+        <a:cs typeface="+mn-cs"/>
+      </a:defRPr>
+    </a:lvl4pPr>
+    <a:lvl5pPr marL="1828800" algn="l" defTabSz="914400" rtl="0" eaLnBrk="1" latinLnBrk="0" hangingPunct="1">
+      <a:defRPr sz="1200" kern="1200">
+        <a:solidFill>
+          <a:schemeClr val="tx1"/>
+        </a:solidFill>
+        <a:latin typeface="+mn-lt"/>
+        <a:ea typeface="+mn-ea"/>
+        <a:cs typeface="+mn-cs"/>
+      </a:defRPr>
+    </a:lvl5pPr>
+    <a:lvl6pPr marL="2286000" algn="l" defTabSz="914400" rtl="0" eaLnBrk="1" latinLnBrk="0" hangingPunct="1">
+      <a:defRPr sz="1200" kern="1200">
+        <a:solidFill>
+          <a:schemeClr val="tx1"/>
+        </a:solidFill>
+        <a:latin typeface="+mn-lt"/>
+        <a:ea typeface="+mn-ea"/>
+        <a:cs typeface="+mn-cs"/>
+      </a:defRPr>
+    </a:lvl6pPr>
+    <a:lvl7pPr marL="2743200" algn="l" defTabSz="914400" rtl="0" eaLnBrk="1" latinLnBrk="0" hangingPunct="1">
+      <a:defRPr sz="1200" kern="1200">
+        <a:solidFill>
+          <a:schemeClr val="tx1"/>
+        </a:solidFill>
+        <a:latin typeface="+mn-lt"/>
+        <a:ea typeface="+mn-ea"/>
+        <a:cs typeface="+mn-cs"/>
+      </a:defRPr>
+    </a:lvl7pPr>
+    <a:lvl8pPr marL="3200400" algn="l" defTabSz="914400" rtl="0" eaLnBrk="1" latinLnBrk="0" hangingPunct="1">
+      <a:defRPr sz="1200" kern="1200">
+        <a:solidFill>
+          <a:schemeClr val="tx1"/>
+        </a:solidFill>
+        <a:latin typeface="+mn-lt"/>
+        <a:ea typeface="+mn-ea"/>
+        <a:cs typeface="+mn-cs"/>
+      </a:defRPr>
+    </a:lvl8pPr>
+    <a:lvl9pPr marL="3657600" algn="l" defTabSz="914400" rtl="0" eaLnBrk="1" latinLnBrk="0" hangingPunct="1">
+      <a:defRPr sz="1200" kern="1200">
+        <a:solidFill>
+          <a:schemeClr val="tx1"/>
+        </a:solidFill>
+        <a:latin typeface="+mn-lt"/>
+        <a:ea typeface="+mn-ea"/>
+        <a:cs typeface="+mn-cs"/>
+      </a:defRPr>
+    </a:lvl9pPr>
+  </p:notesStyle>
+</p:notesMaster>
+</file>
+
+<file path=ppt/notesSlides/notesSlide1.xml><?xml version="1.0" encoding="utf-8"?>
+<p:notes xmlns:a="http://schemas.openxmlformats.org/drawingml/2006/main" xmlns:r="http://schemas.openxmlformats.org/officeDocument/2006/relationships" xmlns:p="http://schemas.openxmlformats.org/presentationml/2006/main">
+  <p:cSld>
+    <p:spTree>
+      <p:nvGrpSpPr>
+        <p:cNvPr id="1" name=""/>
+        <p:cNvGrpSpPr/>
+        <p:nvPr/>
+      </p:nvGrpSpPr>
+      <p:grpSpPr>
+        <a:xfrm>
+          <a:off x="0" y="0"/>
+          <a:ext cx="0" cy="0"/>
+          <a:chOff x="0" y="0"/>
+          <a:chExt cx="0" cy="0"/>
+        </a:xfrm>
+      </p:grpSpPr>
+      <p:sp>
+        <p:nvSpPr>
+          <p:cNvPr id="2" name="Slide Image Placeholder 1"/>
+          <p:cNvSpPr>
+            <a:spLocks noGrp="1" noRot="1" noChangeAspect="1"/>
+          </p:cNvSpPr>
+          <p:nvPr>
+            <p:ph type="sldImg" idx="2"/>
+          </p:nvPr>
+        </p:nvSpPr>
+        <p:spPr/>
+      </p:sp>
+      <p:sp>
+        <p:nvSpPr>
+          <p:cNvPr id="3" name="Notes Placeholder 2"/>
+          <p:cNvSpPr>
+            <a:spLocks noGrp="1"/>
+          </p:cNvSpPr>
+          <p:nvPr>
+            <p:ph type="body" sz="quarter" idx="3"/>
+          </p:nvPr>
+        </p:nvSpPr>
+        <p:spPr/>
+        <p:txBody>
+          <a:bodyPr/>
+          <a:lstStyle/>
+          <a:p>
+            <a:r>
+              <a:rPr dirty="0"/>
+              <a:t>• This project evolved from a simple pairs trading idea into a full quantitative research exercise</a:t>
+            </a:r>
+          </a:p>
+          <a:p>
+            <a:r>
+              <a:rPr dirty="0"/>
+              <a:t>• We'll walk through our methodology, what worked, what didn't, and the lessons learned along the way</a:t>
+            </a:r>
+          </a:p>
+          <a:p>
+            <a:r>
+              <a:rPr dirty="0"/>
+              <a:t>• The code is fully reproducible on GitHub — we welcome questions at the end</a:t>
+            </a:r>
+          </a:p>
+        </p:txBody>
+      </p:sp>
+      <p:sp>
+        <p:nvSpPr>
+          <p:cNvPr id="4" name="Slide Number Placeholder 3"/>
+          <p:cNvSpPr>
+            <a:spLocks noGrp="1"/>
+          </p:cNvSpPr>
+          <p:nvPr>
+            <p:ph type="sldNum" sz="quarter" idx="5"/>
+          </p:nvPr>
+        </p:nvSpPr>
+        <p:spPr/>
+      </p:sp>
+    </p:spTree>
+  </p:cSld>
+  <p:clrMapOvr>
+    <a:masterClrMapping/>
+  </p:clrMapOvr>
+</p:notes>
+</file>
+
+<file path=ppt/notesSlides/notesSlide10.xml><?xml version="1.0" encoding="utf-8"?>
+<p:notes xmlns:a="http://schemas.openxmlformats.org/drawingml/2006/main" xmlns:r="http://schemas.openxmlformats.org/officeDocument/2006/relationships" xmlns:p="http://schemas.openxmlformats.org/presentationml/2006/main">
+  <p:cSld>
+    <p:spTree>
+      <p:nvGrpSpPr>
+        <p:cNvPr id="1" name=""/>
+        <p:cNvGrpSpPr/>
+        <p:nvPr/>
+      </p:nvGrpSpPr>
+      <p:grpSpPr>
+        <a:xfrm>
+          <a:off x="0" y="0"/>
+          <a:ext cx="0" cy="0"/>
+          <a:chOff x="0" y="0"/>
+          <a:chExt cx="0" cy="0"/>
+        </a:xfrm>
+      </p:grpSpPr>
+      <p:sp>
+        <p:nvSpPr>
+          <p:cNvPr id="2" name="Slide Image Placeholder 1"/>
+          <p:cNvSpPr>
+            <a:spLocks noGrp="1" noRot="1" noChangeAspect="1"/>
+          </p:cNvSpPr>
+          <p:nvPr>
+            <p:ph type="sldImg" idx="2"/>
+          </p:nvPr>
+        </p:nvSpPr>
+        <p:spPr/>
+      </p:sp>
+      <p:sp>
+        <p:nvSpPr>
+          <p:cNvPr id="3" name="Notes Placeholder 2"/>
+          <p:cNvSpPr>
+            <a:spLocks noGrp="1"/>
+          </p:cNvSpPr>
+          <p:nvPr>
+            <p:ph type="body" sz="quarter" idx="3"/>
+          </p:nvPr>
+        </p:nvSpPr>
+        <p:spPr/>
+        <p:txBody>
+          <a:bodyPr/>
+          <a:lstStyle/>
+          <a:p>
+            <a:r>
+              <a:t>• 50% drawdowns are painful — this is why we recommend only 5-10% portfolio allocation to this strategy</a:t>
+            </a:r>
+          </a:p>
+          <a:p>
+            <a:r>
+              <a:t>• Notice how drawdowns cluster around market stress periods like 2020 — mean-reversion fails when correlations spike</a:t>
+            </a:r>
+          </a:p>
+          <a:p>
+            <a:r>
+              <a:t>• The ML filter helps reduce some drawdowns but doesn't eliminate them — risk management is still essential</a:t>
+            </a:r>
+          </a:p>
+        </p:txBody>
+      </p:sp>
+      <p:sp>
+        <p:nvSpPr>
+          <p:cNvPr id="4" name="Slide Number Placeholder 3"/>
+          <p:cNvSpPr>
+            <a:spLocks noGrp="1"/>
+          </p:cNvSpPr>
+          <p:nvPr>
+            <p:ph type="sldNum" sz="quarter" idx="5"/>
+          </p:nvPr>
+        </p:nvSpPr>
+        <p:spPr/>
+      </p:sp>
+    </p:spTree>
+  </p:cSld>
+  <p:clrMapOvr>
+    <a:masterClrMapping/>
+  </p:clrMapOvr>
+</p:notes>
+</file>
+
+<file path=ppt/notesSlides/notesSlide11.xml><?xml version="1.0" encoding="utf-8"?>
+<p:notes xmlns:a="http://schemas.openxmlformats.org/drawingml/2006/main" xmlns:r="http://schemas.openxmlformats.org/officeDocument/2006/relationships" xmlns:p="http://schemas.openxmlformats.org/presentationml/2006/main">
+  <p:cSld>
+    <p:spTree>
+      <p:nvGrpSpPr>
+        <p:cNvPr id="1" name=""/>
+        <p:cNvGrpSpPr/>
+        <p:nvPr/>
+      </p:nvGrpSpPr>
+      <p:grpSpPr>
+        <a:xfrm>
+          <a:off x="0" y="0"/>
+          <a:ext cx="0" cy="0"/>
+          <a:chOff x="0" y="0"/>
+          <a:chExt cx="0" cy="0"/>
+        </a:xfrm>
+      </p:grpSpPr>
+      <p:sp>
+        <p:nvSpPr>
+          <p:cNvPr id="2" name="Slide Image Placeholder 1"/>
+          <p:cNvSpPr>
+            <a:spLocks noGrp="1" noRot="1" noChangeAspect="1"/>
+          </p:cNvSpPr>
+          <p:nvPr>
+            <p:ph type="sldImg" idx="2"/>
+          </p:nvPr>
+        </p:nvSpPr>
+        <p:spPr/>
+      </p:sp>
+      <p:sp>
+        <p:nvSpPr>
+          <p:cNvPr id="3" name="Notes Placeholder 2"/>
+          <p:cNvSpPr>
+            <a:spLocks noGrp="1"/>
+          </p:cNvSpPr>
+          <p:nvPr>
+            <p:ph type="body" sz="quarter" idx="3"/>
+          </p:nvPr>
+        </p:nvSpPr>
+        <p:spPr/>
+        <p:txBody>
+          <a:bodyPr/>
+          <a:lstStyle/>
+          <a:p>
+            <a:r>
+              <a:t>• Sharpe ratios near zero tell us this isn't a standalone alpha strategy — but that's okay for a hedge</a:t>
+            </a:r>
+          </a:p>
+          <a:p>
+            <a:r>
+              <a:t>• The ML improved Semiconductors significantly — from negative to positive Sharpe with 20% less drawdown</a:t>
+            </a:r>
+          </a:p>
+          <a:p>
+            <a:r>
+              <a:t>• Staples vs Discretionary is our worst performer — the relationship may be too noisy for mean-reversion</a:t>
+            </a:r>
+          </a:p>
+        </p:txBody>
+      </p:sp>
+      <p:sp>
+        <p:nvSpPr>
+          <p:cNvPr id="4" name="Slide Number Placeholder 3"/>
+          <p:cNvSpPr>
+            <a:spLocks noGrp="1"/>
+          </p:cNvSpPr>
+          <p:nvPr>
+            <p:ph type="sldNum" sz="quarter" idx="5"/>
+          </p:nvPr>
+        </p:nvSpPr>
+        <p:spPr/>
+      </p:sp>
+    </p:spTree>
+  </p:cSld>
+  <p:clrMapOvr>
+    <a:masterClrMapping/>
+  </p:clrMapOvr>
+</p:notes>
+</file>
+
+<file path=ppt/notesSlides/notesSlide12.xml><?xml version="1.0" encoding="utf-8"?>
+<p:notes xmlns:a="http://schemas.openxmlformats.org/drawingml/2006/main" xmlns:r="http://schemas.openxmlformats.org/officeDocument/2006/relationships" xmlns:p="http://schemas.openxmlformats.org/presentationml/2006/main">
+  <p:cSld>
+    <p:spTree>
+      <p:nvGrpSpPr>
+        <p:cNvPr id="1" name=""/>
+        <p:cNvGrpSpPr/>
+        <p:nvPr/>
+      </p:nvGrpSpPr>
+      <p:grpSpPr>
+        <a:xfrm>
+          <a:off x="0" y="0"/>
+          <a:ext cx="0" cy="0"/>
+          <a:chOff x="0" y="0"/>
+          <a:chExt cx="0" cy="0"/>
+        </a:xfrm>
+      </p:grpSpPr>
+      <p:sp>
+        <p:nvSpPr>
+          <p:cNvPr id="2" name="Slide Image Placeholder 1"/>
+          <p:cNvSpPr>
+            <a:spLocks noGrp="1" noRot="1" noChangeAspect="1"/>
+          </p:cNvSpPr>
+          <p:nvPr>
+            <p:ph type="sldImg" idx="2"/>
+          </p:nvPr>
+        </p:nvSpPr>
+        <p:spPr/>
+      </p:sp>
+      <p:sp>
+        <p:nvSpPr>
+          <p:cNvPr id="3" name="Notes Placeholder 2"/>
+          <p:cNvSpPr>
+            <a:spLocks noGrp="1"/>
+          </p:cNvSpPr>
+          <p:nvPr>
+            <p:ph type="body" sz="quarter" idx="3"/>
+          </p:nvPr>
+        </p:nvSpPr>
+        <p:spPr/>
+        <p:txBody>
+          <a:bodyPr/>
+          <a:lstStyle/>
+          <a:p>
+            <a:r>
+              <a:t>• The wide swings between positive and negative Sharpe show this strategy requires patience and conviction</a:t>
+            </a:r>
+          </a:p>
+          <a:p>
+            <a:r>
+              <a:t>• You can see periods where the strategy works well (2018, 2022) and periods where it struggles (2020-2021)</a:t>
+            </a:r>
+          </a:p>
+          <a:p>
+            <a:r>
+              <a:t>• This volatility in performance is why we don't recommend this as a primary strategy — it's supplemental</a:t>
+            </a:r>
+          </a:p>
+        </p:txBody>
+      </p:sp>
+      <p:sp>
+        <p:nvSpPr>
+          <p:cNvPr id="4" name="Slide Number Placeholder 3"/>
+          <p:cNvSpPr>
+            <a:spLocks noGrp="1"/>
+          </p:cNvSpPr>
+          <p:nvPr>
+            <p:ph type="sldNum" sz="quarter" idx="5"/>
+          </p:nvPr>
+        </p:nvSpPr>
+        <p:spPr/>
+      </p:sp>
+    </p:spTree>
+  </p:cSld>
+  <p:clrMapOvr>
+    <a:masterClrMapping/>
+  </p:clrMapOvr>
+</p:notes>
+</file>
+
+<file path=ppt/notesSlides/notesSlide13.xml><?xml version="1.0" encoding="utf-8"?>
+<p:notes xmlns:a="http://schemas.openxmlformats.org/drawingml/2006/main" xmlns:r="http://schemas.openxmlformats.org/officeDocument/2006/relationships" xmlns:p="http://schemas.openxmlformats.org/presentationml/2006/main">
+  <p:cSld>
+    <p:spTree>
+      <p:nvGrpSpPr>
+        <p:cNvPr id="1" name=""/>
+        <p:cNvGrpSpPr/>
+        <p:nvPr/>
+      </p:nvGrpSpPr>
+      <p:grpSpPr>
+        <a:xfrm>
+          <a:off x="0" y="0"/>
+          <a:ext cx="0" cy="0"/>
+          <a:chOff x="0" y="0"/>
+          <a:chExt cx="0" cy="0"/>
+        </a:xfrm>
+      </p:grpSpPr>
+      <p:sp>
+        <p:nvSpPr>
+          <p:cNvPr id="2" name="Slide Image Placeholder 1"/>
+          <p:cNvSpPr>
+            <a:spLocks noGrp="1" noRot="1" noChangeAspect="1"/>
+          </p:cNvSpPr>
+          <p:nvPr>
+            <p:ph type="sldImg" idx="2"/>
+          </p:nvPr>
+        </p:nvSpPr>
+        <p:spPr/>
+      </p:sp>
+      <p:sp>
+        <p:nvSpPr>
+          <p:cNvPr id="3" name="Notes Placeholder 2"/>
+          <p:cNvSpPr>
+            <a:spLocks noGrp="1"/>
+          </p:cNvSpPr>
+          <p:nvPr>
+            <p:ph type="body" sz="quarter" idx="3"/>
+          </p:nvPr>
+        </p:nvSpPr>
+        <p:spPr/>
+        <p:txBody>
+          <a:bodyPr/>
+          <a:lstStyle/>
+          <a:p>
+            <a:r>
+              <a:t>• Beta near zero across all pairs confirms the strategy is truly market-neutral — it won't move with SPY</a:t>
+            </a:r>
+          </a:p>
+          <a:p>
+            <a:r>
+              <a:t>• Negative correlation is actually desirable — it means this strategy can hedge equity exposure in a portfolio</a:t>
+            </a:r>
+          </a:p>
+          <a:p>
+            <a:r>
+              <a:t>• The -0.07 portfolio correlation means adding this to a 60/40 portfolio would reduce overall volatility</a:t>
+            </a:r>
+          </a:p>
+        </p:txBody>
+      </p:sp>
+      <p:sp>
+        <p:nvSpPr>
+          <p:cNvPr id="4" name="Slide Number Placeholder 3"/>
+          <p:cNvSpPr>
+            <a:spLocks noGrp="1"/>
+          </p:cNvSpPr>
+          <p:nvPr>
+            <p:ph type="sldNum" sz="quarter" idx="5"/>
+          </p:nvPr>
+        </p:nvSpPr>
+        <p:spPr/>
+      </p:sp>
+    </p:spTree>
+  </p:cSld>
+  <p:clrMapOvr>
+    <a:masterClrMapping/>
+  </p:clrMapOvr>
+</p:notes>
+</file>
+
+<file path=ppt/notesSlides/notesSlide14.xml><?xml version="1.0" encoding="utf-8"?>
+<p:notes xmlns:a="http://schemas.openxmlformats.org/drawingml/2006/main" xmlns:r="http://schemas.openxmlformats.org/officeDocument/2006/relationships" xmlns:p="http://schemas.openxmlformats.org/presentationml/2006/main">
+  <p:cSld>
+    <p:spTree>
+      <p:nvGrpSpPr>
+        <p:cNvPr id="1" name=""/>
+        <p:cNvGrpSpPr/>
+        <p:nvPr/>
+      </p:nvGrpSpPr>
+      <p:grpSpPr>
+        <a:xfrm>
+          <a:off x="0" y="0"/>
+          <a:ext cx="0" cy="0"/>
+          <a:chOff x="0" y="0"/>
+          <a:chExt cx="0" cy="0"/>
+        </a:xfrm>
+      </p:grpSpPr>
+      <p:sp>
+        <p:nvSpPr>
+          <p:cNvPr id="2" name="Slide Image Placeholder 1"/>
+          <p:cNvSpPr>
+            <a:spLocks noGrp="1" noRot="1" noChangeAspect="1"/>
+          </p:cNvSpPr>
+          <p:nvPr>
+            <p:ph type="sldImg" idx="2"/>
+          </p:nvPr>
+        </p:nvSpPr>
+        <p:spPr/>
+      </p:sp>
+      <p:sp>
+        <p:nvSpPr>
+          <p:cNvPr id="3" name="Notes Placeholder 2"/>
+          <p:cNvSpPr>
+            <a:spLocks noGrp="1"/>
+          </p:cNvSpPr>
+          <p:nvPr>
+            <p:ph type="body" sz="quarter" idx="3"/>
+          </p:nvPr>
+        </p:nvSpPr>
+        <p:spPr/>
+        <p:txBody>
+          <a:bodyPr/>
+          <a:lstStyle/>
+          <a:p>
+            <a:r>
+              <a:t>• We looked for monthly patterns like 'sell in May' but found no consistent seasonality in our returns</a:t>
+            </a:r>
+          </a:p>
+          <a:p>
+            <a:r>
+              <a:t>• The lack of seasonality is actually good — it means returns aren't driven by calendar effects that could disappear</a:t>
+            </a:r>
+          </a:p>
+          <a:p>
+            <a:r>
+              <a:t>• You can see the red cluster in early 2020 — that's the COVID crash where mean-reversion completely failed</a:t>
+            </a:r>
+          </a:p>
+        </p:txBody>
+      </p:sp>
+      <p:sp>
+        <p:nvSpPr>
+          <p:cNvPr id="4" name="Slide Number Placeholder 3"/>
+          <p:cNvSpPr>
+            <a:spLocks noGrp="1"/>
+          </p:cNvSpPr>
+          <p:nvPr>
+            <p:ph type="sldNum" sz="quarter" idx="5"/>
+          </p:nvPr>
+        </p:nvSpPr>
+        <p:spPr/>
+      </p:sp>
+    </p:spTree>
+  </p:cSld>
+  <p:clrMapOvr>
+    <a:masterClrMapping/>
+  </p:clrMapOvr>
+</p:notes>
+</file>
+
+<file path=ppt/notesSlides/notesSlide15.xml><?xml version="1.0" encoding="utf-8"?>
+<p:notes xmlns:a="http://schemas.openxmlformats.org/drawingml/2006/main" xmlns:r="http://schemas.openxmlformats.org/officeDocument/2006/relationships" xmlns:p="http://schemas.openxmlformats.org/presentationml/2006/main">
+  <p:cSld>
+    <p:spTree>
+      <p:nvGrpSpPr>
+        <p:cNvPr id="1" name=""/>
+        <p:cNvGrpSpPr/>
+        <p:nvPr/>
+      </p:nvGrpSpPr>
+      <p:grpSpPr>
+        <a:xfrm>
+          <a:off x="0" y="0"/>
+          <a:ext cx="0" cy="0"/>
+          <a:chOff x="0" y="0"/>
+          <a:chExt cx="0" cy="0"/>
+        </a:xfrm>
+      </p:grpSpPr>
+      <p:sp>
+        <p:nvSpPr>
+          <p:cNvPr id="2" name="Slide Image Placeholder 1"/>
+          <p:cNvSpPr>
+            <a:spLocks noGrp="1" noRot="1" noChangeAspect="1"/>
+          </p:cNvSpPr>
+          <p:nvPr>
+            <p:ph type="sldImg" idx="2"/>
+          </p:nvPr>
+        </p:nvSpPr>
+        <p:spPr/>
+      </p:sp>
+      <p:sp>
+        <p:nvSpPr>
+          <p:cNvPr id="3" name="Notes Placeholder 2"/>
+          <p:cNvSpPr>
+            <a:spLocks noGrp="1"/>
+          </p:cNvSpPr>
+          <p:nvPr>
+            <p:ph type="body" sz="quarter" idx="3"/>
+          </p:nvPr>
+        </p:nvSpPr>
+        <p:spPr/>
+        <p:txBody>
+          <a:bodyPr/>
+          <a:lstStyle/>
+          <a:p>
+            <a:r>
+              <a:t>• This is the key insight: we outperform when SPY is negative (2018, 2022) and underperform in bull markets</a:t>
+            </a:r>
+          </a:p>
+          <a:p>
+            <a:r>
+              <a:t>• 2020 was our worst year because COVID caused correlations to spike to 1 — everything fell together</a:t>
+            </a:r>
+          </a:p>
+          <a:p>
+            <a:r>
+              <a:t>• If you already own SPY, adding this strategy provides insurance in down years at the cost of bull market returns</a:t>
+            </a:r>
+          </a:p>
+        </p:txBody>
+      </p:sp>
+      <p:sp>
+        <p:nvSpPr>
+          <p:cNvPr id="4" name="Slide Number Placeholder 3"/>
+          <p:cNvSpPr>
+            <a:spLocks noGrp="1"/>
+          </p:cNvSpPr>
+          <p:nvPr>
+            <p:ph type="sldNum" sz="quarter" idx="5"/>
+          </p:nvPr>
+        </p:nvSpPr>
+        <p:spPr/>
+      </p:sp>
+    </p:spTree>
+  </p:cSld>
+  <p:clrMapOvr>
+    <a:masterClrMapping/>
+  </p:clrMapOvr>
+</p:notes>
+</file>
+
+<file path=ppt/notesSlides/notesSlide16.xml><?xml version="1.0" encoding="utf-8"?>
+<p:notes xmlns:a="http://schemas.openxmlformats.org/drawingml/2006/main" xmlns:r="http://schemas.openxmlformats.org/officeDocument/2006/relationships" xmlns:p="http://schemas.openxmlformats.org/presentationml/2006/main">
+  <p:cSld>
+    <p:spTree>
+      <p:nvGrpSpPr>
+        <p:cNvPr id="1" name=""/>
+        <p:cNvGrpSpPr/>
+        <p:nvPr/>
+      </p:nvGrpSpPr>
+      <p:grpSpPr>
+        <a:xfrm>
+          <a:off x="0" y="0"/>
+          <a:ext cx="0" cy="0"/>
+          <a:chOff x="0" y="0"/>
+          <a:chExt cx="0" cy="0"/>
+        </a:xfrm>
+      </p:grpSpPr>
+      <p:sp>
+        <p:nvSpPr>
+          <p:cNvPr id="2" name="Slide Image Placeholder 1"/>
+          <p:cNvSpPr>
+            <a:spLocks noGrp="1" noRot="1" noChangeAspect="1"/>
+          </p:cNvSpPr>
+          <p:nvPr>
+            <p:ph type="sldImg" idx="2"/>
+          </p:nvPr>
+        </p:nvSpPr>
+        <p:spPr/>
+      </p:sp>
+      <p:sp>
+        <p:nvSpPr>
+          <p:cNvPr id="3" name="Notes Placeholder 2"/>
+          <p:cNvSpPr>
+            <a:spLocks noGrp="1"/>
+          </p:cNvSpPr>
+          <p:nvPr>
+            <p:ph type="body" sz="quarter" idx="3"/>
+          </p:nvPr>
+        </p:nvSpPr>
+        <p:spPr/>
+        <p:txBody>
+          <a:bodyPr/>
+          <a:lstStyle/>
+          <a:p>
+            <a:r>
+              <a:t>• Each pair trades independently — semiconductors don't predict energy, tech doesn't predict staples</a:t>
+            </a:r>
+          </a:p>
+          <a:p>
+            <a:r>
+              <a:t>• This low cross-correlation is powerful: combining all 4 pairs reduces volatility without reducing expected return</a:t>
+            </a:r>
+          </a:p>
+          <a:p>
+            <a:r>
+              <a:t>• In portfolio theory terms, we get diversification benefit from running multiple uncorrelated sub-strategies</a:t>
+            </a:r>
+          </a:p>
+        </p:txBody>
+      </p:sp>
+      <p:sp>
+        <p:nvSpPr>
+          <p:cNvPr id="4" name="Slide Number Placeholder 3"/>
+          <p:cNvSpPr>
+            <a:spLocks noGrp="1"/>
+          </p:cNvSpPr>
+          <p:nvPr>
+            <p:ph type="sldNum" sz="quarter" idx="5"/>
+          </p:nvPr>
+        </p:nvSpPr>
+        <p:spPr/>
+      </p:sp>
+    </p:spTree>
+  </p:cSld>
+  <p:clrMapOvr>
+    <a:masterClrMapping/>
+  </p:clrMapOvr>
+</p:notes>
+</file>
+
+<file path=ppt/notesSlides/notesSlide17.xml><?xml version="1.0" encoding="utf-8"?>
+<p:notes xmlns:a="http://schemas.openxmlformats.org/drawingml/2006/main" xmlns:r="http://schemas.openxmlformats.org/officeDocument/2006/relationships" xmlns:p="http://schemas.openxmlformats.org/presentationml/2006/main">
+  <p:cSld>
+    <p:spTree>
+      <p:nvGrpSpPr>
+        <p:cNvPr id="1" name=""/>
+        <p:cNvGrpSpPr/>
+        <p:nvPr/>
+      </p:nvGrpSpPr>
+      <p:grpSpPr>
+        <a:xfrm>
+          <a:off x="0" y="0"/>
+          <a:ext cx="0" cy="0"/>
+          <a:chOff x="0" y="0"/>
+          <a:chExt cx="0" cy="0"/>
+        </a:xfrm>
+      </p:grpSpPr>
+      <p:sp>
+        <p:nvSpPr>
+          <p:cNvPr id="2" name="Slide Image Placeholder 1"/>
+          <p:cNvSpPr>
+            <a:spLocks noGrp="1" noRot="1" noChangeAspect="1"/>
+          </p:cNvSpPr>
+          <p:nvPr>
+            <p:ph type="sldImg" idx="2"/>
+          </p:nvPr>
+        </p:nvSpPr>
+        <p:spPr/>
+      </p:sp>
+      <p:sp>
+        <p:nvSpPr>
+          <p:cNvPr id="3" name="Notes Placeholder 2"/>
+          <p:cNvSpPr>
+            <a:spLocks noGrp="1"/>
+          </p:cNvSpPr>
+          <p:nvPr>
+            <p:ph type="body" sz="quarter" idx="3"/>
+          </p:nvPr>
+        </p:nvSpPr>
+        <p:spPr/>
+        <p:txBody>
+          <a:bodyPr/>
+          <a:lstStyle/>
+          <a:p>
+            <a:r>
+              <a:t>• 50% max drawdown means you need strong conviction — most investors would abandon the strategy mid-drawdown</a:t>
+            </a:r>
+          </a:p>
+          <a:p>
+            <a:r>
+              <a:t>• VaR and CVaR tell us on a bad day (5% worst days), we lose 1-3% which is manageable with proper sizing</a:t>
+            </a:r>
+          </a:p>
+          <a:p>
+            <a:r>
+              <a:t>• Win rate near 50% means profits come from winners being bigger than losers, not from winning more often</a:t>
+            </a:r>
+          </a:p>
+        </p:txBody>
+      </p:sp>
+      <p:sp>
+        <p:nvSpPr>
+          <p:cNvPr id="4" name="Slide Number Placeholder 3"/>
+          <p:cNvSpPr>
+            <a:spLocks noGrp="1"/>
+          </p:cNvSpPr>
+          <p:nvPr>
+            <p:ph type="sldNum" sz="quarter" idx="5"/>
+          </p:nvPr>
+        </p:nvSpPr>
+        <p:spPr/>
+      </p:sp>
+    </p:spTree>
+  </p:cSld>
+  <p:clrMapOvr>
+    <a:masterClrMapping/>
+  </p:clrMapOvr>
+</p:notes>
+</file>
+
+<file path=ppt/notesSlides/notesSlide18.xml><?xml version="1.0" encoding="utf-8"?>
+<p:notes xmlns:a="http://schemas.openxmlformats.org/drawingml/2006/main" xmlns:r="http://schemas.openxmlformats.org/officeDocument/2006/relationships" xmlns:p="http://schemas.openxmlformats.org/presentationml/2006/main">
+  <p:cSld>
+    <p:spTree>
+      <p:nvGrpSpPr>
+        <p:cNvPr id="1" name=""/>
+        <p:cNvGrpSpPr/>
+        <p:nvPr/>
+      </p:nvGrpSpPr>
+      <p:grpSpPr>
+        <a:xfrm>
+          <a:off x="0" y="0"/>
+          <a:ext cx="0" cy="0"/>
+          <a:chOff x="0" y="0"/>
+          <a:chExt cx="0" cy="0"/>
+        </a:xfrm>
+      </p:grpSpPr>
+      <p:sp>
+        <p:nvSpPr>
+          <p:cNvPr id="2" name="Slide Image Placeholder 1"/>
+          <p:cNvSpPr>
+            <a:spLocks noGrp="1" noRot="1" noChangeAspect="1"/>
+          </p:cNvSpPr>
+          <p:nvPr>
+            <p:ph type="sldImg" idx="2"/>
+          </p:nvPr>
+        </p:nvSpPr>
+        <p:spPr/>
+      </p:sp>
+      <p:sp>
+        <p:nvSpPr>
+          <p:cNvPr id="3" name="Notes Placeholder 2"/>
+          <p:cNvSpPr>
+            <a:spLocks noGrp="1"/>
+          </p:cNvSpPr>
+          <p:nvPr>
+            <p:ph type="body" sz="quarter" idx="3"/>
+          </p:nvPr>
+        </p:nvSpPr>
+        <p:spPr/>
+        <p:txBody>
+          <a:bodyPr/>
+          <a:lstStyle/>
+          <a:p>
+            <a:r>
+              <a:t>• Our initial backtest showed 2+ Sharpe ratio — after fixing biases, we got near-zero. That's a humbling lesson.</a:t>
+            </a:r>
+          </a:p>
+          <a:p>
+            <a:r>
+              <a:t>• Look-ahead bias is the #1 killer of academic trading strategies — we used next-day signals accidentally</a:t>
+            </a:r>
+          </a:p>
+          <a:p>
+            <a:r>
+              <a:t>• The fact that we found and fixed these issues is actually the most valuable part of this project</a:t>
+            </a:r>
+          </a:p>
+        </p:txBody>
+      </p:sp>
+      <p:sp>
+        <p:nvSpPr>
+          <p:cNvPr id="4" name="Slide Number Placeholder 3"/>
+          <p:cNvSpPr>
+            <a:spLocks noGrp="1"/>
+          </p:cNvSpPr>
+          <p:nvPr>
+            <p:ph type="sldNum" sz="quarter" idx="5"/>
+          </p:nvPr>
+        </p:nvSpPr>
+        <p:spPr/>
+      </p:sp>
+    </p:spTree>
+  </p:cSld>
+  <p:clrMapOvr>
+    <a:masterClrMapping/>
+  </p:clrMapOvr>
+</p:notes>
+</file>
+
+<file path=ppt/notesSlides/notesSlide19.xml><?xml version="1.0" encoding="utf-8"?>
+<p:notes xmlns:a="http://schemas.openxmlformats.org/drawingml/2006/main" xmlns:r="http://schemas.openxmlformats.org/officeDocument/2006/relationships" xmlns:p="http://schemas.openxmlformats.org/presentationml/2006/main">
+  <p:cSld>
+    <p:spTree>
+      <p:nvGrpSpPr>
+        <p:cNvPr id="1" name=""/>
+        <p:cNvGrpSpPr/>
+        <p:nvPr/>
+      </p:nvGrpSpPr>
+      <p:grpSpPr>
+        <a:xfrm>
+          <a:off x="0" y="0"/>
+          <a:ext cx="0" cy="0"/>
+          <a:chOff x="0" y="0"/>
+          <a:chExt cx="0" cy="0"/>
+        </a:xfrm>
+      </p:grpSpPr>
+      <p:sp>
+        <p:nvSpPr>
+          <p:cNvPr id="2" name="Slide Image Placeholder 1"/>
+          <p:cNvSpPr>
+            <a:spLocks noGrp="1" noRot="1" noChangeAspect="1"/>
+          </p:cNvSpPr>
+          <p:nvPr>
+            <p:ph type="sldImg" idx="2"/>
+          </p:nvPr>
+        </p:nvSpPr>
+        <p:spPr/>
+      </p:sp>
+      <p:sp>
+        <p:nvSpPr>
+          <p:cNvPr id="3" name="Notes Placeholder 2"/>
+          <p:cNvSpPr>
+            <a:spLocks noGrp="1"/>
+          </p:cNvSpPr>
+          <p:nvPr>
+            <p:ph type="body" sz="quarter" idx="3"/>
+          </p:nvPr>
+        </p:nvSpPr>
+        <p:spPr/>
+        <p:txBody>
+          <a:bodyPr/>
+          <a:lstStyle/>
+          <a:p>
+            <a:r>
+              <a:t>• We're not claiming this is an alpha machine — we're being honest about what it is: a diversification tool</a:t>
+            </a:r>
+          </a:p>
+          <a:p>
+            <a:r>
+              <a:t>• The 5-10% allocation recommendation comes from balancing hedge benefit against opportunity cost in bull markets</a:t>
+            </a:r>
+          </a:p>
+          <a:p>
+            <a:r>
+              <a:t>• For a family office or pension fund, this type of uncorrelated strategy has real value even at low Sharpe</a:t>
+            </a:r>
+          </a:p>
+        </p:txBody>
+      </p:sp>
+      <p:sp>
+        <p:nvSpPr>
+          <p:cNvPr id="4" name="Slide Number Placeholder 3"/>
+          <p:cNvSpPr>
+            <a:spLocks noGrp="1"/>
+          </p:cNvSpPr>
+          <p:nvPr>
+            <p:ph type="sldNum" sz="quarter" idx="5"/>
+          </p:nvPr>
+        </p:nvSpPr>
+        <p:spPr/>
+      </p:sp>
+    </p:spTree>
+  </p:cSld>
+  <p:clrMapOvr>
+    <a:masterClrMapping/>
+  </p:clrMapOvr>
+</p:notes>
+</file>
+
+<file path=ppt/notesSlides/notesSlide2.xml><?xml version="1.0" encoding="utf-8"?>
+<p:notes xmlns:a="http://schemas.openxmlformats.org/drawingml/2006/main" xmlns:r="http://schemas.openxmlformats.org/officeDocument/2006/relationships" xmlns:p="http://schemas.openxmlformats.org/presentationml/2006/main">
+  <p:cSld>
+    <p:spTree>
+      <p:nvGrpSpPr>
+        <p:cNvPr id="1" name=""/>
+        <p:cNvGrpSpPr/>
+        <p:nvPr/>
+      </p:nvGrpSpPr>
+      <p:grpSpPr>
+        <a:xfrm>
+          <a:off x="0" y="0"/>
+          <a:ext cx="0" cy="0"/>
+          <a:chOff x="0" y="0"/>
+          <a:chExt cx="0" cy="0"/>
+        </a:xfrm>
+      </p:grpSpPr>
+      <p:sp>
+        <p:nvSpPr>
+          <p:cNvPr id="2" name="Slide Image Placeholder 1"/>
+          <p:cNvSpPr>
+            <a:spLocks noGrp="1" noRot="1" noChangeAspect="1"/>
+          </p:cNvSpPr>
+          <p:nvPr>
+            <p:ph type="sldImg" idx="2"/>
+          </p:nvPr>
+        </p:nvSpPr>
+        <p:spPr/>
+      </p:sp>
+      <p:sp>
+        <p:nvSpPr>
+          <p:cNvPr id="3" name="Notes Placeholder 2"/>
+          <p:cNvSpPr>
+            <a:spLocks noGrp="1"/>
+          </p:cNvSpPr>
+          <p:nvPr>
+            <p:ph type="body" sz="quarter" idx="3"/>
+          </p:nvPr>
+        </p:nvSpPr>
+        <p:spPr/>
+        <p:txBody>
+          <a:bodyPr/>
+          <a:lstStyle/>
+          <a:p>
+            <a:r>
+              <a:t>• We're being upfront: this strategy doesn't generate consistent alpha, but that's actually an important finding</a:t>
+            </a:r>
+          </a:p>
+          <a:p>
+            <a:r>
+              <a:t>• The real value is in the process — building a rigorous backtesting framework with proper bias controls</a:t>
+            </a:r>
+          </a:p>
+          <a:p>
+            <a:r>
+              <a:t>• Market neutrality is valuable even without alpha — it provides diversification benefits in a portfolio</a:t>
+            </a:r>
+          </a:p>
+        </p:txBody>
+      </p:sp>
+      <p:sp>
+        <p:nvSpPr>
+          <p:cNvPr id="4" name="Slide Number Placeholder 3"/>
+          <p:cNvSpPr>
+            <a:spLocks noGrp="1"/>
+          </p:cNvSpPr>
+          <p:nvPr>
+            <p:ph type="sldNum" sz="quarter" idx="5"/>
+          </p:nvPr>
+        </p:nvSpPr>
+        <p:spPr/>
+      </p:sp>
+    </p:spTree>
+  </p:cSld>
+  <p:clrMapOvr>
+    <a:masterClrMapping/>
+  </p:clrMapOvr>
+</p:notes>
+</file>
+
+<file path=ppt/notesSlides/notesSlide20.xml><?xml version="1.0" encoding="utf-8"?>
+<p:notes xmlns:a="http://schemas.openxmlformats.org/drawingml/2006/main" xmlns:r="http://schemas.openxmlformats.org/officeDocument/2006/relationships" xmlns:p="http://schemas.openxmlformats.org/presentationml/2006/main">
+  <p:cSld>
+    <p:spTree>
+      <p:nvGrpSpPr>
+        <p:cNvPr id="1" name=""/>
+        <p:cNvGrpSpPr/>
+        <p:nvPr/>
+      </p:nvGrpSpPr>
+      <p:grpSpPr>
+        <a:xfrm>
+          <a:off x="0" y="0"/>
+          <a:ext cx="0" cy="0"/>
+          <a:chOff x="0" y="0"/>
+          <a:chExt cx="0" cy="0"/>
+        </a:xfrm>
+      </p:grpSpPr>
+      <p:sp>
+        <p:nvSpPr>
+          <p:cNvPr id="2" name="Slide Image Placeholder 1"/>
+          <p:cNvSpPr>
+            <a:spLocks noGrp="1" noRot="1" noChangeAspect="1"/>
+          </p:cNvSpPr>
+          <p:nvPr>
+            <p:ph type="sldImg" idx="2"/>
+          </p:nvPr>
+        </p:nvSpPr>
+        <p:spPr/>
+      </p:sp>
+      <p:sp>
+        <p:nvSpPr>
+          <p:cNvPr id="3" name="Notes Placeholder 2"/>
+          <p:cNvSpPr>
+            <a:spLocks noGrp="1"/>
+          </p:cNvSpPr>
+          <p:nvPr>
+            <p:ph type="body" sz="quarter" idx="3"/>
+          </p:nvPr>
+        </p:nvSpPr>
+        <p:spPr/>
+        <p:txBody>
+          <a:bodyPr/>
+          <a:lstStyle/>
+          <a:p>
+            <a:r>
+              <a:t>• Thank you for your attention — all code is available on GitHub for you to reproduce our results</a:t>
+            </a:r>
+          </a:p>
+          <a:p>
+            <a:r>
+              <a:t>• We welcome questions about methodology, the ML approach, or how this could fit in a real portfolio</a:t>
+            </a:r>
+          </a:p>
+          <a:p>
+            <a:r>
+              <a:t>• This project taught us more about proper backtesting than any textbook — happy to discuss the technical details</a:t>
+            </a:r>
+          </a:p>
+        </p:txBody>
+      </p:sp>
+      <p:sp>
+        <p:nvSpPr>
+          <p:cNvPr id="4" name="Slide Number Placeholder 3"/>
+          <p:cNvSpPr>
+            <a:spLocks noGrp="1"/>
+          </p:cNvSpPr>
+          <p:nvPr>
+            <p:ph type="sldNum" sz="quarter" idx="5"/>
+          </p:nvPr>
+        </p:nvSpPr>
+        <p:spPr/>
+      </p:sp>
+    </p:spTree>
+  </p:cSld>
+  <p:clrMapOvr>
+    <a:masterClrMapping/>
+  </p:clrMapOvr>
+</p:notes>
+</file>
+
+<file path=ppt/notesSlides/notesSlide3.xml><?xml version="1.0" encoding="utf-8"?>
+<p:notes xmlns:a="http://schemas.openxmlformats.org/drawingml/2006/main" xmlns:r="http://schemas.openxmlformats.org/officeDocument/2006/relationships" xmlns:p="http://schemas.openxmlformats.org/presentationml/2006/main">
+  <p:cSld>
+    <p:spTree>
+      <p:nvGrpSpPr>
+        <p:cNvPr id="1" name=""/>
+        <p:cNvGrpSpPr/>
+        <p:nvPr/>
+      </p:nvGrpSpPr>
+      <p:grpSpPr>
+        <a:xfrm>
+          <a:off x="0" y="0"/>
+          <a:ext cx="0" cy="0"/>
+          <a:chOff x="0" y="0"/>
+          <a:chExt cx="0" cy="0"/>
+        </a:xfrm>
+      </p:grpSpPr>
+      <p:sp>
+        <p:nvSpPr>
+          <p:cNvPr id="2" name="Slide Image Placeholder 1"/>
+          <p:cNvSpPr>
+            <a:spLocks noGrp="1" noRot="1" noChangeAspect="1"/>
+          </p:cNvSpPr>
+          <p:nvPr>
+            <p:ph type="sldImg" idx="2"/>
+          </p:nvPr>
+        </p:nvSpPr>
+        <p:spPr/>
+      </p:sp>
+      <p:sp>
+        <p:nvSpPr>
+          <p:cNvPr id="3" name="Notes Placeholder 2"/>
+          <p:cNvSpPr>
+            <a:spLocks noGrp="1"/>
+          </p:cNvSpPr>
+          <p:nvPr>
+            <p:ph type="body" sz="quarter" idx="3"/>
+          </p:nvPr>
+        </p:nvSpPr>
+        <p:spPr/>
+        <p:txBody>
+          <a:bodyPr/>
+          <a:lstStyle/>
+          <a:p>
+            <a:r>
+              <a:t>• Think of ASML and NVIDIA — both are in semiconductors, but ASML makes the machines that make the chips</a:t>
+            </a:r>
+          </a:p>
+          <a:p>
+            <a:r>
+              <a:t>• When fear hits the sector, they often move together, but sometimes one overreacts relative to the other</a:t>
+            </a:r>
+          </a:p>
+          <a:p>
+            <a:r>
+              <a:t>• The key insight is that we're not betting on direction — we're betting on the relationship normalizing</a:t>
+            </a:r>
+          </a:p>
+        </p:txBody>
+      </p:sp>
+      <p:sp>
+        <p:nvSpPr>
+          <p:cNvPr id="4" name="Slide Number Placeholder 3"/>
+          <p:cNvSpPr>
+            <a:spLocks noGrp="1"/>
+          </p:cNvSpPr>
+          <p:nvPr>
+            <p:ph type="sldNum" sz="quarter" idx="5"/>
+          </p:nvPr>
+        </p:nvSpPr>
+        <p:spPr/>
+      </p:sp>
+    </p:spTree>
+  </p:cSld>
+  <p:clrMapOvr>
+    <a:masterClrMapping/>
+  </p:clrMapOvr>
+</p:notes>
+</file>
+
+<file path=ppt/notesSlides/notesSlide4.xml><?xml version="1.0" encoding="utf-8"?>
+<p:notes xmlns:a="http://schemas.openxmlformats.org/drawingml/2006/main" xmlns:r="http://schemas.openxmlformats.org/officeDocument/2006/relationships" xmlns:p="http://schemas.openxmlformats.org/presentationml/2006/main">
+  <p:cSld>
+    <p:spTree>
+      <p:nvGrpSpPr>
+        <p:cNvPr id="1" name=""/>
+        <p:cNvGrpSpPr/>
+        <p:nvPr/>
+      </p:nvGrpSpPr>
+      <p:grpSpPr>
+        <a:xfrm>
+          <a:off x="0" y="0"/>
+          <a:ext cx="0" cy="0"/>
+          <a:chOff x="0" y="0"/>
+          <a:chExt cx="0" cy="0"/>
+        </a:xfrm>
+      </p:grpSpPr>
+      <p:sp>
+        <p:nvSpPr>
+          <p:cNvPr id="2" name="Slide Image Placeholder 1"/>
+          <p:cNvSpPr>
+            <a:spLocks noGrp="1" noRot="1" noChangeAspect="1"/>
+          </p:cNvSpPr>
+          <p:nvPr>
+            <p:ph type="sldImg" idx="2"/>
+          </p:nvPr>
+        </p:nvSpPr>
+        <p:spPr/>
+      </p:sp>
+      <p:sp>
+        <p:nvSpPr>
+          <p:cNvPr id="3" name="Notes Placeholder 2"/>
+          <p:cNvSpPr>
+            <a:spLocks noGrp="1"/>
+          </p:cNvSpPr>
+          <p:nvPr>
+            <p:ph type="body" sz="quarter" idx="3"/>
+          </p:nvPr>
+        </p:nvSpPr>
+        <p:spPr/>
+        <p:txBody>
+          <a:bodyPr/>
+          <a:lstStyle/>
+          <a:p>
+            <a:r>
+              <a:t>• We chose these pairs because they have fundamental economic relationships, not just statistical correlation</a:t>
+            </a:r>
+          </a:p>
+          <a:p>
+            <a:r>
+              <a:t>• The long basket typically has lower volatility — equipment makers, integrated majors, broader ETFs</a:t>
+            </a:r>
+          </a:p>
+          <a:p>
+            <a:r>
+              <a:t>• Using baskets instead of single stocks reduces idiosyncratic risk from earnings surprises or company-specific news</a:t>
+            </a:r>
+          </a:p>
+        </p:txBody>
+      </p:sp>
+      <p:sp>
+        <p:nvSpPr>
+          <p:cNvPr id="4" name="Slide Number Placeholder 3"/>
+          <p:cNvSpPr>
+            <a:spLocks noGrp="1"/>
+          </p:cNvSpPr>
+          <p:nvPr>
+            <p:ph type="sldNum" sz="quarter" idx="5"/>
+          </p:nvPr>
+        </p:nvSpPr>
+        <p:spPr/>
+      </p:sp>
+    </p:spTree>
+  </p:cSld>
+  <p:clrMapOvr>
+    <a:masterClrMapping/>
+  </p:clrMapOvr>
+</p:notes>
+</file>
+
+<file path=ppt/notesSlides/notesSlide5.xml><?xml version="1.0" encoding="utf-8"?>
+<p:notes xmlns:a="http://schemas.openxmlformats.org/drawingml/2006/main" xmlns:r="http://schemas.openxmlformats.org/officeDocument/2006/relationships" xmlns:p="http://schemas.openxmlformats.org/presentationml/2006/main">
+  <p:cSld>
+    <p:spTree>
+      <p:nvGrpSpPr>
+        <p:cNvPr id="1" name=""/>
+        <p:cNvGrpSpPr/>
+        <p:nvPr/>
+      </p:nvGrpSpPr>
+      <p:grpSpPr>
+        <a:xfrm>
+          <a:off x="0" y="0"/>
+          <a:ext cx="0" cy="0"/>
+          <a:chOff x="0" y="0"/>
+          <a:chExt cx="0" cy="0"/>
+        </a:xfrm>
+      </p:grpSpPr>
+      <p:sp>
+        <p:nvSpPr>
+          <p:cNvPr id="2" name="Slide Image Placeholder 1"/>
+          <p:cNvSpPr>
+            <a:spLocks noGrp="1" noRot="1" noChangeAspect="1"/>
+          </p:cNvSpPr>
+          <p:nvPr>
+            <p:ph type="sldImg" idx="2"/>
+          </p:nvPr>
+        </p:nvSpPr>
+        <p:spPr/>
+      </p:sp>
+      <p:sp>
+        <p:nvSpPr>
+          <p:cNvPr id="3" name="Notes Placeholder 2"/>
+          <p:cNvSpPr>
+            <a:spLocks noGrp="1"/>
+          </p:cNvSpPr>
+          <p:nvPr>
+            <p:ph type="body" sz="quarter" idx="3"/>
+          </p:nvPr>
+        </p:nvSpPr>
+        <p:spPr/>
+        <p:txBody>
+          <a:bodyPr/>
+          <a:lstStyle/>
+          <a:p>
+            <a:r>
+              <a:t>• The 2-sigma threshold is a balance — tighter means more trades with lower conviction, wider means fewer opportunities</a:t>
+            </a:r>
+          </a:p>
+          <a:p>
+            <a:r>
+              <a:t>• VIX filter is crucial — we learned that trading during crisis periods (like March 2020) destroys returns</a:t>
+            </a:r>
+          </a:p>
+          <a:p>
+            <a:r>
+              <a:t>• The 7% stop-loss was added after our backtest audit revealed we were letting losers run too long</a:t>
+            </a:r>
+          </a:p>
+        </p:txBody>
+      </p:sp>
+      <p:sp>
+        <p:nvSpPr>
+          <p:cNvPr id="4" name="Slide Number Placeholder 3"/>
+          <p:cNvSpPr>
+            <a:spLocks noGrp="1"/>
+          </p:cNvSpPr>
+          <p:nvPr>
+            <p:ph type="sldNum" sz="quarter" idx="5"/>
+          </p:nvPr>
+        </p:nvSpPr>
+        <p:spPr/>
+      </p:sp>
+    </p:spTree>
+  </p:cSld>
+  <p:clrMapOvr>
+    <a:masterClrMapping/>
+  </p:clrMapOvr>
+</p:notes>
+</file>
+
+<file path=ppt/notesSlides/notesSlide6.xml><?xml version="1.0" encoding="utf-8"?>
+<p:notes xmlns:a="http://schemas.openxmlformats.org/drawingml/2006/main" xmlns:r="http://schemas.openxmlformats.org/officeDocument/2006/relationships" xmlns:p="http://schemas.openxmlformats.org/presentationml/2006/main">
+  <p:cSld>
+    <p:spTree>
+      <p:nvGrpSpPr>
+        <p:cNvPr id="1" name=""/>
+        <p:cNvGrpSpPr/>
+        <p:nvPr/>
+      </p:nvGrpSpPr>
+      <p:grpSpPr>
+        <a:xfrm>
+          <a:off x="0" y="0"/>
+          <a:ext cx="0" cy="0"/>
+          <a:chOff x="0" y="0"/>
+          <a:chExt cx="0" cy="0"/>
+        </a:xfrm>
+      </p:grpSpPr>
+      <p:sp>
+        <p:nvSpPr>
+          <p:cNvPr id="2" name="Slide Image Placeholder 1"/>
+          <p:cNvSpPr>
+            <a:spLocks noGrp="1" noRot="1" noChangeAspect="1"/>
+          </p:cNvSpPr>
+          <p:nvPr>
+            <p:ph type="sldImg" idx="2"/>
+          </p:nvPr>
+        </p:nvSpPr>
+        <p:spPr/>
+      </p:sp>
+      <p:sp>
+        <p:nvSpPr>
+          <p:cNvPr id="3" name="Notes Placeholder 2"/>
+          <p:cNvSpPr>
+            <a:spLocks noGrp="1"/>
+          </p:cNvSpPr>
+          <p:nvPr>
+            <p:ph type="body" sz="quarter" idx="3"/>
+          </p:nvPr>
+        </p:nvSpPr>
+        <p:spPr/>
+        <p:txBody>
+          <a:bodyPr/>
+          <a:lstStyle/>
+          <a:p>
+            <a:r>
+              <a:t>• We tried 40+ features initially but found that simpler models with 8 core features performed better out-of-sample</a:t>
+            </a:r>
+          </a:p>
+          <a:p>
+            <a:r>
+              <a:t>• The 30-day embargo prevents data leakage — autocorrelation in returns can inflate backtest performance</a:t>
+            </a:r>
+          </a:p>
+          <a:p>
+            <a:r>
+              <a:t>• Random Forest was chosen for interpretability — we can see which features matter, unlike neural networks</a:t>
+            </a:r>
+          </a:p>
+        </p:txBody>
+      </p:sp>
+      <p:sp>
+        <p:nvSpPr>
+          <p:cNvPr id="4" name="Slide Number Placeholder 3"/>
+          <p:cNvSpPr>
+            <a:spLocks noGrp="1"/>
+          </p:cNvSpPr>
+          <p:nvPr>
+            <p:ph type="sldNum" sz="quarter" idx="5"/>
+          </p:nvPr>
+        </p:nvSpPr>
+        <p:spPr/>
+      </p:sp>
+    </p:spTree>
+  </p:cSld>
+  <p:clrMapOvr>
+    <a:masterClrMapping/>
+  </p:clrMapOvr>
+</p:notes>
+</file>
+
+<file path=ppt/notesSlides/notesSlide7.xml><?xml version="1.0" encoding="utf-8"?>
+<p:notes xmlns:a="http://schemas.openxmlformats.org/drawingml/2006/main" xmlns:r="http://schemas.openxmlformats.org/officeDocument/2006/relationships" xmlns:p="http://schemas.openxmlformats.org/presentationml/2006/main">
+  <p:cSld>
+    <p:spTree>
+      <p:nvGrpSpPr>
+        <p:cNvPr id="1" name=""/>
+        <p:cNvGrpSpPr/>
+        <p:nvPr/>
+      </p:nvGrpSpPr>
+      <p:grpSpPr>
+        <a:xfrm>
+          <a:off x="0" y="0"/>
+          <a:ext cx="0" cy="0"/>
+          <a:chOff x="0" y="0"/>
+          <a:chExt cx="0" cy="0"/>
+        </a:xfrm>
+      </p:grpSpPr>
+      <p:sp>
+        <p:nvSpPr>
+          <p:cNvPr id="2" name="Slide Image Placeholder 1"/>
+          <p:cNvSpPr>
+            <a:spLocks noGrp="1" noRot="1" noChangeAspect="1"/>
+          </p:cNvSpPr>
+          <p:nvPr>
+            <p:ph type="sldImg" idx="2"/>
+          </p:nvPr>
+        </p:nvSpPr>
+        <p:spPr/>
+      </p:sp>
+      <p:sp>
+        <p:nvSpPr>
+          <p:cNvPr id="3" name="Notes Placeholder 2"/>
+          <p:cNvSpPr>
+            <a:spLocks noGrp="1"/>
+          </p:cNvSpPr>
+          <p:nvPr>
+            <p:ph type="body" sz="quarter" idx="3"/>
+          </p:nvPr>
+        </p:nvSpPr>
+        <p:spPr/>
+        <p:txBody>
+          <a:bodyPr/>
+          <a:lstStyle/>
+          <a:p>
+            <a:r>
+              <a:t>• Notice that the z-score itself is most important — the ML is essentially learning when z-score signals are reliable</a:t>
+            </a:r>
+          </a:p>
+          <a:p>
+            <a:r>
+              <a:t>• Momentum matters because mean-reversion strategies fail when there's a true regime shift happening</a:t>
+            </a:r>
+          </a:p>
+          <a:p>
+            <a:r>
+              <a:t>• VIX level helps the model avoid trading during extreme market stress when correlations break down</a:t>
+            </a:r>
+          </a:p>
+        </p:txBody>
+      </p:sp>
+      <p:sp>
+        <p:nvSpPr>
+          <p:cNvPr id="4" name="Slide Number Placeholder 3"/>
+          <p:cNvSpPr>
+            <a:spLocks noGrp="1"/>
+          </p:cNvSpPr>
+          <p:nvPr>
+            <p:ph type="sldNum" sz="quarter" idx="5"/>
+          </p:nvPr>
+        </p:nvSpPr>
+        <p:spPr/>
+      </p:sp>
+    </p:spTree>
+  </p:cSld>
+  <p:clrMapOvr>
+    <a:masterClrMapping/>
+  </p:clrMapOvr>
+</p:notes>
+</file>
+
+<file path=ppt/notesSlides/notesSlide8.xml><?xml version="1.0" encoding="utf-8"?>
+<p:notes xmlns:a="http://schemas.openxmlformats.org/drawingml/2006/main" xmlns:r="http://schemas.openxmlformats.org/officeDocument/2006/relationships" xmlns:p="http://schemas.openxmlformats.org/presentationml/2006/main">
+  <p:cSld>
+    <p:spTree>
+      <p:nvGrpSpPr>
+        <p:cNvPr id="1" name=""/>
+        <p:cNvGrpSpPr/>
+        <p:nvPr/>
+      </p:nvGrpSpPr>
+      <p:grpSpPr>
+        <a:xfrm>
+          <a:off x="0" y="0"/>
+          <a:ext cx="0" cy="0"/>
+          <a:chOff x="0" y="0"/>
+          <a:chExt cx="0" cy="0"/>
+        </a:xfrm>
+      </p:grpSpPr>
+      <p:sp>
+        <p:nvSpPr>
+          <p:cNvPr id="2" name="Slide Image Placeholder 1"/>
+          <p:cNvSpPr>
+            <a:spLocks noGrp="1" noRot="1" noChangeAspect="1"/>
+          </p:cNvSpPr>
+          <p:nvPr>
+            <p:ph type="sldImg" idx="2"/>
+          </p:nvPr>
+        </p:nvSpPr>
+        <p:spPr/>
+      </p:sp>
+      <p:sp>
+        <p:nvSpPr>
+          <p:cNvPr id="3" name="Notes Placeholder 2"/>
+          <p:cNvSpPr>
+            <a:spLocks noGrp="1"/>
+          </p:cNvSpPr>
+          <p:nvPr>
+            <p:ph type="body" sz="quarter" idx="3"/>
+          </p:nvPr>
+        </p:nvSpPr>
+        <p:spPr/>
+        <p:txBody>
+          <a:bodyPr/>
+          <a:lstStyle/>
+          <a:p>
+            <a:r>
+              <a:t>• We actually found and fixed look-ahead bias during our audit — initial results looked much better before we fixed it</a:t>
+            </a:r>
+          </a:p>
+          <a:p>
+            <a:r>
+              <a:t>• 10 bps round-trip is conservative for liquid stocks but accounts for market impact on larger positions</a:t>
+            </a:r>
+          </a:p>
+          <a:p>
+            <a:r>
+              <a:t>• Walk-forward testing is harder to implement but critical — static train/test splits overfit to specific market regimes</a:t>
+            </a:r>
+          </a:p>
+        </p:txBody>
+      </p:sp>
+      <p:sp>
+        <p:nvSpPr>
+          <p:cNvPr id="4" name="Slide Number Placeholder 3"/>
+          <p:cNvSpPr>
+            <a:spLocks noGrp="1"/>
+          </p:cNvSpPr>
+          <p:nvPr>
+            <p:ph type="sldNum" sz="quarter" idx="5"/>
+          </p:nvPr>
+        </p:nvSpPr>
+        <p:spPr/>
+      </p:sp>
+    </p:spTree>
+  </p:cSld>
+  <p:clrMapOvr>
+    <a:masterClrMapping/>
+  </p:clrMapOvr>
+</p:notes>
+</file>
+
+<file path=ppt/notesSlides/notesSlide9.xml><?xml version="1.0" encoding="utf-8"?>
+<p:notes xmlns:a="http://schemas.openxmlformats.org/drawingml/2006/main" xmlns:r="http://schemas.openxmlformats.org/officeDocument/2006/relationships" xmlns:p="http://schemas.openxmlformats.org/presentationml/2006/main">
+  <p:cSld>
+    <p:spTree>
+      <p:nvGrpSpPr>
+        <p:cNvPr id="1" name=""/>
+        <p:cNvGrpSpPr/>
+        <p:nvPr/>
+      </p:nvGrpSpPr>
+      <p:grpSpPr>
+        <a:xfrm>
+          <a:off x="0" y="0"/>
+          <a:ext cx="0" cy="0"/>
+          <a:chOff x="0" y="0"/>
+          <a:chExt cx="0" cy="0"/>
+        </a:xfrm>
+      </p:grpSpPr>
+      <p:sp>
+        <p:nvSpPr>
+          <p:cNvPr id="2" name="Slide Image Placeholder 1"/>
+          <p:cNvSpPr>
+            <a:spLocks noGrp="1" noRot="1" noChangeAspect="1"/>
+          </p:cNvSpPr>
+          <p:nvPr>
+            <p:ph type="sldImg" idx="2"/>
+          </p:nvPr>
+        </p:nvSpPr>
+        <p:spPr/>
+      </p:sp>
+      <p:sp>
+        <p:nvSpPr>
+          <p:cNvPr id="3" name="Notes Placeholder 2"/>
+          <p:cNvSpPr>
+            <a:spLocks noGrp="1"/>
+          </p:cNvSpPr>
+          <p:nvPr>
+            <p:ph type="body" sz="quarter" idx="3"/>
+          </p:nvPr>
+        </p:nvSpPr>
+        <p:spPr/>
+        <p:txBody>
+          <a:bodyPr/>
+          <a:lstStyle/>
+          <a:p>
+            <a:r>
+              <a:t>• The gray line is our baseline strategy, red is ML-enhanced — you can see ML reduces some drawdowns</a:t>
+            </a:r>
+          </a:p>
+          <a:p>
+            <a:r>
+              <a:t>• Semiconductors and Tech pairs show the most promise; Energy and Staples struggle to generate positive returns</a:t>
+            </a:r>
+          </a:p>
+          <a:p>
+            <a:r>
+              <a:t>• Remember, the goal isn't to beat SPY — it's to provide uncorrelated returns for portfolio diversification</a:t>
+            </a:r>
+          </a:p>
+        </p:txBody>
+      </p:sp>
+      <p:sp>
+        <p:nvSpPr>
+          <p:cNvPr id="4" name="Slide Number Placeholder 3"/>
+          <p:cNvSpPr>
+            <a:spLocks noGrp="1"/>
+          </p:cNvSpPr>
+          <p:nvPr>
+            <p:ph type="sldNum" sz="quarter" idx="5"/>
+          </p:nvPr>
+        </p:nvSpPr>
+        <p:spPr/>
+      </p:sp>
+    </p:spTree>
+  </p:cSld>
+  <p:clrMapOvr>
+    <a:masterClrMapping/>
+  </p:clrMapOvr>
+</p:notes>
 </file>
 
 <file path=ppt/slideLayouts/slideLayout1.xml><?xml version="1.0" encoding="utf-8"?>
@@ -164,10 +1911,9 @@
           <a:lstStyle/>
           <a:p>
             <a:r>
-              <a:rPr lang="en-US" smtClean="0"/>
+              <a:rPr lang="en-US"/>
               <a:t>Click to edit Master title style</a:t>
             </a:r>
-            <a:endParaRPr lang="en-US"/>
           </a:p>
         </p:txBody>
       </p:sp>
@@ -283,10 +2029,9 @@
           </a:lstStyle>
           <a:p>
             <a:r>
-              <a:rPr lang="en-US" smtClean="0"/>
+              <a:rPr lang="en-US"/>
               <a:t>Click to edit Master subtitle style</a:t>
             </a:r>
-            <a:endParaRPr lang="en-US"/>
           </a:p>
         </p:txBody>
       </p:sp>
@@ -307,7 +2052,7 @@
           <a:p>
             <a:fld id="{5BCAD085-E8A6-8845-BD4E-CB4CCA059FC4}" type="datetimeFigureOut">
               <a:rPr lang="en-US" smtClean="0"/>
-              <a:t>1/27/13</a:t>
+              <a:t>12/8/25</a:t>
             </a:fld>
             <a:endParaRPr lang="en-US"/>
           </a:p>
@@ -401,10 +2146,9 @@
           <a:lstStyle/>
           <a:p>
             <a:r>
-              <a:rPr lang="en-US" smtClean="0"/>
+              <a:rPr lang="en-US"/>
               <a:t>Click to edit Master title style</a:t>
             </a:r>
-            <a:endParaRPr lang="en-US"/>
           </a:p>
         </p:txBody>
       </p:sp>
@@ -425,38 +2169,37 @@
           <a:p>
             <a:pPr lvl="0"/>
             <a:r>
-              <a:rPr lang="en-US" smtClean="0"/>
+              <a:rPr lang="en-US"/>
               <a:t>Click to edit Master text styles</a:t>
             </a:r>
           </a:p>
           <a:p>
             <a:pPr lvl="1"/>
             <a:r>
-              <a:rPr lang="en-US" smtClean="0"/>
+              <a:rPr lang="en-US"/>
               <a:t>Second level</a:t>
             </a:r>
           </a:p>
           <a:p>
             <a:pPr lvl="2"/>
             <a:r>
-              <a:rPr lang="en-US" smtClean="0"/>
+              <a:rPr lang="en-US"/>
               <a:t>Third level</a:t>
             </a:r>
           </a:p>
           <a:p>
             <a:pPr lvl="3"/>
             <a:r>
-              <a:rPr lang="en-US" smtClean="0"/>
+              <a:rPr lang="en-US"/>
               <a:t>Fourth level</a:t>
             </a:r>
           </a:p>
           <a:p>
             <a:pPr lvl="4"/>
             <a:r>
-              <a:rPr lang="en-US" smtClean="0"/>
+              <a:rPr lang="en-US"/>
               <a:t>Fifth level</a:t>
             </a:r>
-            <a:endParaRPr lang="en-US"/>
           </a:p>
         </p:txBody>
       </p:sp>
@@ -477,7 +2220,7 @@
           <a:p>
             <a:fld id="{5BCAD085-E8A6-8845-BD4E-CB4CCA059FC4}" type="datetimeFigureOut">
               <a:rPr lang="en-US" smtClean="0"/>
-              <a:t>1/27/13</a:t>
+              <a:t>12/8/25</a:t>
             </a:fld>
             <a:endParaRPr lang="en-US"/>
           </a:p>
@@ -576,10 +2319,9 @@
           <a:lstStyle/>
           <a:p>
             <a:r>
-              <a:rPr lang="en-US" smtClean="0"/>
+              <a:rPr lang="en-US"/>
               <a:t>Click to edit Master title style</a:t>
             </a:r>
-            <a:endParaRPr lang="en-US"/>
           </a:p>
         </p:txBody>
       </p:sp>
@@ -605,38 +2347,37 @@
           <a:p>
             <a:pPr lvl="0"/>
             <a:r>
-              <a:rPr lang="en-US" smtClean="0"/>
+              <a:rPr lang="en-US"/>
               <a:t>Click to edit Master text styles</a:t>
             </a:r>
           </a:p>
           <a:p>
             <a:pPr lvl="1"/>
             <a:r>
-              <a:rPr lang="en-US" smtClean="0"/>
+              <a:rPr lang="en-US"/>
               <a:t>Second level</a:t>
             </a:r>
           </a:p>
           <a:p>
             <a:pPr lvl="2"/>
             <a:r>
-              <a:rPr lang="en-US" smtClean="0"/>
+              <a:rPr lang="en-US"/>
               <a:t>Third level</a:t>
             </a:r>
           </a:p>
           <a:p>
             <a:pPr lvl="3"/>
             <a:r>
-              <a:rPr lang="en-US" smtClean="0"/>
+              <a:rPr lang="en-US"/>
               <a:t>Fourth level</a:t>
             </a:r>
           </a:p>
           <a:p>
             <a:pPr lvl="4"/>
             <a:r>
-              <a:rPr lang="en-US" smtClean="0"/>
+              <a:rPr lang="en-US"/>
               <a:t>Fifth level</a:t>
             </a:r>
-            <a:endParaRPr lang="en-US"/>
           </a:p>
         </p:txBody>
       </p:sp>
@@ -657,7 +2398,7 @@
           <a:p>
             <a:fld id="{5BCAD085-E8A6-8845-BD4E-CB4CCA059FC4}" type="datetimeFigureOut">
               <a:rPr lang="en-US" smtClean="0"/>
-              <a:t>1/27/13</a:t>
+              <a:t>12/8/25</a:t>
             </a:fld>
             <a:endParaRPr lang="en-US"/>
           </a:p>
@@ -751,10 +2492,9 @@
           <a:lstStyle/>
           <a:p>
             <a:r>
-              <a:rPr lang="en-US" smtClean="0"/>
+              <a:rPr lang="en-US"/>
               <a:t>Click to edit Master title style</a:t>
             </a:r>
-            <a:endParaRPr lang="en-US"/>
           </a:p>
         </p:txBody>
       </p:sp>
@@ -775,38 +2515,37 @@
           <a:p>
             <a:pPr lvl="0"/>
             <a:r>
-              <a:rPr lang="en-US" smtClean="0"/>
+              <a:rPr lang="en-US"/>
               <a:t>Click to edit Master text styles</a:t>
             </a:r>
           </a:p>
           <a:p>
             <a:pPr lvl="1"/>
             <a:r>
-              <a:rPr lang="en-US" smtClean="0"/>
+              <a:rPr lang="en-US"/>
               <a:t>Second level</a:t>
             </a:r>
           </a:p>
           <a:p>
             <a:pPr lvl="2"/>
             <a:r>
-              <a:rPr lang="en-US" smtClean="0"/>
+              <a:rPr lang="en-US"/>
               <a:t>Third level</a:t>
             </a:r>
           </a:p>
           <a:p>
             <a:pPr lvl="3"/>
             <a:r>
-              <a:rPr lang="en-US" smtClean="0"/>
+              <a:rPr lang="en-US"/>
               <a:t>Fourth level</a:t>
             </a:r>
           </a:p>
           <a:p>
             <a:pPr lvl="4"/>
             <a:r>
-              <a:rPr lang="en-US" smtClean="0"/>
+              <a:rPr lang="en-US"/>
               <a:t>Fifth level</a:t>
             </a:r>
-            <a:endParaRPr lang="en-US"/>
           </a:p>
         </p:txBody>
       </p:sp>
@@ -827,7 +2566,7 @@
           <a:p>
             <a:fld id="{5BCAD085-E8A6-8845-BD4E-CB4CCA059FC4}" type="datetimeFigureOut">
               <a:rPr lang="en-US" smtClean="0"/>
-              <a:t>1/27/13</a:t>
+              <a:t>12/8/25</a:t>
             </a:fld>
             <a:endParaRPr lang="en-US"/>
           </a:p>
@@ -930,10 +2669,9 @@
           </a:lstStyle>
           <a:p>
             <a:r>
-              <a:rPr lang="en-US" smtClean="0"/>
+              <a:rPr lang="en-US"/>
               <a:t>Click to edit Master title style</a:t>
             </a:r>
-            <a:endParaRPr lang="en-US"/>
           </a:p>
         </p:txBody>
       </p:sp>
@@ -1050,7 +2788,7 @@
           <a:p>
             <a:pPr lvl="0"/>
             <a:r>
-              <a:rPr lang="en-US" smtClean="0"/>
+              <a:rPr lang="en-US"/>
               <a:t>Click to edit Master text styles</a:t>
             </a:r>
           </a:p>
@@ -1073,7 +2811,7 @@
           <a:p>
             <a:fld id="{5BCAD085-E8A6-8845-BD4E-CB4CCA059FC4}" type="datetimeFigureOut">
               <a:rPr lang="en-US" smtClean="0"/>
-              <a:t>1/27/13</a:t>
+              <a:t>12/8/25</a:t>
             </a:fld>
             <a:endParaRPr lang="en-US"/>
           </a:p>
@@ -1167,10 +2905,9 @@
           <a:lstStyle/>
           <a:p>
             <a:r>
-              <a:rPr lang="en-US" smtClean="0"/>
+              <a:rPr lang="en-US"/>
               <a:t>Click to edit Master title style</a:t>
             </a:r>
-            <a:endParaRPr lang="en-US"/>
           </a:p>
         </p:txBody>
       </p:sp>
@@ -1224,38 +2961,37 @@
           <a:p>
             <a:pPr lvl="0"/>
             <a:r>
-              <a:rPr lang="en-US" smtClean="0"/>
+              <a:rPr lang="en-US"/>
               <a:t>Click to edit Master text styles</a:t>
             </a:r>
           </a:p>
           <a:p>
             <a:pPr lvl="1"/>
             <a:r>
-              <a:rPr lang="en-US" smtClean="0"/>
+              <a:rPr lang="en-US"/>
               <a:t>Second level</a:t>
             </a:r>
           </a:p>
           <a:p>
             <a:pPr lvl="2"/>
             <a:r>
-              <a:rPr lang="en-US" smtClean="0"/>
+              <a:rPr lang="en-US"/>
               <a:t>Third level</a:t>
             </a:r>
           </a:p>
           <a:p>
             <a:pPr lvl="3"/>
             <a:r>
-              <a:rPr lang="en-US" smtClean="0"/>
+              <a:rPr lang="en-US"/>
               <a:t>Fourth level</a:t>
             </a:r>
           </a:p>
           <a:p>
             <a:pPr lvl="4"/>
             <a:r>
-              <a:rPr lang="en-US" smtClean="0"/>
+              <a:rPr lang="en-US"/>
               <a:t>Fifth level</a:t>
             </a:r>
-            <a:endParaRPr lang="en-US"/>
           </a:p>
         </p:txBody>
       </p:sp>
@@ -1309,38 +3045,37 @@
           <a:p>
             <a:pPr lvl="0"/>
             <a:r>
-              <a:rPr lang="en-US" smtClean="0"/>
+              <a:rPr lang="en-US"/>
               <a:t>Click to edit Master text styles</a:t>
             </a:r>
           </a:p>
           <a:p>
             <a:pPr lvl="1"/>
             <a:r>
-              <a:rPr lang="en-US" smtClean="0"/>
+              <a:rPr lang="en-US"/>
               <a:t>Second level</a:t>
             </a:r>
           </a:p>
           <a:p>
             <a:pPr lvl="2"/>
             <a:r>
-              <a:rPr lang="en-US" smtClean="0"/>
+              <a:rPr lang="en-US"/>
               <a:t>Third level</a:t>
             </a:r>
           </a:p>
           <a:p>
             <a:pPr lvl="3"/>
             <a:r>
-              <a:rPr lang="en-US" smtClean="0"/>
+              <a:rPr lang="en-US"/>
               <a:t>Fourth level</a:t>
             </a:r>
           </a:p>
           <a:p>
             <a:pPr lvl="4"/>
             <a:r>
-              <a:rPr lang="en-US" smtClean="0"/>
+              <a:rPr lang="en-US"/>
               <a:t>Fifth level</a:t>
             </a:r>
-            <a:endParaRPr lang="en-US"/>
           </a:p>
         </p:txBody>
       </p:sp>
@@ -1361,7 +3096,7 @@
           <a:p>
             <a:fld id="{5BCAD085-E8A6-8845-BD4E-CB4CCA059FC4}" type="datetimeFigureOut">
               <a:rPr lang="en-US" smtClean="0"/>
-              <a:t>1/27/13</a:t>
+              <a:t>12/8/25</a:t>
             </a:fld>
             <a:endParaRPr lang="en-US"/>
           </a:p>
@@ -1459,10 +3194,9 @@
           </a:lstStyle>
           <a:p>
             <a:r>
-              <a:rPr lang="en-US" smtClean="0"/>
+              <a:rPr lang="en-US"/>
               <a:t>Click to edit Master title style</a:t>
             </a:r>
-            <a:endParaRPr lang="en-US"/>
           </a:p>
         </p:txBody>
       </p:sp>
@@ -1525,7 +3259,7 @@
           <a:p>
             <a:pPr lvl="0"/>
             <a:r>
-              <a:rPr lang="en-US" smtClean="0"/>
+              <a:rPr lang="en-US"/>
               <a:t>Click to edit Master text styles</a:t>
             </a:r>
           </a:p>
@@ -1581,38 +3315,37 @@
           <a:p>
             <a:pPr lvl="0"/>
             <a:r>
-              <a:rPr lang="en-US" smtClean="0"/>
+              <a:rPr lang="en-US"/>
               <a:t>Click to edit Master text styles</a:t>
             </a:r>
           </a:p>
           <a:p>
             <a:pPr lvl="1"/>
             <a:r>
-              <a:rPr lang="en-US" smtClean="0"/>
+              <a:rPr lang="en-US"/>
               <a:t>Second level</a:t>
             </a:r>
           </a:p>
           <a:p>
             <a:pPr lvl="2"/>
             <a:r>
-              <a:rPr lang="en-US" smtClean="0"/>
+              <a:rPr lang="en-US"/>
               <a:t>Third level</a:t>
             </a:r>
           </a:p>
           <a:p>
             <a:pPr lvl="3"/>
             <a:r>
-              <a:rPr lang="en-US" smtClean="0"/>
+              <a:rPr lang="en-US"/>
               <a:t>Fourth level</a:t>
             </a:r>
           </a:p>
           <a:p>
             <a:pPr lvl="4"/>
             <a:r>
-              <a:rPr lang="en-US" smtClean="0"/>
+              <a:rPr lang="en-US"/>
               <a:t>Fifth level</a:t>
             </a:r>
-            <a:endParaRPr lang="en-US"/>
           </a:p>
         </p:txBody>
       </p:sp>
@@ -1675,7 +3408,7 @@
           <a:p>
             <a:pPr lvl="0"/>
             <a:r>
-              <a:rPr lang="en-US" smtClean="0"/>
+              <a:rPr lang="en-US"/>
               <a:t>Click to edit Master text styles</a:t>
             </a:r>
           </a:p>
@@ -1731,38 +3464,37 @@
           <a:p>
             <a:pPr lvl="0"/>
             <a:r>
-              <a:rPr lang="en-US" smtClean="0"/>
+              <a:rPr lang="en-US"/>
               <a:t>Click to edit Master text styles</a:t>
             </a:r>
           </a:p>
           <a:p>
             <a:pPr lvl="1"/>
             <a:r>
-              <a:rPr lang="en-US" smtClean="0"/>
+              <a:rPr lang="en-US"/>
               <a:t>Second level</a:t>
             </a:r>
           </a:p>
           <a:p>
             <a:pPr lvl="2"/>
             <a:r>
-              <a:rPr lang="en-US" smtClean="0"/>
+              <a:rPr lang="en-US"/>
               <a:t>Third level</a:t>
             </a:r>
           </a:p>
           <a:p>
             <a:pPr lvl="3"/>
             <a:r>
-              <a:rPr lang="en-US" smtClean="0"/>
+              <a:rPr lang="en-US"/>
               <a:t>Fourth level</a:t>
             </a:r>
           </a:p>
           <a:p>
             <a:pPr lvl="4"/>
             <a:r>
-              <a:rPr lang="en-US" smtClean="0"/>
+              <a:rPr lang="en-US"/>
               <a:t>Fifth level</a:t>
             </a:r>
-            <a:endParaRPr lang="en-US"/>
           </a:p>
         </p:txBody>
       </p:sp>
@@ -1783,7 +3515,7 @@
           <a:p>
             <a:fld id="{5BCAD085-E8A6-8845-BD4E-CB4CCA059FC4}" type="datetimeFigureOut">
               <a:rPr lang="en-US" smtClean="0"/>
-              <a:t>1/27/13</a:t>
+              <a:t>12/8/25</a:t>
             </a:fld>
             <a:endParaRPr lang="en-US"/>
           </a:p>
@@ -1877,10 +3609,9 @@
           <a:lstStyle/>
           <a:p>
             <a:r>
-              <a:rPr lang="en-US" smtClean="0"/>
+              <a:rPr lang="en-US"/>
               <a:t>Click to edit Master title style</a:t>
             </a:r>
-            <a:endParaRPr lang="en-US"/>
           </a:p>
         </p:txBody>
       </p:sp>
@@ -1901,7 +3632,7 @@
           <a:p>
             <a:fld id="{5BCAD085-E8A6-8845-BD4E-CB4CCA059FC4}" type="datetimeFigureOut">
               <a:rPr lang="en-US" smtClean="0"/>
-              <a:t>1/27/13</a:t>
+              <a:t>12/8/25</a:t>
             </a:fld>
             <a:endParaRPr lang="en-US"/>
           </a:p>
@@ -1996,7 +3727,7 @@
           <a:p>
             <a:fld id="{5BCAD085-E8A6-8845-BD4E-CB4CCA059FC4}" type="datetimeFigureOut">
               <a:rPr lang="en-US" smtClean="0"/>
-              <a:t>1/27/13</a:t>
+              <a:t>12/8/25</a:t>
             </a:fld>
             <a:endParaRPr lang="en-US"/>
           </a:p>
@@ -2099,10 +3830,9 @@
           </a:lstStyle>
           <a:p>
             <a:r>
-              <a:rPr lang="en-US" smtClean="0"/>
+              <a:rPr lang="en-US"/>
               <a:t>Click to edit Master title style</a:t>
             </a:r>
-            <a:endParaRPr lang="en-US"/>
           </a:p>
         </p:txBody>
       </p:sp>
@@ -2156,38 +3886,37 @@
           <a:p>
             <a:pPr lvl="0"/>
             <a:r>
-              <a:rPr lang="en-US" smtClean="0"/>
+              <a:rPr lang="en-US"/>
               <a:t>Click to edit Master text styles</a:t>
             </a:r>
           </a:p>
           <a:p>
             <a:pPr lvl="1"/>
             <a:r>
-              <a:rPr lang="en-US" smtClean="0"/>
+              <a:rPr lang="en-US"/>
               <a:t>Second level</a:t>
             </a:r>
           </a:p>
           <a:p>
             <a:pPr lvl="2"/>
             <a:r>
-              <a:rPr lang="en-US" smtClean="0"/>
+              <a:rPr lang="en-US"/>
               <a:t>Third level</a:t>
             </a:r>
           </a:p>
           <a:p>
             <a:pPr lvl="3"/>
             <a:r>
-              <a:rPr lang="en-US" smtClean="0"/>
+              <a:rPr lang="en-US"/>
               <a:t>Fourth level</a:t>
             </a:r>
           </a:p>
           <a:p>
             <a:pPr lvl="4"/>
             <a:r>
-              <a:rPr lang="en-US" smtClean="0"/>
+              <a:rPr lang="en-US"/>
               <a:t>Fifth level</a:t>
             </a:r>
-            <a:endParaRPr lang="en-US"/>
           </a:p>
         </p:txBody>
       </p:sp>
@@ -2250,7 +3979,7 @@
           <a:p>
             <a:pPr lvl="0"/>
             <a:r>
-              <a:rPr lang="en-US" smtClean="0"/>
+              <a:rPr lang="en-US"/>
               <a:t>Click to edit Master text styles</a:t>
             </a:r>
           </a:p>
@@ -2273,7 +4002,7 @@
           <a:p>
             <a:fld id="{5BCAD085-E8A6-8845-BD4E-CB4CCA059FC4}" type="datetimeFigureOut">
               <a:rPr lang="en-US" smtClean="0"/>
-              <a:t>1/27/13</a:t>
+              <a:t>12/8/25</a:t>
             </a:fld>
             <a:endParaRPr lang="en-US"/>
           </a:p>
@@ -2376,10 +4105,9 @@
           </a:lstStyle>
           <a:p>
             <a:r>
-              <a:rPr lang="en-US" smtClean="0"/>
+              <a:rPr lang="en-US"/>
               <a:t>Click to edit Master title style</a:t>
             </a:r>
-            <a:endParaRPr lang="en-US"/>
           </a:p>
         </p:txBody>
       </p:sp>
@@ -2503,7 +4231,7 @@
           <a:p>
             <a:pPr lvl="0"/>
             <a:r>
-              <a:rPr lang="en-US" smtClean="0"/>
+              <a:rPr lang="en-US"/>
               <a:t>Click to edit Master text styles</a:t>
             </a:r>
           </a:p>
@@ -2526,7 +4254,7 @@
           <a:p>
             <a:fld id="{5BCAD085-E8A6-8845-BD4E-CB4CCA059FC4}" type="datetimeFigureOut">
               <a:rPr lang="en-US" smtClean="0"/>
-              <a:t>1/27/13</a:t>
+              <a:t>12/8/25</a:t>
             </a:fld>
             <a:endParaRPr lang="en-US"/>
           </a:p>
@@ -2635,10 +4363,9 @@
           <a:lstStyle/>
           <a:p>
             <a:r>
-              <a:rPr lang="en-US" smtClean="0"/>
+              <a:rPr lang="en-US"/>
               <a:t>Click to edit Master title style</a:t>
             </a:r>
-            <a:endParaRPr lang="en-US"/>
           </a:p>
         </p:txBody>
       </p:sp>
@@ -2669,38 +4396,37 @@
           <a:p>
             <a:pPr lvl="0"/>
             <a:r>
-              <a:rPr lang="en-US" smtClean="0"/>
+              <a:rPr lang="en-US"/>
               <a:t>Click to edit Master text styles</a:t>
             </a:r>
           </a:p>
           <a:p>
             <a:pPr lvl="1"/>
             <a:r>
-              <a:rPr lang="en-US" smtClean="0"/>
+              <a:rPr lang="en-US"/>
               <a:t>Second level</a:t>
             </a:r>
           </a:p>
           <a:p>
             <a:pPr lvl="2"/>
             <a:r>
-              <a:rPr lang="en-US" smtClean="0"/>
+              <a:rPr lang="en-US"/>
               <a:t>Third level</a:t>
             </a:r>
           </a:p>
           <a:p>
             <a:pPr lvl="3"/>
             <a:r>
-              <a:rPr lang="en-US" smtClean="0"/>
+              <a:rPr lang="en-US"/>
               <a:t>Fourth level</a:t>
             </a:r>
           </a:p>
           <a:p>
             <a:pPr lvl="4"/>
             <a:r>
-              <a:rPr lang="en-US" smtClean="0"/>
+              <a:rPr lang="en-US"/>
               <a:t>Fifth level</a:t>
             </a:r>
-            <a:endParaRPr lang="en-US"/>
           </a:p>
         </p:txBody>
       </p:sp>
@@ -2739,7 +4465,7 @@
           <a:p>
             <a:fld id="{5BCAD085-E8A6-8845-BD4E-CB4CCA059FC4}" type="datetimeFigureOut">
               <a:rPr lang="en-US" smtClean="0"/>
-              <a:t>1/27/13</a:t>
+              <a:t>12/8/25</a:t>
             </a:fld>
             <a:endParaRPr lang="en-US"/>
           </a:p>
@@ -3098,7 +4824,7 @@
 </file>
 
 <file path=ppt/slides/slide1.xml><?xml version="1.0" encoding="utf-8"?>
-<p:sld xmlns:a="http://schemas.openxmlformats.org/drawingml/2006/main" xmlns:p="http://schemas.openxmlformats.org/presentationml/2006/main" xmlns:r="http://schemas.openxmlformats.org/officeDocument/2006/relationships">
+<p:sld xmlns:a="http://schemas.openxmlformats.org/drawingml/2006/main" xmlns:r="http://schemas.openxmlformats.org/officeDocument/2006/relationships" xmlns:p="http://schemas.openxmlformats.org/presentationml/2006/main">
   <p:cSld>
     <p:bg>
       <p:bgPr>
@@ -3114,7 +4840,14 @@
         <p:cNvGrpSpPr/>
         <p:nvPr/>
       </p:nvGrpSpPr>
-      <p:grpSpPr/>
+      <p:grpSpPr>
+        <a:xfrm>
+          <a:off x="0" y="0"/>
+          <a:ext cx="0" cy="0"/>
+          <a:chOff x="0" y="0"/>
+          <a:chExt cx="0" cy="0"/>
+        </a:xfrm>
+      </p:grpSpPr>
       <p:sp>
         <p:nvSpPr>
           <p:cNvPr id="2" name="TextBox 1"/>
@@ -3123,8 +4856,8 @@
         </p:nvSpPr>
         <p:spPr>
           <a:xfrm>
-            <a:off x="457200" y="2286000"/>
-            <a:ext cx="8229600" cy="914400"/>
+            <a:off x="1287286" y="1753850"/>
+            <a:ext cx="6569427" cy="1446550"/>
           </a:xfrm>
           <a:prstGeom prst="rect">
             <a:avLst/>
@@ -3142,10 +4875,27 @@
                 <a:solidFill>
                   <a:srgbClr val="333333"/>
                 </a:solidFill>
+                <a:latin typeface="Helvetica Neue"/>
               </a:defRPr>
             </a:pPr>
             <a:r>
-              <a:t>Statistical Basket Pairs Trading Strategy</a:t>
+              <a:rPr dirty="0"/>
+              <a:t>Statistical Basket Pairs </a:t>
+            </a:r>
+            <a:endParaRPr lang="en-US" dirty="0"/>
+          </a:p>
+          <a:p>
+            <a:pPr algn="ctr">
+              <a:defRPr sz="4400" b="1">
+                <a:solidFill>
+                  <a:srgbClr val="333333"/>
+                </a:solidFill>
+                <a:latin typeface="Helvetica Neue"/>
+              </a:defRPr>
+            </a:pPr>
+            <a:r>
+              <a:rPr dirty="0"/>
+              <a:t>Trading Strategy</a:t>
             </a:r>
           </a:p>
         </p:txBody>
@@ -3177,6 +4927,7 @@
                 <a:solidFill>
                   <a:srgbClr val="9D1535"/>
                 </a:solidFill>
+                <a:latin typeface="Helvetica Neue"/>
               </a:defRPr>
             </a:pPr>
             <a:r>
@@ -3212,9 +4963,11 @@
                 <a:solidFill>
                   <a:srgbClr val="949594"/>
                 </a:solidFill>
+                <a:latin typeface="Helvetica Neue"/>
               </a:defRPr>
             </a:pPr>
             <a:r>
+              <a:rPr dirty="0"/>
               <a:t>FE571 | Professor Anshul Sharma | Group 7</a:t>
             </a:r>
           </a:p>
@@ -3224,9 +4977,11 @@
                 <a:solidFill>
                   <a:srgbClr val="949594"/>
                 </a:solidFill>
+                <a:latin typeface="Helvetica Neue"/>
               </a:defRPr>
             </a:pPr>
             <a:r>
+              <a:rPr dirty="0"/>
               <a:t>Scott Henriquez, Nakul Jadeja, Ayan Mahmood, Akbar Pathan</a:t>
             </a:r>
           </a:p>
@@ -3241,7 +4996,7 @@
 </file>
 
 <file path=ppt/slides/slide10.xml><?xml version="1.0" encoding="utf-8"?>
-<p:sld xmlns:a="http://schemas.openxmlformats.org/drawingml/2006/main" xmlns:p="http://schemas.openxmlformats.org/presentationml/2006/main" xmlns:r="http://schemas.openxmlformats.org/officeDocument/2006/relationships">
+<p:sld xmlns:a="http://schemas.openxmlformats.org/drawingml/2006/main" xmlns:r="http://schemas.openxmlformats.org/officeDocument/2006/relationships" xmlns:p="http://schemas.openxmlformats.org/presentationml/2006/main">
   <p:cSld>
     <p:bg>
       <p:bgPr>
@@ -3257,7 +5012,14 @@
         <p:cNvGrpSpPr/>
         <p:nvPr/>
       </p:nvGrpSpPr>
-      <p:grpSpPr/>
+      <p:grpSpPr>
+        <a:xfrm>
+          <a:off x="0" y="0"/>
+          <a:ext cx="0" cy="0"/>
+          <a:chOff x="0" y="0"/>
+          <a:chExt cx="0" cy="0"/>
+        </a:xfrm>
+      </p:grpSpPr>
       <p:sp>
         <p:nvSpPr>
           <p:cNvPr id="2" name="TextBox 1"/>
@@ -3285,6 +5047,7 @@
                 <a:solidFill>
                   <a:srgbClr val="333333"/>
                 </a:solidFill>
+                <a:latin typeface="Helvetica Neue"/>
               </a:defRPr>
             </a:pPr>
             <a:r>
@@ -3333,110 +5096,43 @@
           <a:lstStyle/>
           <a:p>
             <a:pPr algn="ctr"/>
-          </a:p>
-        </p:txBody>
-      </p:sp>
-      <p:sp>
-        <p:nvSpPr>
-          <p:cNvPr id="4" name="Rounded Rectangle 3"/>
-          <p:cNvSpPr/>
+            <a:endParaRPr/>
+          </a:p>
+        </p:txBody>
+      </p:sp>
+      <p:pic>
+        <p:nvPicPr>
+          <p:cNvPr id="4" name="Picture 3" descr="drawdown_chart.png"/>
+          <p:cNvPicPr>
+            <a:picLocks noChangeAspect="1"/>
+          </p:cNvPicPr>
           <p:nvPr/>
-        </p:nvSpPr>
+        </p:nvPicPr>
+        <p:blipFill>
+          <a:blip r:embed="rId3"/>
+          <a:stretch>
+            <a:fillRect/>
+          </a:stretch>
+        </p:blipFill>
         <p:spPr>
           <a:xfrm>
-            <a:off x="685800" y="1280160"/>
-            <a:ext cx="7772400" cy="3200400"/>
-          </a:xfrm>
-          <a:prstGeom prst="roundRect">
-            <a:avLst/>
-          </a:prstGeom>
-          <a:solidFill>
-            <a:srgbClr val="F8F8F8"/>
-          </a:solidFill>
-          <a:ln>
-            <a:solidFill>
-              <a:srgbClr val="949594"/>
-            </a:solidFill>
-          </a:ln>
-        </p:spPr>
-        <p:style>
-          <a:lnRef idx="1">
-            <a:schemeClr val="accent1"/>
-          </a:lnRef>
-          <a:fillRef idx="3">
-            <a:schemeClr val="accent1"/>
-          </a:fillRef>
-          <a:effectRef idx="2">
-            <a:schemeClr val="accent1"/>
-          </a:effectRef>
-          <a:fontRef idx="minor">
-            <a:schemeClr val="lt1"/>
-          </a:fontRef>
-        </p:style>
-        <p:txBody>
-          <a:bodyPr rtlCol="0" anchor="ctr"/>
-          <a:lstStyle/>
-          <a:p>
-            <a:pPr algn="ctr"/>
-          </a:p>
-        </p:txBody>
-      </p:sp>
-      <p:sp>
-        <p:nvSpPr>
-          <p:cNvPr id="5" name="TextBox 4"/>
-          <p:cNvSpPr txBox="1"/>
-          <p:nvPr/>
-        </p:nvSpPr>
-        <p:spPr>
-          <a:xfrm>
-            <a:off x="1828800" y="2560320"/>
-            <a:ext cx="5486400" cy="914400"/>
+            <a:off x="1742976" y="914400"/>
+            <a:ext cx="5658048" cy="3680129"/>
           </a:xfrm>
           <a:prstGeom prst="rect">
             <a:avLst/>
           </a:prstGeom>
-          <a:noFill/>
         </p:spPr>
-        <p:txBody>
-          <a:bodyPr wrap="none">
-            <a:spAutoFit/>
-          </a:bodyPr>
-          <a:lstStyle/>
-          <a:p>
-            <a:pPr algn="ctr">
-              <a:defRPr sz="1800">
-                <a:solidFill>
-                  <a:srgbClr val="949594"/>
-                </a:solidFill>
-              </a:defRPr>
-            </a:pPr>
-            <a:r>
-              <a:t>[INSERT: drawdown_chart.png]</a:t>
-            </a:r>
-          </a:p>
-          <a:p>
-            <a:pPr algn="ctr">
-              <a:defRPr sz="1200">
-                <a:solidFill>
-                  <a:srgbClr val="949594"/>
-                </a:solidFill>
-              </a:defRPr>
-            </a:pPr>
-            <a:r>
-              <a:t>Export from v5 notebook</a:t>
-            </a:r>
-          </a:p>
-        </p:txBody>
-      </p:sp>
-      <p:sp>
-        <p:nvSpPr>
-          <p:cNvPr id="6" name="TextBox 5"/>
+      </p:pic>
+      <p:sp>
+        <p:nvSpPr>
+          <p:cNvPr id="5" name="TextBox 4"/>
           <p:cNvSpPr txBox="1"/>
           <p:nvPr/>
         </p:nvSpPr>
         <p:spPr>
           <a:xfrm>
-            <a:off x="457200" y="4754880"/>
+            <a:off x="457200" y="4572000"/>
             <a:ext cx="8229600" cy="457200"/>
           </a:xfrm>
           <a:prstGeom prst="rect">
@@ -3455,6 +5151,7 @@
                 <a:solidFill>
                   <a:srgbClr val="949594"/>
                 </a:solidFill>
+                <a:latin typeface="Helvetica Neue"/>
               </a:defRPr>
             </a:pPr>
             <a:r>
@@ -3472,7 +5169,7 @@
 </file>
 
 <file path=ppt/slides/slide11.xml><?xml version="1.0" encoding="utf-8"?>
-<p:sld xmlns:a="http://schemas.openxmlformats.org/drawingml/2006/main" xmlns:p="http://schemas.openxmlformats.org/presentationml/2006/main" xmlns:r="http://schemas.openxmlformats.org/officeDocument/2006/relationships">
+<p:sld xmlns:a="http://schemas.openxmlformats.org/drawingml/2006/main" xmlns:r="http://schemas.openxmlformats.org/officeDocument/2006/relationships" xmlns:p="http://schemas.openxmlformats.org/presentationml/2006/main">
   <p:cSld>
     <p:bg>
       <p:bgPr>
@@ -3488,7 +5185,14 @@
         <p:cNvGrpSpPr/>
         <p:nvPr/>
       </p:nvGrpSpPr>
-      <p:grpSpPr/>
+      <p:grpSpPr>
+        <a:xfrm>
+          <a:off x="0" y="0"/>
+          <a:ext cx="0" cy="0"/>
+          <a:chOff x="0" y="0"/>
+          <a:chExt cx="0" cy="0"/>
+        </a:xfrm>
+      </p:grpSpPr>
       <p:sp>
         <p:nvSpPr>
           <p:cNvPr id="2" name="TextBox 1"/>
@@ -3516,6 +5220,7 @@
                 <a:solidFill>
                   <a:srgbClr val="333333"/>
                 </a:solidFill>
+                <a:latin typeface="Helvetica Neue"/>
               </a:defRPr>
             </a:pPr>
             <a:r>
@@ -3564,6 +5269,7 @@
           <a:lstStyle/>
           <a:p>
             <a:pPr algn="ctr"/>
+            <a:endParaRPr/>
           </a:p>
         </p:txBody>
       </p:sp>
@@ -3586,11 +5292,41 @@
                 <a:tableStyleId>{5C22544A-7EE6-4342-B048-85BDC9FD1C3A}</a:tableStyleId>
               </a:tblPr>
               <a:tblGrid>
-                <a:gridCol w="1645920"/>
-                <a:gridCol w="1645920"/>
-                <a:gridCol w="1645920"/>
-                <a:gridCol w="1645920"/>
-                <a:gridCol w="1645920"/>
+                <a:gridCol w="1645920">
+                  <a:extLst>
+                    <a:ext uri="{9D8B030D-6E8A-4147-A177-3AD203B41FA5}">
+                      <a16:colId xmlns:a16="http://schemas.microsoft.com/office/drawing/2014/main" val="20000"/>
+                    </a:ext>
+                  </a:extLst>
+                </a:gridCol>
+                <a:gridCol w="1645920">
+                  <a:extLst>
+                    <a:ext uri="{9D8B030D-6E8A-4147-A177-3AD203B41FA5}">
+                      <a16:colId xmlns:a16="http://schemas.microsoft.com/office/drawing/2014/main" val="20001"/>
+                    </a:ext>
+                  </a:extLst>
+                </a:gridCol>
+                <a:gridCol w="1645920">
+                  <a:extLst>
+                    <a:ext uri="{9D8B030D-6E8A-4147-A177-3AD203B41FA5}">
+                      <a16:colId xmlns:a16="http://schemas.microsoft.com/office/drawing/2014/main" val="20002"/>
+                    </a:ext>
+                  </a:extLst>
+                </a:gridCol>
+                <a:gridCol w="1645920">
+                  <a:extLst>
+                    <a:ext uri="{9D8B030D-6E8A-4147-A177-3AD203B41FA5}">
+                      <a16:colId xmlns:a16="http://schemas.microsoft.com/office/drawing/2014/main" val="20003"/>
+                    </a:ext>
+                  </a:extLst>
+                </a:gridCol>
+                <a:gridCol w="1645920">
+                  <a:extLst>
+                    <a:ext uri="{9D8B030D-6E8A-4147-A177-3AD203B41FA5}">
+                      <a16:colId xmlns:a16="http://schemas.microsoft.com/office/drawing/2014/main" val="20004"/>
+                    </a:ext>
+                  </a:extLst>
+                </a:gridCol>
               </a:tblGrid>
               <a:tr h="365760">
                 <a:tc>
@@ -3599,10 +5335,11 @@
                     <a:lstStyle/>
                     <a:p>
                       <a:pPr algn="ctr">
-                        <a:defRPr b="1" sz="1400">
+                        <a:defRPr sz="1400" b="1">
                           <a:solidFill>
                             <a:srgbClr val="FFFFFF"/>
                           </a:solidFill>
+                          <a:latin typeface="Helvetica Neue"/>
                         </a:defRPr>
                       </a:pPr>
                       <a:r>
@@ -3622,10 +5359,11 @@
                     <a:lstStyle/>
                     <a:p>
                       <a:pPr algn="ctr">
-                        <a:defRPr b="1" sz="1400">
+                        <a:defRPr sz="1400" b="1">
                           <a:solidFill>
                             <a:srgbClr val="FFFFFF"/>
                           </a:solidFill>
+                          <a:latin typeface="Helvetica Neue"/>
                         </a:defRPr>
                       </a:pPr>
                       <a:r>
@@ -3645,10 +5383,11 @@
                     <a:lstStyle/>
                     <a:p>
                       <a:pPr algn="ctr">
-                        <a:defRPr b="1" sz="1400">
+                        <a:defRPr sz="1400" b="1">
                           <a:solidFill>
                             <a:srgbClr val="FFFFFF"/>
                           </a:solidFill>
+                          <a:latin typeface="Helvetica Neue"/>
                         </a:defRPr>
                       </a:pPr>
                       <a:r>
@@ -3668,10 +5407,11 @@
                     <a:lstStyle/>
                     <a:p>
                       <a:pPr algn="ctr">
-                        <a:defRPr b="1" sz="1400">
+                        <a:defRPr sz="1400" b="1">
                           <a:solidFill>
                             <a:srgbClr val="FFFFFF"/>
                           </a:solidFill>
+                          <a:latin typeface="Helvetica Neue"/>
                         </a:defRPr>
                       </a:pPr>
                       <a:r>
@@ -3691,10 +5431,11 @@
                     <a:lstStyle/>
                     <a:p>
                       <a:pPr algn="ctr">
-                        <a:defRPr b="1" sz="1400">
+                        <a:defRPr sz="1400" b="1">
                           <a:solidFill>
                             <a:srgbClr val="FFFFFF"/>
                           </a:solidFill>
+                          <a:latin typeface="Helvetica Neue"/>
                         </a:defRPr>
                       </a:pPr>
                       <a:r>
@@ -3708,6 +5449,11 @@
                     </a:solidFill>
                   </a:tcPr>
                 </a:tc>
+                <a:extLst>
+                  <a:ext uri="{0D108BD9-81ED-4DB2-BD59-A6C34878D82A}">
+                    <a16:rowId xmlns:a16="http://schemas.microsoft.com/office/drawing/2014/main" val="10000"/>
+                  </a:ext>
+                </a:extLst>
               </a:tr>
               <a:tr h="365760">
                 <a:tc>
@@ -3720,6 +5466,7 @@
                           <a:solidFill>
                             <a:srgbClr val="333333"/>
                           </a:solidFill>
+                          <a:latin typeface="Helvetica Neue"/>
                         </a:defRPr>
                       </a:pPr>
                       <a:r>
@@ -3743,6 +5490,7 @@
                           <a:solidFill>
                             <a:srgbClr val="333333"/>
                           </a:solidFill>
+                          <a:latin typeface="Helvetica Neue"/>
                         </a:defRPr>
                       </a:pPr>
                       <a:r>
@@ -3766,6 +5514,7 @@
                           <a:solidFill>
                             <a:srgbClr val="333333"/>
                           </a:solidFill>
+                          <a:latin typeface="Helvetica Neue"/>
                         </a:defRPr>
                       </a:pPr>
                       <a:r>
@@ -3789,6 +5538,7 @@
                           <a:solidFill>
                             <a:srgbClr val="333333"/>
                           </a:solidFill>
+                          <a:latin typeface="Helvetica Neue"/>
                         </a:defRPr>
                       </a:pPr>
                       <a:r>
@@ -3812,6 +5562,7 @@
                           <a:solidFill>
                             <a:srgbClr val="333333"/>
                           </a:solidFill>
+                          <a:latin typeface="Helvetica Neue"/>
                         </a:defRPr>
                       </a:pPr>
                       <a:r>
@@ -3825,6 +5576,11 @@
                     </a:solidFill>
                   </a:tcPr>
                 </a:tc>
+                <a:extLst>
+                  <a:ext uri="{0D108BD9-81ED-4DB2-BD59-A6C34878D82A}">
+                    <a16:rowId xmlns:a16="http://schemas.microsoft.com/office/drawing/2014/main" val="10001"/>
+                  </a:ext>
+                </a:extLst>
               </a:tr>
               <a:tr h="365760">
                 <a:tc>
@@ -3837,6 +5593,7 @@
                           <a:solidFill>
                             <a:srgbClr val="333333"/>
                           </a:solidFill>
+                          <a:latin typeface="Helvetica Neue"/>
                         </a:defRPr>
                       </a:pPr>
                       <a:r>
@@ -3856,6 +5613,7 @@
                           <a:solidFill>
                             <a:srgbClr val="333333"/>
                           </a:solidFill>
+                          <a:latin typeface="Helvetica Neue"/>
                         </a:defRPr>
                       </a:pPr>
                       <a:r>
@@ -3875,6 +5633,7 @@
                           <a:solidFill>
                             <a:srgbClr val="333333"/>
                           </a:solidFill>
+                          <a:latin typeface="Helvetica Neue"/>
                         </a:defRPr>
                       </a:pPr>
                       <a:r>
@@ -3894,6 +5653,7 @@
                           <a:solidFill>
                             <a:srgbClr val="333333"/>
                           </a:solidFill>
+                          <a:latin typeface="Helvetica Neue"/>
                         </a:defRPr>
                       </a:pPr>
                       <a:r>
@@ -3913,6 +5673,7 @@
                           <a:solidFill>
                             <a:srgbClr val="333333"/>
                           </a:solidFill>
+                          <a:latin typeface="Helvetica Neue"/>
                         </a:defRPr>
                       </a:pPr>
                       <a:r>
@@ -3922,6 +5683,11 @@
                   </a:txBody>
                   <a:tcPr/>
                 </a:tc>
+                <a:extLst>
+                  <a:ext uri="{0D108BD9-81ED-4DB2-BD59-A6C34878D82A}">
+                    <a16:rowId xmlns:a16="http://schemas.microsoft.com/office/drawing/2014/main" val="10002"/>
+                  </a:ext>
+                </a:extLst>
               </a:tr>
               <a:tr h="365760">
                 <a:tc>
@@ -3934,6 +5700,7 @@
                           <a:solidFill>
                             <a:srgbClr val="333333"/>
                           </a:solidFill>
+                          <a:latin typeface="Helvetica Neue"/>
                         </a:defRPr>
                       </a:pPr>
                       <a:r>
@@ -3957,6 +5724,7 @@
                           <a:solidFill>
                             <a:srgbClr val="333333"/>
                           </a:solidFill>
+                          <a:latin typeface="Helvetica Neue"/>
                         </a:defRPr>
                       </a:pPr>
                       <a:r>
@@ -3980,6 +5748,7 @@
                           <a:solidFill>
                             <a:srgbClr val="333333"/>
                           </a:solidFill>
+                          <a:latin typeface="Helvetica Neue"/>
                         </a:defRPr>
                       </a:pPr>
                       <a:r>
@@ -4003,6 +5772,7 @@
                           <a:solidFill>
                             <a:srgbClr val="333333"/>
                           </a:solidFill>
+                          <a:latin typeface="Helvetica Neue"/>
                         </a:defRPr>
                       </a:pPr>
                       <a:r>
@@ -4026,6 +5796,7 @@
                           <a:solidFill>
                             <a:srgbClr val="333333"/>
                           </a:solidFill>
+                          <a:latin typeface="Helvetica Neue"/>
                         </a:defRPr>
                       </a:pPr>
                       <a:r>
@@ -4039,6 +5810,11 @@
                     </a:solidFill>
                   </a:tcPr>
                 </a:tc>
+                <a:extLst>
+                  <a:ext uri="{0D108BD9-81ED-4DB2-BD59-A6C34878D82A}">
+                    <a16:rowId xmlns:a16="http://schemas.microsoft.com/office/drawing/2014/main" val="10003"/>
+                  </a:ext>
+                </a:extLst>
               </a:tr>
               <a:tr h="365760">
                 <a:tc>
@@ -4051,6 +5827,7 @@
                           <a:solidFill>
                             <a:srgbClr val="333333"/>
                           </a:solidFill>
+                          <a:latin typeface="Helvetica Neue"/>
                         </a:defRPr>
                       </a:pPr>
                       <a:r>
@@ -4070,6 +5847,7 @@
                           <a:solidFill>
                             <a:srgbClr val="333333"/>
                           </a:solidFill>
+                          <a:latin typeface="Helvetica Neue"/>
                         </a:defRPr>
                       </a:pPr>
                       <a:r>
@@ -4089,6 +5867,7 @@
                           <a:solidFill>
                             <a:srgbClr val="333333"/>
                           </a:solidFill>
+                          <a:latin typeface="Helvetica Neue"/>
                         </a:defRPr>
                       </a:pPr>
                       <a:r>
@@ -4108,6 +5887,7 @@
                           <a:solidFill>
                             <a:srgbClr val="333333"/>
                           </a:solidFill>
+                          <a:latin typeface="Helvetica Neue"/>
                         </a:defRPr>
                       </a:pPr>
                       <a:r>
@@ -4127,6 +5907,7 @@
                           <a:solidFill>
                             <a:srgbClr val="333333"/>
                           </a:solidFill>
+                          <a:latin typeface="Helvetica Neue"/>
                         </a:defRPr>
                       </a:pPr>
                       <a:r>
@@ -4136,6 +5917,11 @@
                   </a:txBody>
                   <a:tcPr/>
                 </a:tc>
+                <a:extLst>
+                  <a:ext uri="{0D108BD9-81ED-4DB2-BD59-A6C34878D82A}">
+                    <a16:rowId xmlns:a16="http://schemas.microsoft.com/office/drawing/2014/main" val="10004"/>
+                  </a:ext>
+                </a:extLst>
               </a:tr>
             </a:tbl>
           </a:graphicData>
@@ -4168,6 +5954,7 @@
                 <a:solidFill>
                   <a:srgbClr val="949594"/>
                 </a:solidFill>
+                <a:latin typeface="Helvetica Neue"/>
               </a:defRPr>
             </a:pPr>
             <a:r>
@@ -4185,7 +5972,7 @@
 </file>
 
 <file path=ppt/slides/slide12.xml><?xml version="1.0" encoding="utf-8"?>
-<p:sld xmlns:a="http://schemas.openxmlformats.org/drawingml/2006/main" xmlns:p="http://schemas.openxmlformats.org/presentationml/2006/main" xmlns:r="http://schemas.openxmlformats.org/officeDocument/2006/relationships">
+<p:sld xmlns:a="http://schemas.openxmlformats.org/drawingml/2006/main" xmlns:r="http://schemas.openxmlformats.org/officeDocument/2006/relationships" xmlns:p="http://schemas.openxmlformats.org/presentationml/2006/main">
   <p:cSld>
     <p:bg>
       <p:bgPr>
@@ -4201,7 +5988,14 @@
         <p:cNvGrpSpPr/>
         <p:nvPr/>
       </p:nvGrpSpPr>
-      <p:grpSpPr/>
+      <p:grpSpPr>
+        <a:xfrm>
+          <a:off x="0" y="0"/>
+          <a:ext cx="0" cy="0"/>
+          <a:chOff x="0" y="0"/>
+          <a:chExt cx="0" cy="0"/>
+        </a:xfrm>
+      </p:grpSpPr>
       <p:sp>
         <p:nvSpPr>
           <p:cNvPr id="2" name="TextBox 1"/>
@@ -4229,6 +6023,7 @@
                 <a:solidFill>
                   <a:srgbClr val="333333"/>
                 </a:solidFill>
+                <a:latin typeface="Helvetica Neue"/>
               </a:defRPr>
             </a:pPr>
             <a:r>
@@ -4277,110 +6072,43 @@
           <a:lstStyle/>
           <a:p>
             <a:pPr algn="ctr"/>
-          </a:p>
-        </p:txBody>
-      </p:sp>
-      <p:sp>
-        <p:nvSpPr>
-          <p:cNvPr id="4" name="Rounded Rectangle 3"/>
-          <p:cNvSpPr/>
+            <a:endParaRPr/>
+          </a:p>
+        </p:txBody>
+      </p:sp>
+      <p:pic>
+        <p:nvPicPr>
+          <p:cNvPr id="4" name="Picture 3" descr="rolling_sharpe.png"/>
+          <p:cNvPicPr>
+            <a:picLocks noChangeAspect="1"/>
+          </p:cNvPicPr>
           <p:nvPr/>
-        </p:nvSpPr>
+        </p:nvPicPr>
+        <p:blipFill>
+          <a:blip r:embed="rId3"/>
+          <a:stretch>
+            <a:fillRect/>
+          </a:stretch>
+        </p:blipFill>
         <p:spPr>
           <a:xfrm>
-            <a:off x="685800" y="1280160"/>
-            <a:ext cx="7772400" cy="3200400"/>
-          </a:xfrm>
-          <a:prstGeom prst="roundRect">
-            <a:avLst/>
-          </a:prstGeom>
-          <a:solidFill>
-            <a:srgbClr val="F8F8F8"/>
-          </a:solidFill>
-          <a:ln>
-            <a:solidFill>
-              <a:srgbClr val="949594"/>
-            </a:solidFill>
-          </a:ln>
-        </p:spPr>
-        <p:style>
-          <a:lnRef idx="1">
-            <a:schemeClr val="accent1"/>
-          </a:lnRef>
-          <a:fillRef idx="3">
-            <a:schemeClr val="accent1"/>
-          </a:fillRef>
-          <a:effectRef idx="2">
-            <a:schemeClr val="accent1"/>
-          </a:effectRef>
-          <a:fontRef idx="minor">
-            <a:schemeClr val="lt1"/>
-          </a:fontRef>
-        </p:style>
-        <p:txBody>
-          <a:bodyPr rtlCol="0" anchor="ctr"/>
-          <a:lstStyle/>
-          <a:p>
-            <a:pPr algn="ctr"/>
-          </a:p>
-        </p:txBody>
-      </p:sp>
-      <p:sp>
-        <p:nvSpPr>
-          <p:cNvPr id="5" name="TextBox 4"/>
-          <p:cNvSpPr txBox="1"/>
-          <p:nvPr/>
-        </p:nvSpPr>
-        <p:spPr>
-          <a:xfrm>
-            <a:off x="1828800" y="2560320"/>
-            <a:ext cx="5486400" cy="914400"/>
+            <a:off x="1348341" y="1188720"/>
+            <a:ext cx="6447317" cy="3200400"/>
           </a:xfrm>
           <a:prstGeom prst="rect">
             <a:avLst/>
           </a:prstGeom>
-          <a:noFill/>
         </p:spPr>
-        <p:txBody>
-          <a:bodyPr wrap="none">
-            <a:spAutoFit/>
-          </a:bodyPr>
-          <a:lstStyle/>
-          <a:p>
-            <a:pPr algn="ctr">
-              <a:defRPr sz="1800">
-                <a:solidFill>
-                  <a:srgbClr val="949594"/>
-                </a:solidFill>
-              </a:defRPr>
-            </a:pPr>
-            <a:r>
-              <a:t>[INSERT: rolling_sharpe.png]</a:t>
-            </a:r>
-          </a:p>
-          <a:p>
-            <a:pPr algn="ctr">
-              <a:defRPr sz="1200">
-                <a:solidFill>
-                  <a:srgbClr val="949594"/>
-                </a:solidFill>
-              </a:defRPr>
-            </a:pPr>
-            <a:r>
-              <a:t>Export from v5 notebook</a:t>
-            </a:r>
-          </a:p>
-        </p:txBody>
-      </p:sp>
-      <p:sp>
-        <p:nvSpPr>
-          <p:cNvPr id="6" name="TextBox 5"/>
+      </p:pic>
+      <p:sp>
+        <p:nvSpPr>
+          <p:cNvPr id="5" name="TextBox 4"/>
           <p:cNvSpPr txBox="1"/>
           <p:nvPr/>
         </p:nvSpPr>
         <p:spPr>
           <a:xfrm>
-            <a:off x="457200" y="4754880"/>
+            <a:off x="457200" y="4572000"/>
             <a:ext cx="8229600" cy="457200"/>
           </a:xfrm>
           <a:prstGeom prst="rect">
@@ -4399,6 +6127,7 @@
                 <a:solidFill>
                   <a:srgbClr val="949594"/>
                 </a:solidFill>
+                <a:latin typeface="Helvetica Neue"/>
               </a:defRPr>
             </a:pPr>
             <a:r>
@@ -4416,7 +6145,7 @@
 </file>
 
 <file path=ppt/slides/slide13.xml><?xml version="1.0" encoding="utf-8"?>
-<p:sld xmlns:a="http://schemas.openxmlformats.org/drawingml/2006/main" xmlns:p="http://schemas.openxmlformats.org/presentationml/2006/main" xmlns:r="http://schemas.openxmlformats.org/officeDocument/2006/relationships">
+<p:sld xmlns:a="http://schemas.openxmlformats.org/drawingml/2006/main" xmlns:r="http://schemas.openxmlformats.org/officeDocument/2006/relationships" xmlns:p="http://schemas.openxmlformats.org/presentationml/2006/main">
   <p:cSld>
     <p:bg>
       <p:bgPr>
@@ -4432,7 +6161,14 @@
         <p:cNvGrpSpPr/>
         <p:nvPr/>
       </p:nvGrpSpPr>
-      <p:grpSpPr/>
+      <p:grpSpPr>
+        <a:xfrm>
+          <a:off x="0" y="0"/>
+          <a:ext cx="0" cy="0"/>
+          <a:chOff x="0" y="0"/>
+          <a:chExt cx="0" cy="0"/>
+        </a:xfrm>
+      </p:grpSpPr>
       <p:sp>
         <p:nvSpPr>
           <p:cNvPr id="2" name="TextBox 1"/>
@@ -4460,6 +6196,7 @@
                 <a:solidFill>
                   <a:srgbClr val="333333"/>
                 </a:solidFill>
+                <a:latin typeface="Helvetica Neue"/>
               </a:defRPr>
             </a:pPr>
             <a:r>
@@ -4508,6 +6245,7 @@
           <a:lstStyle/>
           <a:p>
             <a:pPr algn="ctr"/>
+            <a:endParaRPr/>
           </a:p>
         </p:txBody>
       </p:sp>
@@ -4530,10 +6268,34 @@
                 <a:tableStyleId>{5C22544A-7EE6-4342-B048-85BDC9FD1C3A}</a:tableStyleId>
               </a:tblPr>
               <a:tblGrid>
-                <a:gridCol w="2057400"/>
-                <a:gridCol w="2057400"/>
-                <a:gridCol w="2057400"/>
-                <a:gridCol w="2057400"/>
+                <a:gridCol w="2057400">
+                  <a:extLst>
+                    <a:ext uri="{9D8B030D-6E8A-4147-A177-3AD203B41FA5}">
+                      <a16:colId xmlns:a16="http://schemas.microsoft.com/office/drawing/2014/main" val="20000"/>
+                    </a:ext>
+                  </a:extLst>
+                </a:gridCol>
+                <a:gridCol w="2057400">
+                  <a:extLst>
+                    <a:ext uri="{9D8B030D-6E8A-4147-A177-3AD203B41FA5}">
+                      <a16:colId xmlns:a16="http://schemas.microsoft.com/office/drawing/2014/main" val="20001"/>
+                    </a:ext>
+                  </a:extLst>
+                </a:gridCol>
+                <a:gridCol w="2057400">
+                  <a:extLst>
+                    <a:ext uri="{9D8B030D-6E8A-4147-A177-3AD203B41FA5}">
+                      <a16:colId xmlns:a16="http://schemas.microsoft.com/office/drawing/2014/main" val="20002"/>
+                    </a:ext>
+                  </a:extLst>
+                </a:gridCol>
+                <a:gridCol w="2057400">
+                  <a:extLst>
+                    <a:ext uri="{9D8B030D-6E8A-4147-A177-3AD203B41FA5}">
+                      <a16:colId xmlns:a16="http://schemas.microsoft.com/office/drawing/2014/main" val="20003"/>
+                    </a:ext>
+                  </a:extLst>
+                </a:gridCol>
               </a:tblGrid>
               <a:tr h="365760">
                 <a:tc>
@@ -4542,10 +6304,11 @@
                     <a:lstStyle/>
                     <a:p>
                       <a:pPr algn="ctr">
-                        <a:defRPr b="1" sz="1400">
+                        <a:defRPr sz="1400" b="1">
                           <a:solidFill>
                             <a:srgbClr val="FFFFFF"/>
                           </a:solidFill>
+                          <a:latin typeface="Helvetica Neue"/>
                         </a:defRPr>
                       </a:pPr>
                       <a:r>
@@ -4565,10 +6328,11 @@
                     <a:lstStyle/>
                     <a:p>
                       <a:pPr algn="ctr">
-                        <a:defRPr b="1" sz="1400">
+                        <a:defRPr sz="1400" b="1">
                           <a:solidFill>
                             <a:srgbClr val="FFFFFF"/>
                           </a:solidFill>
+                          <a:latin typeface="Helvetica Neue"/>
                         </a:defRPr>
                       </a:pPr>
                       <a:r>
@@ -4588,10 +6352,11 @@
                     <a:lstStyle/>
                     <a:p>
                       <a:pPr algn="ctr">
-                        <a:defRPr b="1" sz="1400">
+                        <a:defRPr sz="1400" b="1">
                           <a:solidFill>
                             <a:srgbClr val="FFFFFF"/>
                           </a:solidFill>
+                          <a:latin typeface="Helvetica Neue"/>
                         </a:defRPr>
                       </a:pPr>
                       <a:r>
@@ -4611,10 +6376,11 @@
                     <a:lstStyle/>
                     <a:p>
                       <a:pPr algn="ctr">
-                        <a:defRPr b="1" sz="1400">
+                        <a:defRPr sz="1400" b="1">
                           <a:solidFill>
                             <a:srgbClr val="FFFFFF"/>
                           </a:solidFill>
+                          <a:latin typeface="Helvetica Neue"/>
                         </a:defRPr>
                       </a:pPr>
                       <a:r>
@@ -4628,6 +6394,11 @@
                     </a:solidFill>
                   </a:tcPr>
                 </a:tc>
+                <a:extLst>
+                  <a:ext uri="{0D108BD9-81ED-4DB2-BD59-A6C34878D82A}">
+                    <a16:rowId xmlns:a16="http://schemas.microsoft.com/office/drawing/2014/main" val="10000"/>
+                  </a:ext>
+                </a:extLst>
               </a:tr>
               <a:tr h="365760">
                 <a:tc>
@@ -4640,6 +6411,7 @@
                           <a:solidFill>
                             <a:srgbClr val="333333"/>
                           </a:solidFill>
+                          <a:latin typeface="Helvetica Neue"/>
                         </a:defRPr>
                       </a:pPr>
                       <a:r>
@@ -4663,6 +6435,7 @@
                           <a:solidFill>
                             <a:srgbClr val="333333"/>
                           </a:solidFill>
+                          <a:latin typeface="Helvetica Neue"/>
                         </a:defRPr>
                       </a:pPr>
                       <a:r>
@@ -4686,6 +6459,7 @@
                           <a:solidFill>
                             <a:srgbClr val="333333"/>
                           </a:solidFill>
+                          <a:latin typeface="Helvetica Neue"/>
                         </a:defRPr>
                       </a:pPr>
                       <a:r>
@@ -4709,6 +6483,7 @@
                           <a:solidFill>
                             <a:srgbClr val="333333"/>
                           </a:solidFill>
+                          <a:latin typeface="Helvetica Neue"/>
                         </a:defRPr>
                       </a:pPr>
                       <a:r>
@@ -4722,6 +6497,11 @@
                     </a:solidFill>
                   </a:tcPr>
                 </a:tc>
+                <a:extLst>
+                  <a:ext uri="{0D108BD9-81ED-4DB2-BD59-A6C34878D82A}">
+                    <a16:rowId xmlns:a16="http://schemas.microsoft.com/office/drawing/2014/main" val="10001"/>
+                  </a:ext>
+                </a:extLst>
               </a:tr>
               <a:tr h="365760">
                 <a:tc>
@@ -4734,6 +6514,7 @@
                           <a:solidFill>
                             <a:srgbClr val="333333"/>
                           </a:solidFill>
+                          <a:latin typeface="Helvetica Neue"/>
                         </a:defRPr>
                       </a:pPr>
                       <a:r>
@@ -4753,6 +6534,7 @@
                           <a:solidFill>
                             <a:srgbClr val="333333"/>
                           </a:solidFill>
+                          <a:latin typeface="Helvetica Neue"/>
                         </a:defRPr>
                       </a:pPr>
                       <a:r>
@@ -4772,6 +6554,7 @@
                           <a:solidFill>
                             <a:srgbClr val="333333"/>
                           </a:solidFill>
+                          <a:latin typeface="Helvetica Neue"/>
                         </a:defRPr>
                       </a:pPr>
                       <a:r>
@@ -4791,6 +6574,7 @@
                           <a:solidFill>
                             <a:srgbClr val="333333"/>
                           </a:solidFill>
+                          <a:latin typeface="Helvetica Neue"/>
                         </a:defRPr>
                       </a:pPr>
                       <a:r>
@@ -4800,6 +6584,11 @@
                   </a:txBody>
                   <a:tcPr/>
                 </a:tc>
+                <a:extLst>
+                  <a:ext uri="{0D108BD9-81ED-4DB2-BD59-A6C34878D82A}">
+                    <a16:rowId xmlns:a16="http://schemas.microsoft.com/office/drawing/2014/main" val="10002"/>
+                  </a:ext>
+                </a:extLst>
               </a:tr>
               <a:tr h="365760">
                 <a:tc>
@@ -4812,6 +6601,7 @@
                           <a:solidFill>
                             <a:srgbClr val="333333"/>
                           </a:solidFill>
+                          <a:latin typeface="Helvetica Neue"/>
                         </a:defRPr>
                       </a:pPr>
                       <a:r>
@@ -4835,6 +6625,7 @@
                           <a:solidFill>
                             <a:srgbClr val="333333"/>
                           </a:solidFill>
+                          <a:latin typeface="Helvetica Neue"/>
                         </a:defRPr>
                       </a:pPr>
                       <a:r>
@@ -4858,6 +6649,7 @@
                           <a:solidFill>
                             <a:srgbClr val="333333"/>
                           </a:solidFill>
+                          <a:latin typeface="Helvetica Neue"/>
                         </a:defRPr>
                       </a:pPr>
                       <a:r>
@@ -4881,6 +6673,7 @@
                           <a:solidFill>
                             <a:srgbClr val="333333"/>
                           </a:solidFill>
+                          <a:latin typeface="Helvetica Neue"/>
                         </a:defRPr>
                       </a:pPr>
                       <a:r>
@@ -4894,6 +6687,11 @@
                     </a:solidFill>
                   </a:tcPr>
                 </a:tc>
+                <a:extLst>
+                  <a:ext uri="{0D108BD9-81ED-4DB2-BD59-A6C34878D82A}">
+                    <a16:rowId xmlns:a16="http://schemas.microsoft.com/office/drawing/2014/main" val="10003"/>
+                  </a:ext>
+                </a:extLst>
               </a:tr>
               <a:tr h="365760">
                 <a:tc>
@@ -4906,6 +6704,7 @@
                           <a:solidFill>
                             <a:srgbClr val="333333"/>
                           </a:solidFill>
+                          <a:latin typeface="Helvetica Neue"/>
                         </a:defRPr>
                       </a:pPr>
                       <a:r>
@@ -4925,6 +6724,7 @@
                           <a:solidFill>
                             <a:srgbClr val="333333"/>
                           </a:solidFill>
+                          <a:latin typeface="Helvetica Neue"/>
                         </a:defRPr>
                       </a:pPr>
                       <a:r>
@@ -4944,6 +6744,7 @@
                           <a:solidFill>
                             <a:srgbClr val="333333"/>
                           </a:solidFill>
+                          <a:latin typeface="Helvetica Neue"/>
                         </a:defRPr>
                       </a:pPr>
                       <a:r>
@@ -4963,6 +6764,7 @@
                           <a:solidFill>
                             <a:srgbClr val="333333"/>
                           </a:solidFill>
+                          <a:latin typeface="Helvetica Neue"/>
                         </a:defRPr>
                       </a:pPr>
                       <a:r>
@@ -4972,6 +6774,11 @@
                   </a:txBody>
                   <a:tcPr/>
                 </a:tc>
+                <a:extLst>
+                  <a:ext uri="{0D108BD9-81ED-4DB2-BD59-A6C34878D82A}">
+                    <a16:rowId xmlns:a16="http://schemas.microsoft.com/office/drawing/2014/main" val="10004"/>
+                  </a:ext>
+                </a:extLst>
               </a:tr>
               <a:tr h="365760">
                 <a:tc>
@@ -4984,6 +6791,7 @@
                           <a:solidFill>
                             <a:srgbClr val="333333"/>
                           </a:solidFill>
+                          <a:latin typeface="Helvetica Neue"/>
                         </a:defRPr>
                       </a:pPr>
                       <a:r>
@@ -5007,6 +6815,7 @@
                           <a:solidFill>
                             <a:srgbClr val="333333"/>
                           </a:solidFill>
+                          <a:latin typeface="Helvetica Neue"/>
                         </a:defRPr>
                       </a:pPr>
                       <a:r>
@@ -5030,6 +6839,7 @@
                           <a:solidFill>
                             <a:srgbClr val="333333"/>
                           </a:solidFill>
+                          <a:latin typeface="Helvetica Neue"/>
                         </a:defRPr>
                       </a:pPr>
                       <a:r>
@@ -5053,6 +6863,7 @@
                           <a:solidFill>
                             <a:srgbClr val="333333"/>
                           </a:solidFill>
+                          <a:latin typeface="Helvetica Neue"/>
                         </a:defRPr>
                       </a:pPr>
                       <a:r>
@@ -5066,6 +6877,11 @@
                     </a:solidFill>
                   </a:tcPr>
                 </a:tc>
+                <a:extLst>
+                  <a:ext uri="{0D108BD9-81ED-4DB2-BD59-A6C34878D82A}">
+                    <a16:rowId xmlns:a16="http://schemas.microsoft.com/office/drawing/2014/main" val="10005"/>
+                  </a:ext>
+                </a:extLst>
               </a:tr>
             </a:tbl>
           </a:graphicData>
@@ -5098,6 +6914,7 @@
                 <a:solidFill>
                   <a:srgbClr val="949594"/>
                 </a:solidFill>
+                <a:latin typeface="Helvetica Neue"/>
               </a:defRPr>
             </a:pPr>
             <a:r>
@@ -5115,7 +6932,7 @@
 </file>
 
 <file path=ppt/slides/slide14.xml><?xml version="1.0" encoding="utf-8"?>
-<p:sld xmlns:a="http://schemas.openxmlformats.org/drawingml/2006/main" xmlns:p="http://schemas.openxmlformats.org/presentationml/2006/main" xmlns:r="http://schemas.openxmlformats.org/officeDocument/2006/relationships">
+<p:sld xmlns:a="http://schemas.openxmlformats.org/drawingml/2006/main" xmlns:r="http://schemas.openxmlformats.org/officeDocument/2006/relationships" xmlns:p="http://schemas.openxmlformats.org/presentationml/2006/main">
   <p:cSld>
     <p:bg>
       <p:bgPr>
@@ -5131,7 +6948,14 @@
         <p:cNvGrpSpPr/>
         <p:nvPr/>
       </p:nvGrpSpPr>
-      <p:grpSpPr/>
+      <p:grpSpPr>
+        <a:xfrm>
+          <a:off x="0" y="0"/>
+          <a:ext cx="0" cy="0"/>
+          <a:chOff x="0" y="0"/>
+          <a:chExt cx="0" cy="0"/>
+        </a:xfrm>
+      </p:grpSpPr>
       <p:sp>
         <p:nvSpPr>
           <p:cNvPr id="2" name="TextBox 1"/>
@@ -5159,6 +6983,7 @@
                 <a:solidFill>
                   <a:srgbClr val="333333"/>
                 </a:solidFill>
+                <a:latin typeface="Helvetica Neue"/>
               </a:defRPr>
             </a:pPr>
             <a:r>
@@ -5207,110 +7032,43 @@
           <a:lstStyle/>
           <a:p>
             <a:pPr algn="ctr"/>
-          </a:p>
-        </p:txBody>
-      </p:sp>
-      <p:sp>
-        <p:nvSpPr>
-          <p:cNvPr id="4" name="Rounded Rectangle 3"/>
-          <p:cNvSpPr/>
+            <a:endParaRPr/>
+          </a:p>
+        </p:txBody>
+      </p:sp>
+      <p:pic>
+        <p:nvPicPr>
+          <p:cNvPr id="4" name="Picture 3" descr="monthly_heatmap.png"/>
+          <p:cNvPicPr>
+            <a:picLocks noChangeAspect="1"/>
+          </p:cNvPicPr>
           <p:nvPr/>
-        </p:nvSpPr>
+        </p:nvPicPr>
+        <p:blipFill>
+          <a:blip r:embed="rId3"/>
+          <a:stretch>
+            <a:fillRect/>
+          </a:stretch>
+        </p:blipFill>
         <p:spPr>
           <a:xfrm>
-            <a:off x="685800" y="1280160"/>
-            <a:ext cx="7772400" cy="3200400"/>
-          </a:xfrm>
-          <a:prstGeom prst="roundRect">
-            <a:avLst/>
-          </a:prstGeom>
-          <a:solidFill>
-            <a:srgbClr val="F8F8F8"/>
-          </a:solidFill>
-          <a:ln>
-            <a:solidFill>
-              <a:srgbClr val="949594"/>
-            </a:solidFill>
-          </a:ln>
-        </p:spPr>
-        <p:style>
-          <a:lnRef idx="1">
-            <a:schemeClr val="accent1"/>
-          </a:lnRef>
-          <a:fillRef idx="3">
-            <a:schemeClr val="accent1"/>
-          </a:fillRef>
-          <a:effectRef idx="2">
-            <a:schemeClr val="accent1"/>
-          </a:effectRef>
-          <a:fontRef idx="minor">
-            <a:schemeClr val="lt1"/>
-          </a:fontRef>
-        </p:style>
-        <p:txBody>
-          <a:bodyPr rtlCol="0" anchor="ctr"/>
-          <a:lstStyle/>
-          <a:p>
-            <a:pPr algn="ctr"/>
-          </a:p>
-        </p:txBody>
-      </p:sp>
-      <p:sp>
-        <p:nvSpPr>
-          <p:cNvPr id="5" name="TextBox 4"/>
-          <p:cNvSpPr txBox="1"/>
-          <p:nvPr/>
-        </p:nvSpPr>
-        <p:spPr>
-          <a:xfrm>
-            <a:off x="1828800" y="2560320"/>
-            <a:ext cx="5486400" cy="914400"/>
+            <a:off x="1828800" y="1005840"/>
+            <a:ext cx="5495683" cy="3383280"/>
           </a:xfrm>
           <a:prstGeom prst="rect">
             <a:avLst/>
           </a:prstGeom>
-          <a:noFill/>
         </p:spPr>
-        <p:txBody>
-          <a:bodyPr wrap="none">
-            <a:spAutoFit/>
-          </a:bodyPr>
-          <a:lstStyle/>
-          <a:p>
-            <a:pPr algn="ctr">
-              <a:defRPr sz="1800">
-                <a:solidFill>
-                  <a:srgbClr val="949594"/>
-                </a:solidFill>
-              </a:defRPr>
-            </a:pPr>
-            <a:r>
-              <a:t>[INSERT: monthly_heatmap.png]</a:t>
-            </a:r>
-          </a:p>
-          <a:p>
-            <a:pPr algn="ctr">
-              <a:defRPr sz="1200">
-                <a:solidFill>
-                  <a:srgbClr val="949594"/>
-                </a:solidFill>
-              </a:defRPr>
-            </a:pPr>
-            <a:r>
-              <a:t>Export from v5 notebook</a:t>
-            </a:r>
-          </a:p>
-        </p:txBody>
-      </p:sp>
-      <p:sp>
-        <p:nvSpPr>
-          <p:cNvPr id="6" name="TextBox 5"/>
+      </p:pic>
+      <p:sp>
+        <p:nvSpPr>
+          <p:cNvPr id="5" name="TextBox 4"/>
           <p:cNvSpPr txBox="1"/>
           <p:nvPr/>
         </p:nvSpPr>
         <p:spPr>
           <a:xfrm>
-            <a:off x="457200" y="4754880"/>
+            <a:off x="457200" y="4572000"/>
             <a:ext cx="8229600" cy="457200"/>
           </a:xfrm>
           <a:prstGeom prst="rect">
@@ -5329,6 +7087,7 @@
                 <a:solidFill>
                   <a:srgbClr val="949594"/>
                 </a:solidFill>
+                <a:latin typeface="Helvetica Neue"/>
               </a:defRPr>
             </a:pPr>
             <a:r>
@@ -5346,7 +7105,7 @@
 </file>
 
 <file path=ppt/slides/slide15.xml><?xml version="1.0" encoding="utf-8"?>
-<p:sld xmlns:a="http://schemas.openxmlformats.org/drawingml/2006/main" xmlns:p="http://schemas.openxmlformats.org/presentationml/2006/main" xmlns:r="http://schemas.openxmlformats.org/officeDocument/2006/relationships">
+<p:sld xmlns:a="http://schemas.openxmlformats.org/drawingml/2006/main" xmlns:r="http://schemas.openxmlformats.org/officeDocument/2006/relationships" xmlns:p="http://schemas.openxmlformats.org/presentationml/2006/main">
   <p:cSld>
     <p:bg>
       <p:bgPr>
@@ -5362,7 +7121,14 @@
         <p:cNvGrpSpPr/>
         <p:nvPr/>
       </p:nvGrpSpPr>
-      <p:grpSpPr/>
+      <p:grpSpPr>
+        <a:xfrm>
+          <a:off x="0" y="0"/>
+          <a:ext cx="0" cy="0"/>
+          <a:chOff x="0" y="0"/>
+          <a:chExt cx="0" cy="0"/>
+        </a:xfrm>
+      </p:grpSpPr>
       <p:sp>
         <p:nvSpPr>
           <p:cNvPr id="2" name="TextBox 1"/>
@@ -5390,6 +7156,7 @@
                 <a:solidFill>
                   <a:srgbClr val="333333"/>
                 </a:solidFill>
+                <a:latin typeface="Helvetica Neue"/>
               </a:defRPr>
             </a:pPr>
             <a:r>
@@ -5438,6 +7205,7 @@
           <a:lstStyle/>
           <a:p>
             <a:pPr algn="ctr"/>
+            <a:endParaRPr/>
           </a:p>
         </p:txBody>
       </p:sp>
@@ -5460,10 +7228,34 @@
                 <a:tableStyleId>{5C22544A-7EE6-4342-B048-85BDC9FD1C3A}</a:tableStyleId>
               </a:tblPr>
               <a:tblGrid>
-                <a:gridCol w="2057400"/>
-                <a:gridCol w="2057400"/>
-                <a:gridCol w="2057400"/>
-                <a:gridCol w="2057400"/>
+                <a:gridCol w="2057400">
+                  <a:extLst>
+                    <a:ext uri="{9D8B030D-6E8A-4147-A177-3AD203B41FA5}">
+                      <a16:colId xmlns:a16="http://schemas.microsoft.com/office/drawing/2014/main" val="20000"/>
+                    </a:ext>
+                  </a:extLst>
+                </a:gridCol>
+                <a:gridCol w="2057400">
+                  <a:extLst>
+                    <a:ext uri="{9D8B030D-6E8A-4147-A177-3AD203B41FA5}">
+                      <a16:colId xmlns:a16="http://schemas.microsoft.com/office/drawing/2014/main" val="20001"/>
+                    </a:ext>
+                  </a:extLst>
+                </a:gridCol>
+                <a:gridCol w="2057400">
+                  <a:extLst>
+                    <a:ext uri="{9D8B030D-6E8A-4147-A177-3AD203B41FA5}">
+                      <a16:colId xmlns:a16="http://schemas.microsoft.com/office/drawing/2014/main" val="20002"/>
+                    </a:ext>
+                  </a:extLst>
+                </a:gridCol>
+                <a:gridCol w="2057400">
+                  <a:extLst>
+                    <a:ext uri="{9D8B030D-6E8A-4147-A177-3AD203B41FA5}">
+                      <a16:colId xmlns:a16="http://schemas.microsoft.com/office/drawing/2014/main" val="20003"/>
+                    </a:ext>
+                  </a:extLst>
+                </a:gridCol>
               </a:tblGrid>
               <a:tr h="365760">
                 <a:tc>
@@ -5472,10 +7264,11 @@
                     <a:lstStyle/>
                     <a:p>
                       <a:pPr algn="ctr">
-                        <a:defRPr b="1" sz="1400">
+                        <a:defRPr sz="1400" b="1">
                           <a:solidFill>
                             <a:srgbClr val="FFFFFF"/>
                           </a:solidFill>
+                          <a:latin typeface="Helvetica Neue"/>
                         </a:defRPr>
                       </a:pPr>
                       <a:r>
@@ -5495,10 +7288,11 @@
                     <a:lstStyle/>
                     <a:p>
                       <a:pPr algn="ctr">
-                        <a:defRPr b="1" sz="1400">
+                        <a:defRPr sz="1400" b="1">
                           <a:solidFill>
                             <a:srgbClr val="FFFFFF"/>
                           </a:solidFill>
+                          <a:latin typeface="Helvetica Neue"/>
                         </a:defRPr>
                       </a:pPr>
                       <a:r>
@@ -5518,10 +7312,11 @@
                     <a:lstStyle/>
                     <a:p>
                       <a:pPr algn="ctr">
-                        <a:defRPr b="1" sz="1400">
+                        <a:defRPr sz="1400" b="1">
                           <a:solidFill>
                             <a:srgbClr val="FFFFFF"/>
                           </a:solidFill>
+                          <a:latin typeface="Helvetica Neue"/>
                         </a:defRPr>
                       </a:pPr>
                       <a:r>
@@ -5541,10 +7336,11 @@
                     <a:lstStyle/>
                     <a:p>
                       <a:pPr algn="ctr">
-                        <a:defRPr b="1" sz="1400">
+                        <a:defRPr sz="1400" b="1">
                           <a:solidFill>
                             <a:srgbClr val="FFFFFF"/>
                           </a:solidFill>
+                          <a:latin typeface="Helvetica Neue"/>
                         </a:defRPr>
                       </a:pPr>
                       <a:r>
@@ -5558,6 +7354,11 @@
                     </a:solidFill>
                   </a:tcPr>
                 </a:tc>
+                <a:extLst>
+                  <a:ext uri="{0D108BD9-81ED-4DB2-BD59-A6C34878D82A}">
+                    <a16:rowId xmlns:a16="http://schemas.microsoft.com/office/drawing/2014/main" val="10000"/>
+                  </a:ext>
+                </a:extLst>
               </a:tr>
               <a:tr h="365760">
                 <a:tc>
@@ -5570,6 +7371,7 @@
                           <a:solidFill>
                             <a:srgbClr val="333333"/>
                           </a:solidFill>
+                          <a:latin typeface="Helvetica Neue"/>
                         </a:defRPr>
                       </a:pPr>
                       <a:r>
@@ -5593,6 +7395,7 @@
                           <a:solidFill>
                             <a:srgbClr val="333333"/>
                           </a:solidFill>
+                          <a:latin typeface="Helvetica Neue"/>
                         </a:defRPr>
                       </a:pPr>
                       <a:r>
@@ -5616,6 +7419,7 @@
                           <a:solidFill>
                             <a:srgbClr val="333333"/>
                           </a:solidFill>
+                          <a:latin typeface="Helvetica Neue"/>
                         </a:defRPr>
                       </a:pPr>
                       <a:r>
@@ -5639,6 +7443,7 @@
                           <a:solidFill>
                             <a:srgbClr val="333333"/>
                           </a:solidFill>
+                          <a:latin typeface="Helvetica Neue"/>
                         </a:defRPr>
                       </a:pPr>
                       <a:r>
@@ -5652,6 +7457,11 @@
                     </a:solidFill>
                   </a:tcPr>
                 </a:tc>
+                <a:extLst>
+                  <a:ext uri="{0D108BD9-81ED-4DB2-BD59-A6C34878D82A}">
+                    <a16:rowId xmlns:a16="http://schemas.microsoft.com/office/drawing/2014/main" val="10001"/>
+                  </a:ext>
+                </a:extLst>
               </a:tr>
               <a:tr h="365760">
                 <a:tc>
@@ -5664,6 +7474,7 @@
                           <a:solidFill>
                             <a:srgbClr val="333333"/>
                           </a:solidFill>
+                          <a:latin typeface="Helvetica Neue"/>
                         </a:defRPr>
                       </a:pPr>
                       <a:r>
@@ -5683,6 +7494,7 @@
                           <a:solidFill>
                             <a:srgbClr val="333333"/>
                           </a:solidFill>
+                          <a:latin typeface="Helvetica Neue"/>
                         </a:defRPr>
                       </a:pPr>
                       <a:r>
@@ -5702,6 +7514,7 @@
                           <a:solidFill>
                             <a:srgbClr val="333333"/>
                           </a:solidFill>
+                          <a:latin typeface="Helvetica Neue"/>
                         </a:defRPr>
                       </a:pPr>
                       <a:r>
@@ -5721,6 +7534,7 @@
                           <a:solidFill>
                             <a:srgbClr val="333333"/>
                           </a:solidFill>
+                          <a:latin typeface="Helvetica Neue"/>
                         </a:defRPr>
                       </a:pPr>
                       <a:r>
@@ -5730,6 +7544,11 @@
                   </a:txBody>
                   <a:tcPr/>
                 </a:tc>
+                <a:extLst>
+                  <a:ext uri="{0D108BD9-81ED-4DB2-BD59-A6C34878D82A}">
+                    <a16:rowId xmlns:a16="http://schemas.microsoft.com/office/drawing/2014/main" val="10002"/>
+                  </a:ext>
+                </a:extLst>
               </a:tr>
               <a:tr h="365760">
                 <a:tc>
@@ -5742,6 +7561,7 @@
                           <a:solidFill>
                             <a:srgbClr val="333333"/>
                           </a:solidFill>
+                          <a:latin typeface="Helvetica Neue"/>
                         </a:defRPr>
                       </a:pPr>
                       <a:r>
@@ -5765,6 +7585,7 @@
                           <a:solidFill>
                             <a:srgbClr val="333333"/>
                           </a:solidFill>
+                          <a:latin typeface="Helvetica Neue"/>
                         </a:defRPr>
                       </a:pPr>
                       <a:r>
@@ -5788,6 +7609,7 @@
                           <a:solidFill>
                             <a:srgbClr val="333333"/>
                           </a:solidFill>
+                          <a:latin typeface="Helvetica Neue"/>
                         </a:defRPr>
                       </a:pPr>
                       <a:r>
@@ -5811,6 +7633,7 @@
                           <a:solidFill>
                             <a:srgbClr val="333333"/>
                           </a:solidFill>
+                          <a:latin typeface="Helvetica Neue"/>
                         </a:defRPr>
                       </a:pPr>
                       <a:r>
@@ -5824,6 +7647,11 @@
                     </a:solidFill>
                   </a:tcPr>
                 </a:tc>
+                <a:extLst>
+                  <a:ext uri="{0D108BD9-81ED-4DB2-BD59-A6C34878D82A}">
+                    <a16:rowId xmlns:a16="http://schemas.microsoft.com/office/drawing/2014/main" val="10003"/>
+                  </a:ext>
+                </a:extLst>
               </a:tr>
               <a:tr h="365760">
                 <a:tc>
@@ -5836,6 +7664,7 @@
                           <a:solidFill>
                             <a:srgbClr val="333333"/>
                           </a:solidFill>
+                          <a:latin typeface="Helvetica Neue"/>
                         </a:defRPr>
                       </a:pPr>
                       <a:r>
@@ -5855,6 +7684,7 @@
                           <a:solidFill>
                             <a:srgbClr val="333333"/>
                           </a:solidFill>
+                          <a:latin typeface="Helvetica Neue"/>
                         </a:defRPr>
                       </a:pPr>
                       <a:r>
@@ -5874,6 +7704,7 @@
                           <a:solidFill>
                             <a:srgbClr val="333333"/>
                           </a:solidFill>
+                          <a:latin typeface="Helvetica Neue"/>
                         </a:defRPr>
                       </a:pPr>
                       <a:r>
@@ -5893,6 +7724,7 @@
                           <a:solidFill>
                             <a:srgbClr val="333333"/>
                           </a:solidFill>
+                          <a:latin typeface="Helvetica Neue"/>
                         </a:defRPr>
                       </a:pPr>
                       <a:r>
@@ -5902,6 +7734,11 @@
                   </a:txBody>
                   <a:tcPr/>
                 </a:tc>
+                <a:extLst>
+                  <a:ext uri="{0D108BD9-81ED-4DB2-BD59-A6C34878D82A}">
+                    <a16:rowId xmlns:a16="http://schemas.microsoft.com/office/drawing/2014/main" val="10004"/>
+                  </a:ext>
+                </a:extLst>
               </a:tr>
             </a:tbl>
           </a:graphicData>
@@ -5934,6 +7771,7 @@
                 <a:solidFill>
                   <a:srgbClr val="949594"/>
                 </a:solidFill>
+                <a:latin typeface="Helvetica Neue"/>
               </a:defRPr>
             </a:pPr>
             <a:r>
@@ -5951,7 +7789,7 @@
 </file>
 
 <file path=ppt/slides/slide16.xml><?xml version="1.0" encoding="utf-8"?>
-<p:sld xmlns:a="http://schemas.openxmlformats.org/drawingml/2006/main" xmlns:p="http://schemas.openxmlformats.org/presentationml/2006/main" xmlns:r="http://schemas.openxmlformats.org/officeDocument/2006/relationships">
+<p:sld xmlns:a="http://schemas.openxmlformats.org/drawingml/2006/main" xmlns:r="http://schemas.openxmlformats.org/officeDocument/2006/relationships" xmlns:p="http://schemas.openxmlformats.org/presentationml/2006/main">
   <p:cSld>
     <p:bg>
       <p:bgPr>
@@ -5967,7 +7805,14 @@
         <p:cNvGrpSpPr/>
         <p:nvPr/>
       </p:nvGrpSpPr>
-      <p:grpSpPr/>
+      <p:grpSpPr>
+        <a:xfrm>
+          <a:off x="0" y="0"/>
+          <a:ext cx="0" cy="0"/>
+          <a:chOff x="0" y="0"/>
+          <a:chExt cx="0" cy="0"/>
+        </a:xfrm>
+      </p:grpSpPr>
       <p:sp>
         <p:nvSpPr>
           <p:cNvPr id="2" name="TextBox 1"/>
@@ -5995,6 +7840,7 @@
                 <a:solidFill>
                   <a:srgbClr val="333333"/>
                 </a:solidFill>
+                <a:latin typeface="Helvetica Neue"/>
               </a:defRPr>
             </a:pPr>
             <a:r>
@@ -6043,110 +7889,43 @@
           <a:lstStyle/>
           <a:p>
             <a:pPr algn="ctr"/>
-          </a:p>
-        </p:txBody>
-      </p:sp>
-      <p:sp>
-        <p:nvSpPr>
-          <p:cNvPr id="4" name="Rounded Rectangle 3"/>
-          <p:cNvSpPr/>
+            <a:endParaRPr/>
+          </a:p>
+        </p:txBody>
+      </p:sp>
+      <p:pic>
+        <p:nvPicPr>
+          <p:cNvPr id="4" name="Picture 3" descr="correlation_matrix.png"/>
+          <p:cNvPicPr>
+            <a:picLocks noChangeAspect="1"/>
+          </p:cNvPicPr>
           <p:nvPr/>
-        </p:nvSpPr>
+        </p:nvPicPr>
+        <p:blipFill>
+          <a:blip r:embed="rId3"/>
+          <a:stretch>
+            <a:fillRect/>
+          </a:stretch>
+        </p:blipFill>
         <p:spPr>
           <a:xfrm>
-            <a:off x="685800" y="1280160"/>
-            <a:ext cx="7772400" cy="3200400"/>
-          </a:xfrm>
-          <a:prstGeom prst="roundRect">
-            <a:avLst/>
-          </a:prstGeom>
-          <a:solidFill>
-            <a:srgbClr val="F8F8F8"/>
-          </a:solidFill>
-          <a:ln>
-            <a:solidFill>
-              <a:srgbClr val="949594"/>
-            </a:solidFill>
-          </a:ln>
-        </p:spPr>
-        <p:style>
-          <a:lnRef idx="1">
-            <a:schemeClr val="accent1"/>
-          </a:lnRef>
-          <a:fillRef idx="3">
-            <a:schemeClr val="accent1"/>
-          </a:fillRef>
-          <a:effectRef idx="2">
-            <a:schemeClr val="accent1"/>
-          </a:effectRef>
-          <a:fontRef idx="minor">
-            <a:schemeClr val="lt1"/>
-          </a:fontRef>
-        </p:style>
-        <p:txBody>
-          <a:bodyPr rtlCol="0" anchor="ctr"/>
-          <a:lstStyle/>
-          <a:p>
-            <a:pPr algn="ctr"/>
-          </a:p>
-        </p:txBody>
-      </p:sp>
-      <p:sp>
-        <p:nvSpPr>
-          <p:cNvPr id="5" name="TextBox 4"/>
-          <p:cNvSpPr txBox="1"/>
-          <p:nvPr/>
-        </p:nvSpPr>
-        <p:spPr>
-          <a:xfrm>
-            <a:off x="1828800" y="2560320"/>
-            <a:ext cx="5486400" cy="914400"/>
+            <a:off x="2624274" y="914400"/>
+            <a:ext cx="3895452" cy="3474720"/>
           </a:xfrm>
           <a:prstGeom prst="rect">
             <a:avLst/>
           </a:prstGeom>
-          <a:noFill/>
         </p:spPr>
-        <p:txBody>
-          <a:bodyPr wrap="none">
-            <a:spAutoFit/>
-          </a:bodyPr>
-          <a:lstStyle/>
-          <a:p>
-            <a:pPr algn="ctr">
-              <a:defRPr sz="1800">
-                <a:solidFill>
-                  <a:srgbClr val="949594"/>
-                </a:solidFill>
-              </a:defRPr>
-            </a:pPr>
-            <a:r>
-              <a:t>[INSERT: correlation_matrix.png]</a:t>
-            </a:r>
-          </a:p>
-          <a:p>
-            <a:pPr algn="ctr">
-              <a:defRPr sz="1200">
-                <a:solidFill>
-                  <a:srgbClr val="949594"/>
-                </a:solidFill>
-              </a:defRPr>
-            </a:pPr>
-            <a:r>
-              <a:t>Export from v5 notebook</a:t>
-            </a:r>
-          </a:p>
-        </p:txBody>
-      </p:sp>
-      <p:sp>
-        <p:nvSpPr>
-          <p:cNvPr id="6" name="TextBox 5"/>
+      </p:pic>
+      <p:sp>
+        <p:nvSpPr>
+          <p:cNvPr id="5" name="TextBox 4"/>
           <p:cNvSpPr txBox="1"/>
           <p:nvPr/>
         </p:nvSpPr>
         <p:spPr>
           <a:xfrm>
-            <a:off x="457200" y="4754880"/>
+            <a:off x="457200" y="4572000"/>
             <a:ext cx="8229600" cy="457200"/>
           </a:xfrm>
           <a:prstGeom prst="rect">
@@ -6165,6 +7944,7 @@
                 <a:solidFill>
                   <a:srgbClr val="949594"/>
                 </a:solidFill>
+                <a:latin typeface="Helvetica Neue"/>
               </a:defRPr>
             </a:pPr>
             <a:r>
@@ -6182,7 +7962,7 @@
 </file>
 
 <file path=ppt/slides/slide17.xml><?xml version="1.0" encoding="utf-8"?>
-<p:sld xmlns:a="http://schemas.openxmlformats.org/drawingml/2006/main" xmlns:p="http://schemas.openxmlformats.org/presentationml/2006/main" xmlns:r="http://schemas.openxmlformats.org/officeDocument/2006/relationships">
+<p:sld xmlns:a="http://schemas.openxmlformats.org/drawingml/2006/main" xmlns:r="http://schemas.openxmlformats.org/officeDocument/2006/relationships" xmlns:p="http://schemas.openxmlformats.org/presentationml/2006/main">
   <p:cSld>
     <p:bg>
       <p:bgPr>
@@ -6198,7 +7978,14 @@
         <p:cNvGrpSpPr/>
         <p:nvPr/>
       </p:nvGrpSpPr>
-      <p:grpSpPr/>
+      <p:grpSpPr>
+        <a:xfrm>
+          <a:off x="0" y="0"/>
+          <a:ext cx="0" cy="0"/>
+          <a:chOff x="0" y="0"/>
+          <a:chExt cx="0" cy="0"/>
+        </a:xfrm>
+      </p:grpSpPr>
       <p:sp>
         <p:nvSpPr>
           <p:cNvPr id="2" name="TextBox 1"/>
@@ -6226,6 +8013,7 @@
                 <a:solidFill>
                   <a:srgbClr val="333333"/>
                 </a:solidFill>
+                <a:latin typeface="Helvetica Neue"/>
               </a:defRPr>
             </a:pPr>
             <a:r>
@@ -6274,6 +8062,7 @@
           <a:lstStyle/>
           <a:p>
             <a:pPr algn="ctr"/>
+            <a:endParaRPr/>
           </a:p>
         </p:txBody>
       </p:sp>
@@ -6296,9 +8085,27 @@
                 <a:tableStyleId>{5C22544A-7EE6-4342-B048-85BDC9FD1C3A}</a:tableStyleId>
               </a:tblPr>
               <a:tblGrid>
-                <a:gridCol w="2743200"/>
-                <a:gridCol w="2743200"/>
-                <a:gridCol w="2743200"/>
+                <a:gridCol w="2743200">
+                  <a:extLst>
+                    <a:ext uri="{9D8B030D-6E8A-4147-A177-3AD203B41FA5}">
+                      <a16:colId xmlns:a16="http://schemas.microsoft.com/office/drawing/2014/main" val="20000"/>
+                    </a:ext>
+                  </a:extLst>
+                </a:gridCol>
+                <a:gridCol w="2743200">
+                  <a:extLst>
+                    <a:ext uri="{9D8B030D-6E8A-4147-A177-3AD203B41FA5}">
+                      <a16:colId xmlns:a16="http://schemas.microsoft.com/office/drawing/2014/main" val="20001"/>
+                    </a:ext>
+                  </a:extLst>
+                </a:gridCol>
+                <a:gridCol w="2743200">
+                  <a:extLst>
+                    <a:ext uri="{9D8B030D-6E8A-4147-A177-3AD203B41FA5}">
+                      <a16:colId xmlns:a16="http://schemas.microsoft.com/office/drawing/2014/main" val="20002"/>
+                    </a:ext>
+                  </a:extLst>
+                </a:gridCol>
               </a:tblGrid>
               <a:tr h="365760">
                 <a:tc>
@@ -6307,10 +8114,11 @@
                     <a:lstStyle/>
                     <a:p>
                       <a:pPr algn="ctr">
-                        <a:defRPr b="1" sz="1400">
+                        <a:defRPr sz="1400" b="1">
                           <a:solidFill>
                             <a:srgbClr val="FFFFFF"/>
                           </a:solidFill>
+                          <a:latin typeface="Helvetica Neue"/>
                         </a:defRPr>
                       </a:pPr>
                       <a:r>
@@ -6330,10 +8138,11 @@
                     <a:lstStyle/>
                     <a:p>
                       <a:pPr algn="ctr">
-                        <a:defRPr b="1" sz="1400">
+                        <a:defRPr sz="1400" b="1">
                           <a:solidFill>
                             <a:srgbClr val="FFFFFF"/>
                           </a:solidFill>
+                          <a:latin typeface="Helvetica Neue"/>
                         </a:defRPr>
                       </a:pPr>
                       <a:r>
@@ -6353,10 +8162,11 @@
                     <a:lstStyle/>
                     <a:p>
                       <a:pPr algn="ctr">
-                        <a:defRPr b="1" sz="1400">
+                        <a:defRPr sz="1400" b="1">
                           <a:solidFill>
                             <a:srgbClr val="FFFFFF"/>
                           </a:solidFill>
+                          <a:latin typeface="Helvetica Neue"/>
                         </a:defRPr>
                       </a:pPr>
                       <a:r>
@@ -6370,6 +8180,11 @@
                     </a:solidFill>
                   </a:tcPr>
                 </a:tc>
+                <a:extLst>
+                  <a:ext uri="{0D108BD9-81ED-4DB2-BD59-A6C34878D82A}">
+                    <a16:rowId xmlns:a16="http://schemas.microsoft.com/office/drawing/2014/main" val="10000"/>
+                  </a:ext>
+                </a:extLst>
               </a:tr>
               <a:tr h="365760">
                 <a:tc>
@@ -6382,6 +8197,7 @@
                           <a:solidFill>
                             <a:srgbClr val="333333"/>
                           </a:solidFill>
+                          <a:latin typeface="Helvetica Neue"/>
                         </a:defRPr>
                       </a:pPr>
                       <a:r>
@@ -6405,6 +8221,7 @@
                           <a:solidFill>
                             <a:srgbClr val="333333"/>
                           </a:solidFill>
+                          <a:latin typeface="Helvetica Neue"/>
                         </a:defRPr>
                       </a:pPr>
                       <a:r>
@@ -6428,6 +8245,7 @@
                           <a:solidFill>
                             <a:srgbClr val="333333"/>
                           </a:solidFill>
+                          <a:latin typeface="Helvetica Neue"/>
                         </a:defRPr>
                       </a:pPr>
                       <a:r>
@@ -6441,6 +8259,11 @@
                     </a:solidFill>
                   </a:tcPr>
                 </a:tc>
+                <a:extLst>
+                  <a:ext uri="{0D108BD9-81ED-4DB2-BD59-A6C34878D82A}">
+                    <a16:rowId xmlns:a16="http://schemas.microsoft.com/office/drawing/2014/main" val="10001"/>
+                  </a:ext>
+                </a:extLst>
               </a:tr>
               <a:tr h="365760">
                 <a:tc>
@@ -6453,6 +8276,7 @@
                           <a:solidFill>
                             <a:srgbClr val="333333"/>
                           </a:solidFill>
+                          <a:latin typeface="Helvetica Neue"/>
                         </a:defRPr>
                       </a:pPr>
                       <a:r>
@@ -6472,6 +8296,7 @@
                           <a:solidFill>
                             <a:srgbClr val="333333"/>
                           </a:solidFill>
+                          <a:latin typeface="Helvetica Neue"/>
                         </a:defRPr>
                       </a:pPr>
                       <a:r>
@@ -6491,6 +8316,7 @@
                           <a:solidFill>
                             <a:srgbClr val="333333"/>
                           </a:solidFill>
+                          <a:latin typeface="Helvetica Neue"/>
                         </a:defRPr>
                       </a:pPr>
                       <a:r>
@@ -6500,6 +8326,11 @@
                   </a:txBody>
                   <a:tcPr/>
                 </a:tc>
+                <a:extLst>
+                  <a:ext uri="{0D108BD9-81ED-4DB2-BD59-A6C34878D82A}">
+                    <a16:rowId xmlns:a16="http://schemas.microsoft.com/office/drawing/2014/main" val="10002"/>
+                  </a:ext>
+                </a:extLst>
               </a:tr>
               <a:tr h="365760">
                 <a:tc>
@@ -6512,6 +8343,7 @@
                           <a:solidFill>
                             <a:srgbClr val="333333"/>
                           </a:solidFill>
+                          <a:latin typeface="Helvetica Neue"/>
                         </a:defRPr>
                       </a:pPr>
                       <a:r>
@@ -6535,6 +8367,7 @@
                           <a:solidFill>
                             <a:srgbClr val="333333"/>
                           </a:solidFill>
+                          <a:latin typeface="Helvetica Neue"/>
                         </a:defRPr>
                       </a:pPr>
                       <a:r>
@@ -6558,6 +8391,7 @@
                           <a:solidFill>
                             <a:srgbClr val="333333"/>
                           </a:solidFill>
+                          <a:latin typeface="Helvetica Neue"/>
                         </a:defRPr>
                       </a:pPr>
                       <a:r>
@@ -6571,6 +8405,11 @@
                     </a:solidFill>
                   </a:tcPr>
                 </a:tc>
+                <a:extLst>
+                  <a:ext uri="{0D108BD9-81ED-4DB2-BD59-A6C34878D82A}">
+                    <a16:rowId xmlns:a16="http://schemas.microsoft.com/office/drawing/2014/main" val="10003"/>
+                  </a:ext>
+                </a:extLst>
               </a:tr>
               <a:tr h="365760">
                 <a:tc>
@@ -6583,6 +8422,7 @@
                           <a:solidFill>
                             <a:srgbClr val="333333"/>
                           </a:solidFill>
+                          <a:latin typeface="Helvetica Neue"/>
                         </a:defRPr>
                       </a:pPr>
                       <a:r>
@@ -6602,6 +8442,7 @@
                           <a:solidFill>
                             <a:srgbClr val="333333"/>
                           </a:solidFill>
+                          <a:latin typeface="Helvetica Neue"/>
                         </a:defRPr>
                       </a:pPr>
                       <a:r>
@@ -6621,6 +8462,7 @@
                           <a:solidFill>
                             <a:srgbClr val="333333"/>
                           </a:solidFill>
+                          <a:latin typeface="Helvetica Neue"/>
                         </a:defRPr>
                       </a:pPr>
                       <a:r>
@@ -6630,6 +8472,11 @@
                   </a:txBody>
                   <a:tcPr/>
                 </a:tc>
+                <a:extLst>
+                  <a:ext uri="{0D108BD9-81ED-4DB2-BD59-A6C34878D82A}">
+                    <a16:rowId xmlns:a16="http://schemas.microsoft.com/office/drawing/2014/main" val="10004"/>
+                  </a:ext>
+                </a:extLst>
               </a:tr>
             </a:tbl>
           </a:graphicData>
@@ -6662,6 +8509,7 @@
                 <a:solidFill>
                   <a:srgbClr val="949594"/>
                 </a:solidFill>
+                <a:latin typeface="Helvetica Neue"/>
               </a:defRPr>
             </a:pPr>
             <a:r>
@@ -6679,7 +8527,7 @@
 </file>
 
 <file path=ppt/slides/slide18.xml><?xml version="1.0" encoding="utf-8"?>
-<p:sld xmlns:a="http://schemas.openxmlformats.org/drawingml/2006/main" xmlns:p="http://schemas.openxmlformats.org/presentationml/2006/main" xmlns:r="http://schemas.openxmlformats.org/officeDocument/2006/relationships">
+<p:sld xmlns:a="http://schemas.openxmlformats.org/drawingml/2006/main" xmlns:r="http://schemas.openxmlformats.org/officeDocument/2006/relationships" xmlns:p="http://schemas.openxmlformats.org/presentationml/2006/main">
   <p:cSld>
     <p:bg>
       <p:bgPr>
@@ -6695,7 +8543,14 @@
         <p:cNvGrpSpPr/>
         <p:nvPr/>
       </p:nvGrpSpPr>
-      <p:grpSpPr/>
+      <p:grpSpPr>
+        <a:xfrm>
+          <a:off x="0" y="0"/>
+          <a:ext cx="0" cy="0"/>
+          <a:chOff x="0" y="0"/>
+          <a:chExt cx="0" cy="0"/>
+        </a:xfrm>
+      </p:grpSpPr>
       <p:sp>
         <p:nvSpPr>
           <p:cNvPr id="2" name="TextBox 1"/>
@@ -6723,6 +8578,7 @@
                 <a:solidFill>
                   <a:srgbClr val="333333"/>
                 </a:solidFill>
+                <a:latin typeface="Helvetica Neue"/>
               </a:defRPr>
             </a:pPr>
             <a:r>
@@ -6771,6 +8627,7 @@
           <a:lstStyle/>
           <a:p>
             <a:pPr algn="ctr"/>
+            <a:endParaRPr/>
           </a:p>
         </p:txBody>
       </p:sp>
@@ -6801,6 +8658,7 @@
                 <a:solidFill>
                   <a:srgbClr val="9D1535"/>
                 </a:solidFill>
+                <a:latin typeface="Helvetica Neue"/>
               </a:defRPr>
             </a:pPr>
             <a:r>
@@ -6839,6 +8697,7 @@
                 <a:solidFill>
                   <a:srgbClr val="333333"/>
                 </a:solidFill>
+                <a:latin typeface="Helvetica Neue"/>
               </a:defRPr>
             </a:pPr>
             <a:r>
@@ -6854,6 +8713,7 @@
                 <a:solidFill>
                   <a:srgbClr val="333333"/>
                 </a:solidFill>
+                <a:latin typeface="Helvetica Neue"/>
               </a:defRPr>
             </a:pPr>
             <a:r>
@@ -6869,6 +8729,7 @@
                 <a:solidFill>
                   <a:srgbClr val="333333"/>
                 </a:solidFill>
+                <a:latin typeface="Helvetica Neue"/>
               </a:defRPr>
             </a:pPr>
             <a:r>
@@ -6884,6 +8745,7 @@
                 <a:solidFill>
                   <a:srgbClr val="333333"/>
                 </a:solidFill>
+                <a:latin typeface="Helvetica Neue"/>
               </a:defRPr>
             </a:pPr>
             <a:r>
@@ -6919,6 +8781,7 @@
                 <a:solidFill>
                   <a:srgbClr val="9D1535"/>
                 </a:solidFill>
+                <a:latin typeface="Helvetica Neue"/>
               </a:defRPr>
             </a:pPr>
             <a:r>
@@ -6957,6 +8820,7 @@
                 <a:solidFill>
                   <a:srgbClr val="333333"/>
                 </a:solidFill>
+                <a:latin typeface="Helvetica Neue"/>
               </a:defRPr>
             </a:pPr>
             <a:r>
@@ -6972,6 +8836,7 @@
                 <a:solidFill>
                   <a:srgbClr val="333333"/>
                 </a:solidFill>
+                <a:latin typeface="Helvetica Neue"/>
               </a:defRPr>
             </a:pPr>
             <a:r>
@@ -6987,6 +8852,7 @@
                 <a:solidFill>
                   <a:srgbClr val="333333"/>
                 </a:solidFill>
+                <a:latin typeface="Helvetica Neue"/>
               </a:defRPr>
             </a:pPr>
             <a:r>
@@ -7002,6 +8868,7 @@
                 <a:solidFill>
                   <a:srgbClr val="333333"/>
                 </a:solidFill>
+                <a:latin typeface="Helvetica Neue"/>
               </a:defRPr>
             </a:pPr>
             <a:r>
@@ -7037,6 +8904,7 @@
                 <a:solidFill>
                   <a:srgbClr val="949594"/>
                 </a:solidFill>
+                <a:latin typeface="Helvetica Neue"/>
               </a:defRPr>
             </a:pPr>
             <a:r>
@@ -7054,7 +8922,7 @@
 </file>
 
 <file path=ppt/slides/slide19.xml><?xml version="1.0" encoding="utf-8"?>
-<p:sld xmlns:a="http://schemas.openxmlformats.org/drawingml/2006/main" xmlns:p="http://schemas.openxmlformats.org/presentationml/2006/main" xmlns:r="http://schemas.openxmlformats.org/officeDocument/2006/relationships">
+<p:sld xmlns:a="http://schemas.openxmlformats.org/drawingml/2006/main" xmlns:r="http://schemas.openxmlformats.org/officeDocument/2006/relationships" xmlns:p="http://schemas.openxmlformats.org/presentationml/2006/main">
   <p:cSld>
     <p:bg>
       <p:bgPr>
@@ -7070,7 +8938,14 @@
         <p:cNvGrpSpPr/>
         <p:nvPr/>
       </p:nvGrpSpPr>
-      <p:grpSpPr/>
+      <p:grpSpPr>
+        <a:xfrm>
+          <a:off x="0" y="0"/>
+          <a:ext cx="0" cy="0"/>
+          <a:chOff x="0" y="0"/>
+          <a:chExt cx="0" cy="0"/>
+        </a:xfrm>
+      </p:grpSpPr>
       <p:sp>
         <p:nvSpPr>
           <p:cNvPr id="2" name="TextBox 1"/>
@@ -7098,6 +8973,7 @@
                 <a:solidFill>
                   <a:srgbClr val="333333"/>
                 </a:solidFill>
+                <a:latin typeface="Helvetica Neue"/>
               </a:defRPr>
             </a:pPr>
             <a:r>
@@ -7146,6 +9022,7 @@
           <a:lstStyle/>
           <a:p>
             <a:pPr algn="ctr"/>
+            <a:endParaRPr/>
           </a:p>
         </p:txBody>
       </p:sp>
@@ -7176,6 +9053,7 @@
                 <a:solidFill>
                   <a:srgbClr val="9D1535"/>
                 </a:solidFill>
+                <a:latin typeface="Helvetica Neue"/>
               </a:defRPr>
             </a:pPr>
             <a:r>
@@ -7214,6 +9092,7 @@
                 <a:solidFill>
                   <a:srgbClr val="333333"/>
                 </a:solidFill>
+                <a:latin typeface="Helvetica Neue"/>
               </a:defRPr>
             </a:pPr>
             <a:r>
@@ -7229,6 +9108,7 @@
                 <a:solidFill>
                   <a:srgbClr val="333333"/>
                 </a:solidFill>
+                <a:latin typeface="Helvetica Neue"/>
               </a:defRPr>
             </a:pPr>
             <a:r>
@@ -7244,6 +9124,7 @@
                 <a:solidFill>
                   <a:srgbClr val="333333"/>
                 </a:solidFill>
+                <a:latin typeface="Helvetica Neue"/>
               </a:defRPr>
             </a:pPr>
             <a:r>
@@ -7259,6 +9140,7 @@
                 <a:solidFill>
                   <a:srgbClr val="333333"/>
                 </a:solidFill>
+                <a:latin typeface="Helvetica Neue"/>
               </a:defRPr>
             </a:pPr>
             <a:r>
@@ -7294,6 +9176,7 @@
                 <a:solidFill>
                   <a:srgbClr val="9D1535"/>
                 </a:solidFill>
+                <a:latin typeface="Helvetica Neue"/>
               </a:defRPr>
             </a:pPr>
             <a:r>
@@ -7332,6 +9215,7 @@
                 <a:solidFill>
                   <a:srgbClr val="333333"/>
                 </a:solidFill>
+                <a:latin typeface="Helvetica Neue"/>
               </a:defRPr>
             </a:pPr>
             <a:r>
@@ -7347,6 +9231,7 @@
                 <a:solidFill>
                   <a:srgbClr val="333333"/>
                 </a:solidFill>
+                <a:latin typeface="Helvetica Neue"/>
               </a:defRPr>
             </a:pPr>
             <a:r>
@@ -7362,6 +9247,7 @@
                 <a:solidFill>
                   <a:srgbClr val="333333"/>
                 </a:solidFill>
+                <a:latin typeface="Helvetica Neue"/>
               </a:defRPr>
             </a:pPr>
             <a:r>
@@ -7377,6 +9263,7 @@
                 <a:solidFill>
                   <a:srgbClr val="333333"/>
                 </a:solidFill>
+                <a:latin typeface="Helvetica Neue"/>
               </a:defRPr>
             </a:pPr>
             <a:r>
@@ -7412,6 +9299,7 @@
                 <a:solidFill>
                   <a:srgbClr val="949594"/>
                 </a:solidFill>
+                <a:latin typeface="Helvetica Neue"/>
               </a:defRPr>
             </a:pPr>
             <a:r>
@@ -7429,7 +9317,7 @@
 </file>
 
 <file path=ppt/slides/slide2.xml><?xml version="1.0" encoding="utf-8"?>
-<p:sld xmlns:a="http://schemas.openxmlformats.org/drawingml/2006/main" xmlns:p="http://schemas.openxmlformats.org/presentationml/2006/main" xmlns:r="http://schemas.openxmlformats.org/officeDocument/2006/relationships">
+<p:sld xmlns:a="http://schemas.openxmlformats.org/drawingml/2006/main" xmlns:r="http://schemas.openxmlformats.org/officeDocument/2006/relationships" xmlns:p="http://schemas.openxmlformats.org/presentationml/2006/main">
   <p:cSld>
     <p:bg>
       <p:bgPr>
@@ -7445,7 +9333,14 @@
         <p:cNvGrpSpPr/>
         <p:nvPr/>
       </p:nvGrpSpPr>
-      <p:grpSpPr/>
+      <p:grpSpPr>
+        <a:xfrm>
+          <a:off x="0" y="0"/>
+          <a:ext cx="0" cy="0"/>
+          <a:chOff x="0" y="0"/>
+          <a:chExt cx="0" cy="0"/>
+        </a:xfrm>
+      </p:grpSpPr>
       <p:sp>
         <p:nvSpPr>
           <p:cNvPr id="2" name="TextBox 1"/>
@@ -7473,6 +9368,7 @@
                 <a:solidFill>
                   <a:srgbClr val="333333"/>
                 </a:solidFill>
+                <a:latin typeface="Helvetica Neue"/>
               </a:defRPr>
             </a:pPr>
             <a:r>
@@ -7521,6 +9417,7 @@
           <a:lstStyle/>
           <a:p>
             <a:pPr algn="ctr"/>
+            <a:endParaRPr/>
           </a:p>
         </p:txBody>
       </p:sp>
@@ -7554,6 +9451,7 @@
                 <a:solidFill>
                   <a:srgbClr val="333333"/>
                 </a:solidFill>
+                <a:latin typeface="Helvetica Neue"/>
               </a:defRPr>
             </a:pPr>
             <a:r>
@@ -7569,6 +9467,7 @@
                 <a:solidFill>
                   <a:srgbClr val="333333"/>
                 </a:solidFill>
+                <a:latin typeface="Helvetica Neue"/>
               </a:defRPr>
             </a:pPr>
             <a:r>
@@ -7584,6 +9483,7 @@
                 <a:solidFill>
                   <a:srgbClr val="333333"/>
                 </a:solidFill>
+                <a:latin typeface="Helvetica Neue"/>
               </a:defRPr>
             </a:pPr>
             <a:r>
@@ -7599,6 +9499,7 @@
                 <a:solidFill>
                   <a:srgbClr val="333333"/>
                 </a:solidFill>
+                <a:latin typeface="Helvetica Neue"/>
               </a:defRPr>
             </a:pPr>
             <a:r>
@@ -7616,7 +9517,7 @@
 </file>
 
 <file path=ppt/slides/slide20.xml><?xml version="1.0" encoding="utf-8"?>
-<p:sld xmlns:a="http://schemas.openxmlformats.org/drawingml/2006/main" xmlns:p="http://schemas.openxmlformats.org/presentationml/2006/main" xmlns:r="http://schemas.openxmlformats.org/officeDocument/2006/relationships">
+<p:sld xmlns:a="http://schemas.openxmlformats.org/drawingml/2006/main" xmlns:r="http://schemas.openxmlformats.org/officeDocument/2006/relationships" xmlns:p="http://schemas.openxmlformats.org/presentationml/2006/main">
   <p:cSld>
     <p:bg>
       <p:bgPr>
@@ -7632,7 +9533,14 @@
         <p:cNvGrpSpPr/>
         <p:nvPr/>
       </p:nvGrpSpPr>
-      <p:grpSpPr/>
+      <p:grpSpPr>
+        <a:xfrm>
+          <a:off x="0" y="0"/>
+          <a:ext cx="0" cy="0"/>
+          <a:chOff x="0" y="0"/>
+          <a:chExt cx="0" cy="0"/>
+        </a:xfrm>
+      </p:grpSpPr>
       <p:sp>
         <p:nvSpPr>
           <p:cNvPr id="2" name="TextBox 1"/>
@@ -7660,6 +9568,7 @@
                 <a:solidFill>
                   <a:srgbClr val="333333"/>
                 </a:solidFill>
+                <a:latin typeface="Helvetica Neue"/>
               </a:defRPr>
             </a:pPr>
             <a:r>
@@ -7695,6 +9604,7 @@
                 <a:solidFill>
                   <a:srgbClr val="9D1535"/>
                 </a:solidFill>
+                <a:latin typeface="Helvetica Neue"/>
               </a:defRPr>
             </a:pPr>
             <a:r>
@@ -7712,7 +9622,7 @@
 </file>
 
 <file path=ppt/slides/slide3.xml><?xml version="1.0" encoding="utf-8"?>
-<p:sld xmlns:a="http://schemas.openxmlformats.org/drawingml/2006/main" xmlns:p="http://schemas.openxmlformats.org/presentationml/2006/main" xmlns:r="http://schemas.openxmlformats.org/officeDocument/2006/relationships">
+<p:sld xmlns:a="http://schemas.openxmlformats.org/drawingml/2006/main" xmlns:r="http://schemas.openxmlformats.org/officeDocument/2006/relationships" xmlns:p="http://schemas.openxmlformats.org/presentationml/2006/main">
   <p:cSld>
     <p:bg>
       <p:bgPr>
@@ -7728,7 +9638,14 @@
         <p:cNvGrpSpPr/>
         <p:nvPr/>
       </p:nvGrpSpPr>
-      <p:grpSpPr/>
+      <p:grpSpPr>
+        <a:xfrm>
+          <a:off x="0" y="0"/>
+          <a:ext cx="0" cy="0"/>
+          <a:chOff x="0" y="0"/>
+          <a:chExt cx="0" cy="0"/>
+        </a:xfrm>
+      </p:grpSpPr>
       <p:sp>
         <p:nvSpPr>
           <p:cNvPr id="2" name="TextBox 1"/>
@@ -7756,6 +9673,7 @@
                 <a:solidFill>
                   <a:srgbClr val="333333"/>
                 </a:solidFill>
+                <a:latin typeface="Helvetica Neue"/>
               </a:defRPr>
             </a:pPr>
             <a:r>
@@ -7804,6 +9722,7 @@
           <a:lstStyle/>
           <a:p>
             <a:pPr algn="ctr"/>
+            <a:endParaRPr/>
           </a:p>
         </p:txBody>
       </p:sp>
@@ -7837,6 +9756,7 @@
                 <a:solidFill>
                   <a:srgbClr val="333333"/>
                 </a:solidFill>
+                <a:latin typeface="Helvetica Neue"/>
               </a:defRPr>
             </a:pPr>
             <a:r>
@@ -7852,6 +9772,7 @@
                 <a:solidFill>
                   <a:srgbClr val="333333"/>
                 </a:solidFill>
+                <a:latin typeface="Helvetica Neue"/>
               </a:defRPr>
             </a:pPr>
             <a:r>
@@ -7867,6 +9788,7 @@
                 <a:solidFill>
                   <a:srgbClr val="333333"/>
                 </a:solidFill>
+                <a:latin typeface="Helvetica Neue"/>
               </a:defRPr>
             </a:pPr>
             <a:r>
@@ -7882,6 +9804,7 @@
                 <a:solidFill>
                   <a:srgbClr val="333333"/>
                 </a:solidFill>
+                <a:latin typeface="Helvetica Neue"/>
               </a:defRPr>
             </a:pPr>
             <a:r>
@@ -7917,6 +9840,7 @@
                 <a:solidFill>
                   <a:srgbClr val="949594"/>
                 </a:solidFill>
+                <a:latin typeface="Helvetica Neue"/>
               </a:defRPr>
             </a:pPr>
             <a:r>
@@ -7934,7 +9858,7 @@
 </file>
 
 <file path=ppt/slides/slide4.xml><?xml version="1.0" encoding="utf-8"?>
-<p:sld xmlns:a="http://schemas.openxmlformats.org/drawingml/2006/main" xmlns:p="http://schemas.openxmlformats.org/presentationml/2006/main" xmlns:r="http://schemas.openxmlformats.org/officeDocument/2006/relationships">
+<p:sld xmlns:a="http://schemas.openxmlformats.org/drawingml/2006/main" xmlns:r="http://schemas.openxmlformats.org/officeDocument/2006/relationships" xmlns:p="http://schemas.openxmlformats.org/presentationml/2006/main">
   <p:cSld>
     <p:bg>
       <p:bgPr>
@@ -7950,7 +9874,14 @@
         <p:cNvGrpSpPr/>
         <p:nvPr/>
       </p:nvGrpSpPr>
-      <p:grpSpPr/>
+      <p:grpSpPr>
+        <a:xfrm>
+          <a:off x="0" y="0"/>
+          <a:ext cx="0" cy="0"/>
+          <a:chOff x="0" y="0"/>
+          <a:chExt cx="0" cy="0"/>
+        </a:xfrm>
+      </p:grpSpPr>
       <p:sp>
         <p:nvSpPr>
           <p:cNvPr id="2" name="TextBox 1"/>
@@ -7978,6 +9909,7 @@
                 <a:solidFill>
                   <a:srgbClr val="333333"/>
                 </a:solidFill>
+                <a:latin typeface="Helvetica Neue"/>
               </a:defRPr>
             </a:pPr>
             <a:r>
@@ -8026,6 +9958,7 @@
           <a:lstStyle/>
           <a:p>
             <a:pPr algn="ctr"/>
+            <a:endParaRPr/>
           </a:p>
         </p:txBody>
       </p:sp>
@@ -8048,9 +9981,27 @@
                 <a:tableStyleId>{5C22544A-7EE6-4342-B048-85BDC9FD1C3A}</a:tableStyleId>
               </a:tblPr>
               <a:tblGrid>
-                <a:gridCol w="2743200"/>
-                <a:gridCol w="2743200"/>
-                <a:gridCol w="2743200"/>
+                <a:gridCol w="2743200">
+                  <a:extLst>
+                    <a:ext uri="{9D8B030D-6E8A-4147-A177-3AD203B41FA5}">
+                      <a16:colId xmlns:a16="http://schemas.microsoft.com/office/drawing/2014/main" val="20000"/>
+                    </a:ext>
+                  </a:extLst>
+                </a:gridCol>
+                <a:gridCol w="2743200">
+                  <a:extLst>
+                    <a:ext uri="{9D8B030D-6E8A-4147-A177-3AD203B41FA5}">
+                      <a16:colId xmlns:a16="http://schemas.microsoft.com/office/drawing/2014/main" val="20001"/>
+                    </a:ext>
+                  </a:extLst>
+                </a:gridCol>
+                <a:gridCol w="2743200">
+                  <a:extLst>
+                    <a:ext uri="{9D8B030D-6E8A-4147-A177-3AD203B41FA5}">
+                      <a16:colId xmlns:a16="http://schemas.microsoft.com/office/drawing/2014/main" val="20002"/>
+                    </a:ext>
+                  </a:extLst>
+                </a:gridCol>
               </a:tblGrid>
               <a:tr h="365760">
                 <a:tc>
@@ -8059,10 +10010,11 @@
                     <a:lstStyle/>
                     <a:p>
                       <a:pPr algn="ctr">
-                        <a:defRPr b="1" sz="1400">
+                        <a:defRPr sz="1400" b="1">
                           <a:solidFill>
                             <a:srgbClr val="FFFFFF"/>
                           </a:solidFill>
+                          <a:latin typeface="Helvetica Neue"/>
                         </a:defRPr>
                       </a:pPr>
                       <a:r>
@@ -8082,10 +10034,11 @@
                     <a:lstStyle/>
                     <a:p>
                       <a:pPr algn="ctr">
-                        <a:defRPr b="1" sz="1400">
+                        <a:defRPr sz="1400" b="1">
                           <a:solidFill>
                             <a:srgbClr val="FFFFFF"/>
                           </a:solidFill>
+                          <a:latin typeface="Helvetica Neue"/>
                         </a:defRPr>
                       </a:pPr>
                       <a:r>
@@ -8105,10 +10058,11 @@
                     <a:lstStyle/>
                     <a:p>
                       <a:pPr algn="ctr">
-                        <a:defRPr b="1" sz="1400">
+                        <a:defRPr sz="1400" b="1">
                           <a:solidFill>
                             <a:srgbClr val="FFFFFF"/>
                           </a:solidFill>
+                          <a:latin typeface="Helvetica Neue"/>
                         </a:defRPr>
                       </a:pPr>
                       <a:r>
@@ -8122,6 +10076,11 @@
                     </a:solidFill>
                   </a:tcPr>
                 </a:tc>
+                <a:extLst>
+                  <a:ext uri="{0D108BD9-81ED-4DB2-BD59-A6C34878D82A}">
+                    <a16:rowId xmlns:a16="http://schemas.microsoft.com/office/drawing/2014/main" val="10000"/>
+                  </a:ext>
+                </a:extLst>
               </a:tr>
               <a:tr h="365760">
                 <a:tc>
@@ -8134,6 +10093,7 @@
                           <a:solidFill>
                             <a:srgbClr val="333333"/>
                           </a:solidFill>
+                          <a:latin typeface="Helvetica Neue"/>
                         </a:defRPr>
                       </a:pPr>
                       <a:r>
@@ -8157,6 +10117,7 @@
                           <a:solidFill>
                             <a:srgbClr val="333333"/>
                           </a:solidFill>
+                          <a:latin typeface="Helvetica Neue"/>
                         </a:defRPr>
                       </a:pPr>
                       <a:r>
@@ -8180,6 +10141,7 @@
                           <a:solidFill>
                             <a:srgbClr val="333333"/>
                           </a:solidFill>
+                          <a:latin typeface="Helvetica Neue"/>
                         </a:defRPr>
                       </a:pPr>
                       <a:r>
@@ -8193,6 +10155,11 @@
                     </a:solidFill>
                   </a:tcPr>
                 </a:tc>
+                <a:extLst>
+                  <a:ext uri="{0D108BD9-81ED-4DB2-BD59-A6C34878D82A}">
+                    <a16:rowId xmlns:a16="http://schemas.microsoft.com/office/drawing/2014/main" val="10001"/>
+                  </a:ext>
+                </a:extLst>
               </a:tr>
               <a:tr h="365760">
                 <a:tc>
@@ -8205,6 +10172,7 @@
                           <a:solidFill>
                             <a:srgbClr val="333333"/>
                           </a:solidFill>
+                          <a:latin typeface="Helvetica Neue"/>
                         </a:defRPr>
                       </a:pPr>
                       <a:r>
@@ -8224,6 +10192,7 @@
                           <a:solidFill>
                             <a:srgbClr val="333333"/>
                           </a:solidFill>
+                          <a:latin typeface="Helvetica Neue"/>
                         </a:defRPr>
                       </a:pPr>
                       <a:r>
@@ -8243,6 +10212,7 @@
                           <a:solidFill>
                             <a:srgbClr val="333333"/>
                           </a:solidFill>
+                          <a:latin typeface="Helvetica Neue"/>
                         </a:defRPr>
                       </a:pPr>
                       <a:r>
@@ -8252,6 +10222,11 @@
                   </a:txBody>
                   <a:tcPr/>
                 </a:tc>
+                <a:extLst>
+                  <a:ext uri="{0D108BD9-81ED-4DB2-BD59-A6C34878D82A}">
+                    <a16:rowId xmlns:a16="http://schemas.microsoft.com/office/drawing/2014/main" val="10002"/>
+                  </a:ext>
+                </a:extLst>
               </a:tr>
               <a:tr h="365760">
                 <a:tc>
@@ -8264,6 +10239,7 @@
                           <a:solidFill>
                             <a:srgbClr val="333333"/>
                           </a:solidFill>
+                          <a:latin typeface="Helvetica Neue"/>
                         </a:defRPr>
                       </a:pPr>
                       <a:r>
@@ -8287,6 +10263,7 @@
                           <a:solidFill>
                             <a:srgbClr val="333333"/>
                           </a:solidFill>
+                          <a:latin typeface="Helvetica Neue"/>
                         </a:defRPr>
                       </a:pPr>
                       <a:r>
@@ -8310,6 +10287,7 @@
                           <a:solidFill>
                             <a:srgbClr val="333333"/>
                           </a:solidFill>
+                          <a:latin typeface="Helvetica Neue"/>
                         </a:defRPr>
                       </a:pPr>
                       <a:r>
@@ -8323,6 +10301,11 @@
                     </a:solidFill>
                   </a:tcPr>
                 </a:tc>
+                <a:extLst>
+                  <a:ext uri="{0D108BD9-81ED-4DB2-BD59-A6C34878D82A}">
+                    <a16:rowId xmlns:a16="http://schemas.microsoft.com/office/drawing/2014/main" val="10003"/>
+                  </a:ext>
+                </a:extLst>
               </a:tr>
               <a:tr h="365760">
                 <a:tc>
@@ -8335,6 +10318,7 @@
                           <a:solidFill>
                             <a:srgbClr val="333333"/>
                           </a:solidFill>
+                          <a:latin typeface="Helvetica Neue"/>
                         </a:defRPr>
                       </a:pPr>
                       <a:r>
@@ -8354,6 +10338,7 @@
                           <a:solidFill>
                             <a:srgbClr val="333333"/>
                           </a:solidFill>
+                          <a:latin typeface="Helvetica Neue"/>
                         </a:defRPr>
                       </a:pPr>
                       <a:r>
@@ -8373,6 +10358,7 @@
                           <a:solidFill>
                             <a:srgbClr val="333333"/>
                           </a:solidFill>
+                          <a:latin typeface="Helvetica Neue"/>
                         </a:defRPr>
                       </a:pPr>
                       <a:r>
@@ -8382,6 +10368,11 @@
                   </a:txBody>
                   <a:tcPr/>
                 </a:tc>
+                <a:extLst>
+                  <a:ext uri="{0D108BD9-81ED-4DB2-BD59-A6C34878D82A}">
+                    <a16:rowId xmlns:a16="http://schemas.microsoft.com/office/drawing/2014/main" val="10004"/>
+                  </a:ext>
+                </a:extLst>
               </a:tr>
             </a:tbl>
           </a:graphicData>
@@ -8414,6 +10405,7 @@
                 <a:solidFill>
                   <a:srgbClr val="949594"/>
                 </a:solidFill>
+                <a:latin typeface="Helvetica Neue"/>
               </a:defRPr>
             </a:pPr>
             <a:r>
@@ -8431,7 +10423,7 @@
 </file>
 
 <file path=ppt/slides/slide5.xml><?xml version="1.0" encoding="utf-8"?>
-<p:sld xmlns:a="http://schemas.openxmlformats.org/drawingml/2006/main" xmlns:p="http://schemas.openxmlformats.org/presentationml/2006/main" xmlns:r="http://schemas.openxmlformats.org/officeDocument/2006/relationships">
+<p:sld xmlns:a="http://schemas.openxmlformats.org/drawingml/2006/main" xmlns:r="http://schemas.openxmlformats.org/officeDocument/2006/relationships" xmlns:p="http://schemas.openxmlformats.org/presentationml/2006/main">
   <p:cSld>
     <p:bg>
       <p:bgPr>
@@ -8447,7 +10439,14 @@
         <p:cNvGrpSpPr/>
         <p:nvPr/>
       </p:nvGrpSpPr>
-      <p:grpSpPr/>
+      <p:grpSpPr>
+        <a:xfrm>
+          <a:off x="0" y="0"/>
+          <a:ext cx="0" cy="0"/>
+          <a:chOff x="0" y="0"/>
+          <a:chExt cx="0" cy="0"/>
+        </a:xfrm>
+      </p:grpSpPr>
       <p:sp>
         <p:nvSpPr>
           <p:cNvPr id="2" name="TextBox 1"/>
@@ -8475,6 +10474,7 @@
                 <a:solidFill>
                   <a:srgbClr val="333333"/>
                 </a:solidFill>
+                <a:latin typeface="Helvetica Neue"/>
               </a:defRPr>
             </a:pPr>
             <a:r>
@@ -8523,6 +10523,7 @@
           <a:lstStyle/>
           <a:p>
             <a:pPr algn="ctr"/>
+            <a:endParaRPr/>
           </a:p>
         </p:txBody>
       </p:sp>
@@ -8553,6 +10554,7 @@
                 <a:solidFill>
                   <a:srgbClr val="9D1535"/>
                 </a:solidFill>
+                <a:latin typeface="Helvetica Neue"/>
               </a:defRPr>
             </a:pPr>
             <a:r>
@@ -8591,6 +10593,7 @@
                 <a:solidFill>
                   <a:srgbClr val="333333"/>
                 </a:solidFill>
+                <a:latin typeface="Helvetica Neue"/>
               </a:defRPr>
             </a:pPr>
             <a:r>
@@ -8606,6 +10609,7 @@
                 <a:solidFill>
                   <a:srgbClr val="333333"/>
                 </a:solidFill>
+                <a:latin typeface="Helvetica Neue"/>
               </a:defRPr>
             </a:pPr>
             <a:r>
@@ -8621,6 +10625,7 @@
                 <a:solidFill>
                   <a:srgbClr val="333333"/>
                 </a:solidFill>
+                <a:latin typeface="Helvetica Neue"/>
               </a:defRPr>
             </a:pPr>
             <a:r>
@@ -8656,6 +10661,7 @@
                 <a:solidFill>
                   <a:srgbClr val="9D1535"/>
                 </a:solidFill>
+                <a:latin typeface="Helvetica Neue"/>
               </a:defRPr>
             </a:pPr>
             <a:r>
@@ -8694,6 +10700,7 @@
                 <a:solidFill>
                   <a:srgbClr val="333333"/>
                 </a:solidFill>
+                <a:latin typeface="Helvetica Neue"/>
               </a:defRPr>
             </a:pPr>
             <a:r>
@@ -8709,6 +10716,7 @@
                 <a:solidFill>
                   <a:srgbClr val="333333"/>
                 </a:solidFill>
+                <a:latin typeface="Helvetica Neue"/>
               </a:defRPr>
             </a:pPr>
             <a:r>
@@ -8724,6 +10732,7 @@
                 <a:solidFill>
                   <a:srgbClr val="333333"/>
                 </a:solidFill>
+                <a:latin typeface="Helvetica Neue"/>
               </a:defRPr>
             </a:pPr>
             <a:r>
@@ -8759,6 +10768,7 @@
                 <a:solidFill>
                   <a:srgbClr val="949594"/>
                 </a:solidFill>
+                <a:latin typeface="Helvetica Neue"/>
               </a:defRPr>
             </a:pPr>
             <a:r>
@@ -8776,7 +10786,7 @@
 </file>
 
 <file path=ppt/slides/slide6.xml><?xml version="1.0" encoding="utf-8"?>
-<p:sld xmlns:a="http://schemas.openxmlformats.org/drawingml/2006/main" xmlns:p="http://schemas.openxmlformats.org/presentationml/2006/main" xmlns:r="http://schemas.openxmlformats.org/officeDocument/2006/relationships">
+<p:sld xmlns:a="http://schemas.openxmlformats.org/drawingml/2006/main" xmlns:r="http://schemas.openxmlformats.org/officeDocument/2006/relationships" xmlns:p="http://schemas.openxmlformats.org/presentationml/2006/main">
   <p:cSld>
     <p:bg>
       <p:bgPr>
@@ -8792,7 +10802,14 @@
         <p:cNvGrpSpPr/>
         <p:nvPr/>
       </p:nvGrpSpPr>
-      <p:grpSpPr/>
+      <p:grpSpPr>
+        <a:xfrm>
+          <a:off x="0" y="0"/>
+          <a:ext cx="0" cy="0"/>
+          <a:chOff x="0" y="0"/>
+          <a:chExt cx="0" cy="0"/>
+        </a:xfrm>
+      </p:grpSpPr>
       <p:sp>
         <p:nvSpPr>
           <p:cNvPr id="2" name="TextBox 1"/>
@@ -8820,6 +10837,7 @@
                 <a:solidFill>
                   <a:srgbClr val="333333"/>
                 </a:solidFill>
+                <a:latin typeface="Helvetica Neue"/>
               </a:defRPr>
             </a:pPr>
             <a:r>
@@ -8868,6 +10886,7 @@
           <a:lstStyle/>
           <a:p>
             <a:pPr algn="ctr"/>
+            <a:endParaRPr/>
           </a:p>
         </p:txBody>
       </p:sp>
@@ -8901,6 +10920,7 @@
                 <a:solidFill>
                   <a:srgbClr val="333333"/>
                 </a:solidFill>
+                <a:latin typeface="Helvetica Neue"/>
               </a:defRPr>
             </a:pPr>
             <a:r>
@@ -8916,6 +10936,7 @@
                 <a:solidFill>
                   <a:srgbClr val="333333"/>
                 </a:solidFill>
+                <a:latin typeface="Helvetica Neue"/>
               </a:defRPr>
             </a:pPr>
             <a:r>
@@ -8931,6 +10952,7 @@
                 <a:solidFill>
                   <a:srgbClr val="333333"/>
                 </a:solidFill>
+                <a:latin typeface="Helvetica Neue"/>
               </a:defRPr>
             </a:pPr>
             <a:r>
@@ -8946,6 +10968,7 @@
                 <a:solidFill>
                   <a:srgbClr val="333333"/>
                 </a:solidFill>
+                <a:latin typeface="Helvetica Neue"/>
               </a:defRPr>
             </a:pPr>
             <a:r>
@@ -8981,6 +11004,7 @@
                 <a:solidFill>
                   <a:srgbClr val="949594"/>
                 </a:solidFill>
+                <a:latin typeface="Helvetica Neue"/>
               </a:defRPr>
             </a:pPr>
             <a:r>
@@ -8998,7 +11022,7 @@
 </file>
 
 <file path=ppt/slides/slide7.xml><?xml version="1.0" encoding="utf-8"?>
-<p:sld xmlns:a="http://schemas.openxmlformats.org/drawingml/2006/main" xmlns:p="http://schemas.openxmlformats.org/presentationml/2006/main" xmlns:r="http://schemas.openxmlformats.org/officeDocument/2006/relationships">
+<p:sld xmlns:a="http://schemas.openxmlformats.org/drawingml/2006/main" xmlns:r="http://schemas.openxmlformats.org/officeDocument/2006/relationships" xmlns:p="http://schemas.openxmlformats.org/presentationml/2006/main">
   <p:cSld>
     <p:bg>
       <p:bgPr>
@@ -9014,7 +11038,14 @@
         <p:cNvGrpSpPr/>
         <p:nvPr/>
       </p:nvGrpSpPr>
-      <p:grpSpPr/>
+      <p:grpSpPr>
+        <a:xfrm>
+          <a:off x="0" y="0"/>
+          <a:ext cx="0" cy="0"/>
+          <a:chOff x="0" y="0"/>
+          <a:chExt cx="0" cy="0"/>
+        </a:xfrm>
+      </p:grpSpPr>
       <p:sp>
         <p:nvSpPr>
           <p:cNvPr id="2" name="TextBox 1"/>
@@ -9042,6 +11073,7 @@
                 <a:solidFill>
                   <a:srgbClr val="333333"/>
                 </a:solidFill>
+                <a:latin typeface="Helvetica Neue"/>
               </a:defRPr>
             </a:pPr>
             <a:r>
@@ -9090,110 +11122,43 @@
           <a:lstStyle/>
           <a:p>
             <a:pPr algn="ctr"/>
-          </a:p>
-        </p:txBody>
-      </p:sp>
-      <p:sp>
-        <p:nvSpPr>
-          <p:cNvPr id="4" name="Rounded Rectangle 3"/>
-          <p:cNvSpPr/>
+            <a:endParaRPr/>
+          </a:p>
+        </p:txBody>
+      </p:sp>
+      <p:pic>
+        <p:nvPicPr>
+          <p:cNvPr id="4" name="Picture 3" descr="feature_importance.png"/>
+          <p:cNvPicPr>
+            <a:picLocks noChangeAspect="1"/>
+          </p:cNvPicPr>
           <p:nvPr/>
-        </p:nvSpPr>
+        </p:nvPicPr>
+        <p:blipFill>
+          <a:blip r:embed="rId3"/>
+          <a:stretch>
+            <a:fillRect/>
+          </a:stretch>
+        </p:blipFill>
         <p:spPr>
           <a:xfrm>
-            <a:off x="685800" y="1280160"/>
-            <a:ext cx="7772400" cy="3200400"/>
-          </a:xfrm>
-          <a:prstGeom prst="roundRect">
-            <a:avLst/>
-          </a:prstGeom>
-          <a:solidFill>
-            <a:srgbClr val="F8F8F8"/>
-          </a:solidFill>
-          <a:ln>
-            <a:solidFill>
-              <a:srgbClr val="949594"/>
-            </a:solidFill>
-          </a:ln>
-        </p:spPr>
-        <p:style>
-          <a:lnRef idx="1">
-            <a:schemeClr val="accent1"/>
-          </a:lnRef>
-          <a:fillRef idx="3">
-            <a:schemeClr val="accent1"/>
-          </a:fillRef>
-          <a:effectRef idx="2">
-            <a:schemeClr val="accent1"/>
-          </a:effectRef>
-          <a:fontRef idx="minor">
-            <a:schemeClr val="lt1"/>
-          </a:fontRef>
-        </p:style>
-        <p:txBody>
-          <a:bodyPr rtlCol="0" anchor="ctr"/>
-          <a:lstStyle/>
-          <a:p>
-            <a:pPr algn="ctr"/>
-          </a:p>
-        </p:txBody>
-      </p:sp>
-      <p:sp>
-        <p:nvSpPr>
-          <p:cNvPr id="5" name="TextBox 4"/>
-          <p:cNvSpPr txBox="1"/>
-          <p:nvPr/>
-        </p:nvSpPr>
-        <p:spPr>
-          <a:xfrm>
-            <a:off x="1828800" y="2560320"/>
-            <a:ext cx="5486400" cy="914400"/>
+            <a:off x="1338942" y="1188720"/>
+            <a:ext cx="6466114" cy="3200400"/>
           </a:xfrm>
           <a:prstGeom prst="rect">
             <a:avLst/>
           </a:prstGeom>
-          <a:noFill/>
         </p:spPr>
-        <p:txBody>
-          <a:bodyPr wrap="none">
-            <a:spAutoFit/>
-          </a:bodyPr>
-          <a:lstStyle/>
-          <a:p>
-            <a:pPr algn="ctr">
-              <a:defRPr sz="1800">
-                <a:solidFill>
-                  <a:srgbClr val="949594"/>
-                </a:solidFill>
-              </a:defRPr>
-            </a:pPr>
-            <a:r>
-              <a:t>[INSERT: feature_importance.png]</a:t>
-            </a:r>
-          </a:p>
-          <a:p>
-            <a:pPr algn="ctr">
-              <a:defRPr sz="1200">
-                <a:solidFill>
-                  <a:srgbClr val="949594"/>
-                </a:solidFill>
-              </a:defRPr>
-            </a:pPr>
-            <a:r>
-              <a:t>Export from v5 notebook</a:t>
-            </a:r>
-          </a:p>
-        </p:txBody>
-      </p:sp>
-      <p:sp>
-        <p:nvSpPr>
-          <p:cNvPr id="6" name="TextBox 5"/>
+      </p:pic>
+      <p:sp>
+        <p:nvSpPr>
+          <p:cNvPr id="5" name="TextBox 4"/>
           <p:cNvSpPr txBox="1"/>
           <p:nvPr/>
         </p:nvSpPr>
         <p:spPr>
           <a:xfrm>
-            <a:off x="457200" y="4754880"/>
+            <a:off x="457200" y="4572000"/>
             <a:ext cx="8229600" cy="457200"/>
           </a:xfrm>
           <a:prstGeom prst="rect">
@@ -9212,6 +11177,7 @@
                 <a:solidFill>
                   <a:srgbClr val="949594"/>
                 </a:solidFill>
+                <a:latin typeface="Helvetica Neue"/>
               </a:defRPr>
             </a:pPr>
             <a:r>
@@ -9229,7 +11195,7 @@
 </file>
 
 <file path=ppt/slides/slide8.xml><?xml version="1.0" encoding="utf-8"?>
-<p:sld xmlns:a="http://schemas.openxmlformats.org/drawingml/2006/main" xmlns:p="http://schemas.openxmlformats.org/presentationml/2006/main" xmlns:r="http://schemas.openxmlformats.org/officeDocument/2006/relationships">
+<p:sld xmlns:a="http://schemas.openxmlformats.org/drawingml/2006/main" xmlns:r="http://schemas.openxmlformats.org/officeDocument/2006/relationships" xmlns:p="http://schemas.openxmlformats.org/presentationml/2006/main">
   <p:cSld>
     <p:bg>
       <p:bgPr>
@@ -9245,7 +11211,14 @@
         <p:cNvGrpSpPr/>
         <p:nvPr/>
       </p:nvGrpSpPr>
-      <p:grpSpPr/>
+      <p:grpSpPr>
+        <a:xfrm>
+          <a:off x="0" y="0"/>
+          <a:ext cx="0" cy="0"/>
+          <a:chOff x="0" y="0"/>
+          <a:chExt cx="0" cy="0"/>
+        </a:xfrm>
+      </p:grpSpPr>
       <p:sp>
         <p:nvSpPr>
           <p:cNvPr id="2" name="TextBox 1"/>
@@ -9273,6 +11246,7 @@
                 <a:solidFill>
                   <a:srgbClr val="333333"/>
                 </a:solidFill>
+                <a:latin typeface="Helvetica Neue"/>
               </a:defRPr>
             </a:pPr>
             <a:r>
@@ -9321,6 +11295,7 @@
           <a:lstStyle/>
           <a:p>
             <a:pPr algn="ctr"/>
+            <a:endParaRPr/>
           </a:p>
         </p:txBody>
       </p:sp>
@@ -9354,6 +11329,7 @@
                 <a:solidFill>
                   <a:srgbClr val="333333"/>
                 </a:solidFill>
+                <a:latin typeface="Helvetica Neue"/>
               </a:defRPr>
             </a:pPr>
             <a:r>
@@ -9369,6 +11345,7 @@
                 <a:solidFill>
                   <a:srgbClr val="333333"/>
                 </a:solidFill>
+                <a:latin typeface="Helvetica Neue"/>
               </a:defRPr>
             </a:pPr>
             <a:r>
@@ -9384,6 +11361,7 @@
                 <a:solidFill>
                   <a:srgbClr val="333333"/>
                 </a:solidFill>
+                <a:latin typeface="Helvetica Neue"/>
               </a:defRPr>
             </a:pPr>
             <a:r>
@@ -9399,6 +11377,7 @@
                 <a:solidFill>
                   <a:srgbClr val="333333"/>
                 </a:solidFill>
+                <a:latin typeface="Helvetica Neue"/>
               </a:defRPr>
             </a:pPr>
             <a:r>
@@ -9434,6 +11413,7 @@
                 <a:solidFill>
                   <a:srgbClr val="949594"/>
                 </a:solidFill>
+                <a:latin typeface="Helvetica Neue"/>
               </a:defRPr>
             </a:pPr>
             <a:r>
@@ -9451,7 +11431,7 @@
 </file>
 
 <file path=ppt/slides/slide9.xml><?xml version="1.0" encoding="utf-8"?>
-<p:sld xmlns:a="http://schemas.openxmlformats.org/drawingml/2006/main" xmlns:p="http://schemas.openxmlformats.org/presentationml/2006/main" xmlns:r="http://schemas.openxmlformats.org/officeDocument/2006/relationships">
+<p:sld xmlns:a="http://schemas.openxmlformats.org/drawingml/2006/main" xmlns:r="http://schemas.openxmlformats.org/officeDocument/2006/relationships" xmlns:p="http://schemas.openxmlformats.org/presentationml/2006/main">
   <p:cSld>
     <p:bg>
       <p:bgPr>
@@ -9467,7 +11447,14 @@
         <p:cNvGrpSpPr/>
         <p:nvPr/>
       </p:nvGrpSpPr>
-      <p:grpSpPr/>
+      <p:grpSpPr>
+        <a:xfrm>
+          <a:off x="0" y="0"/>
+          <a:ext cx="0" cy="0"/>
+          <a:chOff x="0" y="0"/>
+          <a:chExt cx="0" cy="0"/>
+        </a:xfrm>
+      </p:grpSpPr>
       <p:sp>
         <p:nvSpPr>
           <p:cNvPr id="2" name="TextBox 1"/>
@@ -9495,10 +11482,11 @@
                 <a:solidFill>
                   <a:srgbClr val="333333"/>
                 </a:solidFill>
+                <a:latin typeface="Helvetica Neue"/>
               </a:defRPr>
             </a:pPr>
             <a:r>
-              <a:t>Cumulative Returns</a:t>
+              <a:t>Cumulative Returns: ML vs Baseline vs SPY</a:t>
             </a:r>
           </a:p>
         </p:txBody>
@@ -9543,110 +11531,43 @@
           <a:lstStyle/>
           <a:p>
             <a:pPr algn="ctr"/>
-          </a:p>
-        </p:txBody>
-      </p:sp>
-      <p:sp>
-        <p:nvSpPr>
-          <p:cNvPr id="4" name="Rounded Rectangle 3"/>
-          <p:cNvSpPr/>
+            <a:endParaRPr/>
+          </a:p>
+        </p:txBody>
+      </p:sp>
+      <p:pic>
+        <p:nvPicPr>
+          <p:cNvPr id="4" name="Picture 3" descr="cumulative_returns.png"/>
+          <p:cNvPicPr>
+            <a:picLocks noChangeAspect="1"/>
+          </p:cNvPicPr>
           <p:nvPr/>
-        </p:nvSpPr>
+        </p:nvPicPr>
+        <p:blipFill>
+          <a:blip r:embed="rId3"/>
+          <a:stretch>
+            <a:fillRect/>
+          </a:stretch>
+        </p:blipFill>
         <p:spPr>
           <a:xfrm>
-            <a:off x="685800" y="1280160"/>
-            <a:ext cx="7772400" cy="3200400"/>
-          </a:xfrm>
-          <a:prstGeom prst="roundRect">
-            <a:avLst/>
-          </a:prstGeom>
-          <a:solidFill>
-            <a:srgbClr val="F8F8F8"/>
-          </a:solidFill>
-          <a:ln>
-            <a:solidFill>
-              <a:srgbClr val="949594"/>
-            </a:solidFill>
-          </a:ln>
-        </p:spPr>
-        <p:style>
-          <a:lnRef idx="1">
-            <a:schemeClr val="accent1"/>
-          </a:lnRef>
-          <a:fillRef idx="3">
-            <a:schemeClr val="accent1"/>
-          </a:fillRef>
-          <a:effectRef idx="2">
-            <a:schemeClr val="accent1"/>
-          </a:effectRef>
-          <a:fontRef idx="minor">
-            <a:schemeClr val="lt1"/>
-          </a:fontRef>
-        </p:style>
-        <p:txBody>
-          <a:bodyPr rtlCol="0" anchor="ctr"/>
-          <a:lstStyle/>
-          <a:p>
-            <a:pPr algn="ctr"/>
-          </a:p>
-        </p:txBody>
-      </p:sp>
-      <p:sp>
-        <p:nvSpPr>
-          <p:cNvPr id="5" name="TextBox 4"/>
-          <p:cNvSpPr txBox="1"/>
-          <p:nvPr/>
-        </p:nvSpPr>
-        <p:spPr>
-          <a:xfrm>
-            <a:off x="1828800" y="2560320"/>
-            <a:ext cx="5486400" cy="914400"/>
+            <a:off x="1886026" y="960120"/>
+            <a:ext cx="5371947" cy="3468395"/>
           </a:xfrm>
           <a:prstGeom prst="rect">
             <a:avLst/>
           </a:prstGeom>
-          <a:noFill/>
         </p:spPr>
-        <p:txBody>
-          <a:bodyPr wrap="none">
-            <a:spAutoFit/>
-          </a:bodyPr>
-          <a:lstStyle/>
-          <a:p>
-            <a:pPr algn="ctr">
-              <a:defRPr sz="1800">
-                <a:solidFill>
-                  <a:srgbClr val="949594"/>
-                </a:solidFill>
-              </a:defRPr>
-            </a:pPr>
-            <a:r>
-              <a:t>[INSERT: cumulative_returns.png]</a:t>
-            </a:r>
-          </a:p>
-          <a:p>
-            <a:pPr algn="ctr">
-              <a:defRPr sz="1200">
-                <a:solidFill>
-                  <a:srgbClr val="949594"/>
-                </a:solidFill>
-              </a:defRPr>
-            </a:pPr>
-            <a:r>
-              <a:t>Export from v5 notebook</a:t>
-            </a:r>
-          </a:p>
-        </p:txBody>
-      </p:sp>
-      <p:sp>
-        <p:nvSpPr>
-          <p:cNvPr id="6" name="TextBox 5"/>
+      </p:pic>
+      <p:sp>
+        <p:nvSpPr>
+          <p:cNvPr id="5" name="TextBox 4"/>
           <p:cNvSpPr txBox="1"/>
           <p:nvPr/>
         </p:nvSpPr>
         <p:spPr>
           <a:xfrm>
-            <a:off x="457200" y="4754880"/>
+            <a:off x="457200" y="4572000"/>
             <a:ext cx="8229600" cy="457200"/>
           </a:xfrm>
           <a:prstGeom prst="rect">
@@ -9665,10 +11586,12 @@
                 <a:solidFill>
                   <a:srgbClr val="949594"/>
                 </a:solidFill>
+                <a:latin typeface="Helvetica Neue"/>
               </a:defRPr>
             </a:pPr>
             <a:r>
-              <a:t>Mixed results across pairs — Semiconductors and Tech show promise, Energy and Staples struggle.</a:t>
+              <a:rPr dirty="0"/>
+              <a:t>Three-way comparison shows ML improvement over baseline, both compared to SPY benchmark.</a:t>
             </a:r>
           </a:p>
         </p:txBody>
@@ -9999,4 +11922,319 @@
   </a:objectDefaults>
   <a:extraClrSchemeLst/>
 </a:theme>
+</file>
+
+<file path=ppt/theme/theme2.xml><?xml version="1.0" encoding="utf-8"?>
+<a:theme xmlns:a="http://schemas.openxmlformats.org/drawingml/2006/main" name="Office Theme">
+  <a:themeElements>
+    <a:clrScheme name="Office">
+      <a:dk1>
+        <a:sysClr val="windowText" lastClr="000000"/>
+      </a:dk1>
+      <a:lt1>
+        <a:sysClr val="window" lastClr="FFFFFF"/>
+      </a:lt1>
+      <a:dk2>
+        <a:srgbClr val="0E2841"/>
+      </a:dk2>
+      <a:lt2>
+        <a:srgbClr val="E8E8E8"/>
+      </a:lt2>
+      <a:accent1>
+        <a:srgbClr val="156082"/>
+      </a:accent1>
+      <a:accent2>
+        <a:srgbClr val="E97132"/>
+      </a:accent2>
+      <a:accent3>
+        <a:srgbClr val="196B24"/>
+      </a:accent3>
+      <a:accent4>
+        <a:srgbClr val="0F9ED5"/>
+      </a:accent4>
+      <a:accent5>
+        <a:srgbClr val="A02B93"/>
+      </a:accent5>
+      <a:accent6>
+        <a:srgbClr val="4EA72E"/>
+      </a:accent6>
+      <a:hlink>
+        <a:srgbClr val="467886"/>
+      </a:hlink>
+      <a:folHlink>
+        <a:srgbClr val="96607D"/>
+      </a:folHlink>
+    </a:clrScheme>
+    <a:fontScheme name="Office">
+      <a:majorFont>
+        <a:latin typeface="Aptos Display" panose="02110004020202020204"/>
+        <a:ea typeface=""/>
+        <a:cs typeface=""/>
+        <a:font script="Jpan" typeface="游ゴシック Light"/>
+        <a:font script="Hang" typeface="맑은 고딕"/>
+        <a:font script="Hans" typeface="等线 Light"/>
+        <a:font script="Hant" typeface="新細明體"/>
+        <a:font script="Arab" typeface="Times New Roman"/>
+        <a:font script="Hebr" typeface="Times New Roman"/>
+        <a:font script="Thai" typeface="Angsana New"/>
+        <a:font script="Ethi" typeface="Nyala"/>
+        <a:font script="Beng" typeface="Vrinda"/>
+        <a:font script="Gujr" typeface="Shruti"/>
+        <a:font script="Khmr" typeface="MoolBoran"/>
+        <a:font script="Knda" typeface="Tunga"/>
+        <a:font script="Guru" typeface="Raavi"/>
+        <a:font script="Cans" typeface="Euphemia"/>
+        <a:font script="Cher" typeface="Plantagenet Cherokee"/>
+        <a:font script="Yiii" typeface="Microsoft Yi Baiti"/>
+        <a:font script="Tibt" typeface="Microsoft Himalaya"/>
+        <a:font script="Thaa" typeface="MV Boli"/>
+        <a:font script="Deva" typeface="Mangal"/>
+        <a:font script="Telu" typeface="Gautami"/>
+        <a:font script="Taml" typeface="Latha"/>
+        <a:font script="Syrc" typeface="Estrangelo Edessa"/>
+        <a:font script="Orya" typeface="Kalinga"/>
+        <a:font script="Mlym" typeface="Kartika"/>
+        <a:font script="Laoo" typeface="DokChampa"/>
+        <a:font script="Sinh" typeface="Iskoola Pota"/>
+        <a:font script="Mong" typeface="Mongolian Baiti"/>
+        <a:font script="Viet" typeface="Times New Roman"/>
+        <a:font script="Uigh" typeface="Microsoft Uighur"/>
+        <a:font script="Geor" typeface="Sylfaen"/>
+        <a:font script="Armn" typeface="Arial"/>
+        <a:font script="Bugi" typeface="Leelawadee UI"/>
+        <a:font script="Bopo" typeface="Microsoft JhengHei"/>
+        <a:font script="Java" typeface="Javanese Text"/>
+        <a:font script="Lisu" typeface="Segoe UI"/>
+        <a:font script="Mymr" typeface="Myanmar Text"/>
+        <a:font script="Nkoo" typeface="Ebrima"/>
+        <a:font script="Olck" typeface="Nirmala UI"/>
+        <a:font script="Osma" typeface="Ebrima"/>
+        <a:font script="Phag" typeface="Phagspa"/>
+        <a:font script="Syrn" typeface="Estrangelo Edessa"/>
+        <a:font script="Syrj" typeface="Estrangelo Edessa"/>
+        <a:font script="Syre" typeface="Estrangelo Edessa"/>
+        <a:font script="Sora" typeface="Nirmala UI"/>
+        <a:font script="Tale" typeface="Microsoft Tai Le"/>
+        <a:font script="Talu" typeface="Microsoft New Tai Lue"/>
+        <a:font script="Tfng" typeface="Ebrima"/>
+      </a:majorFont>
+      <a:minorFont>
+        <a:latin typeface="Aptos" panose="02110004020202020204"/>
+        <a:ea typeface=""/>
+        <a:cs typeface=""/>
+        <a:font script="Jpan" typeface="游ゴシック"/>
+        <a:font script="Hang" typeface="맑은 고딕"/>
+        <a:font script="Hans" typeface="等线"/>
+        <a:font script="Hant" typeface="新細明體"/>
+        <a:font script="Arab" typeface="Arial"/>
+        <a:font script="Hebr" typeface="Arial"/>
+        <a:font script="Thai" typeface="Cordia New"/>
+        <a:font script="Ethi" typeface="Nyala"/>
+        <a:font script="Beng" typeface="Vrinda"/>
+        <a:font script="Gujr" typeface="Shruti"/>
+        <a:font script="Khmr" typeface="DaunPenh"/>
+        <a:font script="Knda" typeface="Tunga"/>
+        <a:font script="Guru" typeface="Raavi"/>
+        <a:font script="Cans" typeface="Euphemia"/>
+        <a:font script="Cher" typeface="Plantagenet Cherokee"/>
+        <a:font script="Yiii" typeface="Microsoft Yi Baiti"/>
+        <a:font script="Tibt" typeface="Microsoft Himalaya"/>
+        <a:font script="Thaa" typeface="MV Boli"/>
+        <a:font script="Deva" typeface="Mangal"/>
+        <a:font script="Telu" typeface="Gautami"/>
+        <a:font script="Taml" typeface="Latha"/>
+        <a:font script="Syrc" typeface="Estrangelo Edessa"/>
+        <a:font script="Orya" typeface="Kalinga"/>
+        <a:font script="Mlym" typeface="Kartika"/>
+        <a:font script="Laoo" typeface="DokChampa"/>
+        <a:font script="Sinh" typeface="Iskoola Pota"/>
+        <a:font script="Mong" typeface="Mongolian Baiti"/>
+        <a:font script="Viet" typeface="Arial"/>
+        <a:font script="Uigh" typeface="Microsoft Uighur"/>
+        <a:font script="Geor" typeface="Sylfaen"/>
+        <a:font script="Armn" typeface="Arial"/>
+        <a:font script="Bugi" typeface="Leelawadee UI"/>
+        <a:font script="Bopo" typeface="Microsoft JhengHei"/>
+        <a:font script="Java" typeface="Javanese Text"/>
+        <a:font script="Lisu" typeface="Segoe UI"/>
+        <a:font script="Mymr" typeface="Myanmar Text"/>
+        <a:font script="Nkoo" typeface="Ebrima"/>
+        <a:font script="Olck" typeface="Nirmala UI"/>
+        <a:font script="Osma" typeface="Ebrima"/>
+        <a:font script="Phag" typeface="Phagspa"/>
+        <a:font script="Syrn" typeface="Estrangelo Edessa"/>
+        <a:font script="Syrj" typeface="Estrangelo Edessa"/>
+        <a:font script="Syre" typeface="Estrangelo Edessa"/>
+        <a:font script="Sora" typeface="Nirmala UI"/>
+        <a:font script="Tale" typeface="Microsoft Tai Le"/>
+        <a:font script="Talu" typeface="Microsoft New Tai Lue"/>
+        <a:font script="Tfng" typeface="Ebrima"/>
+      </a:minorFont>
+    </a:fontScheme>
+    <a:fmtScheme name="Office">
+      <a:fillStyleLst>
+        <a:solidFill>
+          <a:schemeClr val="phClr"/>
+        </a:solidFill>
+        <a:gradFill rotWithShape="1">
+          <a:gsLst>
+            <a:gs pos="0">
+              <a:schemeClr val="phClr">
+                <a:lumMod val="110000"/>
+                <a:satMod val="105000"/>
+                <a:tint val="67000"/>
+              </a:schemeClr>
+            </a:gs>
+            <a:gs pos="50000">
+              <a:schemeClr val="phClr">
+                <a:lumMod val="105000"/>
+                <a:satMod val="103000"/>
+                <a:tint val="73000"/>
+              </a:schemeClr>
+            </a:gs>
+            <a:gs pos="100000">
+              <a:schemeClr val="phClr">
+                <a:lumMod val="105000"/>
+                <a:satMod val="109000"/>
+                <a:tint val="81000"/>
+              </a:schemeClr>
+            </a:gs>
+          </a:gsLst>
+          <a:lin ang="5400000" scaled="0"/>
+        </a:gradFill>
+        <a:gradFill rotWithShape="1">
+          <a:gsLst>
+            <a:gs pos="0">
+              <a:schemeClr val="phClr">
+                <a:satMod val="103000"/>
+                <a:lumMod val="102000"/>
+                <a:tint val="94000"/>
+              </a:schemeClr>
+            </a:gs>
+            <a:gs pos="50000">
+              <a:schemeClr val="phClr">
+                <a:satMod val="110000"/>
+                <a:lumMod val="100000"/>
+                <a:shade val="100000"/>
+              </a:schemeClr>
+            </a:gs>
+            <a:gs pos="100000">
+              <a:schemeClr val="phClr">
+                <a:lumMod val="99000"/>
+                <a:satMod val="120000"/>
+                <a:shade val="78000"/>
+              </a:schemeClr>
+            </a:gs>
+          </a:gsLst>
+          <a:lin ang="5400000" scaled="0"/>
+        </a:gradFill>
+      </a:fillStyleLst>
+      <a:lnStyleLst>
+        <a:ln w="12700" cap="flat" cmpd="sng" algn="ctr">
+          <a:solidFill>
+            <a:schemeClr val="phClr"/>
+          </a:solidFill>
+          <a:prstDash val="solid"/>
+          <a:miter lim="800000"/>
+        </a:ln>
+        <a:ln w="19050" cap="flat" cmpd="sng" algn="ctr">
+          <a:solidFill>
+            <a:schemeClr val="phClr"/>
+          </a:solidFill>
+          <a:prstDash val="solid"/>
+          <a:miter lim="800000"/>
+        </a:ln>
+        <a:ln w="25400" cap="flat" cmpd="sng" algn="ctr">
+          <a:solidFill>
+            <a:schemeClr val="phClr"/>
+          </a:solidFill>
+          <a:prstDash val="solid"/>
+          <a:miter lim="800000"/>
+        </a:ln>
+      </a:lnStyleLst>
+      <a:effectStyleLst>
+        <a:effectStyle>
+          <a:effectLst/>
+        </a:effectStyle>
+        <a:effectStyle>
+          <a:effectLst/>
+        </a:effectStyle>
+        <a:effectStyle>
+          <a:effectLst>
+            <a:outerShdw blurRad="57150" dist="19050" dir="5400000" algn="ctr" rotWithShape="0">
+              <a:srgbClr val="000000">
+                <a:alpha val="63000"/>
+              </a:srgbClr>
+            </a:outerShdw>
+          </a:effectLst>
+        </a:effectStyle>
+      </a:effectStyleLst>
+      <a:bgFillStyleLst>
+        <a:solidFill>
+          <a:schemeClr val="phClr"/>
+        </a:solidFill>
+        <a:solidFill>
+          <a:schemeClr val="phClr">
+            <a:tint val="95000"/>
+            <a:satMod val="170000"/>
+          </a:schemeClr>
+        </a:solidFill>
+        <a:gradFill rotWithShape="1">
+          <a:gsLst>
+            <a:gs pos="0">
+              <a:schemeClr val="phClr">
+                <a:tint val="93000"/>
+                <a:satMod val="150000"/>
+                <a:shade val="98000"/>
+                <a:lumMod val="102000"/>
+              </a:schemeClr>
+            </a:gs>
+            <a:gs pos="50000">
+              <a:schemeClr val="phClr">
+                <a:tint val="98000"/>
+                <a:satMod val="130000"/>
+                <a:shade val="90000"/>
+                <a:lumMod val="103000"/>
+              </a:schemeClr>
+            </a:gs>
+            <a:gs pos="100000">
+              <a:schemeClr val="phClr">
+                <a:shade val="63000"/>
+                <a:satMod val="120000"/>
+              </a:schemeClr>
+            </a:gs>
+          </a:gsLst>
+          <a:lin ang="5400000" scaled="0"/>
+        </a:gradFill>
+      </a:bgFillStyleLst>
+    </a:fmtScheme>
+  </a:themeElements>
+  <a:objectDefaults>
+    <a:lnDef>
+      <a:spPr/>
+      <a:bodyPr/>
+      <a:lstStyle/>
+      <a:style>
+        <a:lnRef idx="2">
+          <a:schemeClr val="accent1"/>
+        </a:lnRef>
+        <a:fillRef idx="0">
+          <a:schemeClr val="accent1"/>
+        </a:fillRef>
+        <a:effectRef idx="1">
+          <a:schemeClr val="accent1"/>
+        </a:effectRef>
+        <a:fontRef idx="minor">
+          <a:schemeClr val="tx1"/>
+        </a:fontRef>
+      </a:style>
+    </a:lnDef>
+  </a:objectDefaults>
+  <a:extraClrSchemeLst/>
+  <a:extLst>
+    <a:ext uri="{05A4C25C-085E-4340-85A3-A5531E510DB2}">
+      <thm15:themeFamily xmlns:thm15="http://schemas.microsoft.com/office/thememl/2012/main" name="Office Theme" id="{2E142A2C-CD16-42D6-873A-C26D2A0506FA}" vid="{1BDDFF52-6CD6-40A5-AB3C-68EB2F1E4D0A}"/>
+    </a:ext>
+  </a:extLst>
+</a:theme>
 </file>